--- a/doc/Spark.pptx
+++ b/doc/Spark.pptx
@@ -18,6 +18,11 @@
     <p:sldId id="266" r:id="rId13"/>
     <p:sldId id="267" r:id="rId14"/>
     <p:sldId id="268" r:id="rId15"/>
+    <p:sldId id="269" r:id="rId16"/>
+    <p:sldId id="270" r:id="rId17"/>
+    <p:sldId id="271" r:id="rId18"/>
+    <p:sldId id="272" r:id="rId19"/>
+    <p:sldId id="273" r:id="rId20"/>
   </p:sldIdLst>
   <p:sldSz cx="12192000" cy="6858000"/>
   <p:notesSz cx="7103745" cy="10234295"/>
@@ -2842,11 +2847,7 @@
             </a:r>
             <a:r>
               <a:rPr lang="zh-CN" altLang="en-US"/>
-              <a:t>多</a:t>
-            </a:r>
-            <a:r>
-              <a:rPr lang="zh-CN" altLang="en-US"/>
-              <a:t>用于测试</a:t>
+              <a:t>多用于测试</a:t>
             </a:r>
             <a:endParaRPr lang="zh-CN" altLang="en-US"/>
           </a:p>
@@ -3041,7 +3042,7 @@
           <a:p>
             <a:r>
               <a:rPr lang="en-US" altLang="zh-CN"/>
-              <a:t>Optionally, a partitioner for key-value RDDs</a:t>
+              <a:t>Optionally, a Partitioner for key-value RDDs</a:t>
             </a:r>
             <a:endParaRPr lang="en-US" altLang="zh-CN"/>
           </a:p>
@@ -3051,6 +3052,761 @@
               <a:t>Optionally, a list of preferred locations to compute each split on</a:t>
             </a:r>
             <a:endParaRPr lang="en-US" altLang="zh-CN"/>
+          </a:p>
+        </p:txBody>
+      </p:sp>
+    </p:spTree>
+  </p:cSld>
+  <p:clrMapOvr>
+    <a:masterClrMapping/>
+  </p:clrMapOvr>
+</p:sld>
+</file>
+
+<file path=ppt/slides/slide14.xml><?xml version="1.0" encoding="utf-8"?>
+<p:sld xmlns:a="http://schemas.openxmlformats.org/drawingml/2006/main" xmlns:r="http://schemas.openxmlformats.org/officeDocument/2006/relationships" xmlns:p="http://schemas.openxmlformats.org/presentationml/2006/main">
+  <p:cSld>
+    <p:spTree>
+      <p:nvGrpSpPr>
+        <p:cNvPr id="1" name=""/>
+        <p:cNvGrpSpPr/>
+        <p:nvPr/>
+      </p:nvGrpSpPr>
+      <p:grpSpPr/>
+      <p:sp>
+        <p:nvSpPr>
+          <p:cNvPr id="2" name="标题 1"/>
+          <p:cNvSpPr>
+            <a:spLocks noGrp="1"/>
+          </p:cNvSpPr>
+          <p:nvPr>
+            <p:ph type="title"/>
+          </p:nvPr>
+        </p:nvSpPr>
+        <p:spPr/>
+        <p:txBody>
+          <a:bodyPr/>
+          <a:p>
+            <a:r>
+              <a:rPr lang="en-US" altLang="en-US"/>
+              <a:t>Spark RDD&amp;Partition</a:t>
+            </a:r>
+            <a:endParaRPr lang="en-US" altLang="en-US"/>
+          </a:p>
+        </p:txBody>
+      </p:sp>
+      <p:graphicFrame>
+        <p:nvGraphicFramePr>
+          <p:cNvPr id="4" name="内容占位符 3"/>
+          <p:cNvGraphicFramePr>
+            <a:graphicFrameLocks noChangeAspect="1"/>
+          </p:cNvGraphicFramePr>
+          <p:nvPr>
+            <p:ph sz="half" idx="1"/>
+          </p:nvPr>
+        </p:nvGraphicFramePr>
+        <p:xfrm>
+          <a:off x="838200" y="1455420"/>
+          <a:ext cx="7261860" cy="4579620"/>
+        </p:xfrm>
+        <a:graphic>
+          <a:graphicData uri="http://schemas.openxmlformats.org/presentationml/2006/ole">
+            <mc:AlternateContent xmlns:mc="http://schemas.openxmlformats.org/markup-compatibility/2006">
+              <mc:Choice xmlns:v="urn:schemas-microsoft-com:vml" Requires="v">
+                <p:oleObj spid="_x0000_s5" name="" r:id="rId1" imgW="5743575" imgH="4267200" progId="Paint.Picture">
+                  <p:embed/>
+                </p:oleObj>
+              </mc:Choice>
+              <mc:Fallback>
+                <p:oleObj name="" r:id="rId1" imgW="5743575" imgH="4267200" progId="Paint.Picture">
+                  <p:embed/>
+                  <p:pic>
+                    <p:nvPicPr>
+                      <p:cNvPr id="0" name="图片 4"/>
+                      <p:cNvPicPr/>
+                      <p:nvPr/>
+                    </p:nvPicPr>
+                    <p:blipFill>
+                      <a:blip r:embed="rId2"/>
+                      <a:stretch>
+                        <a:fillRect/>
+                      </a:stretch>
+                    </p:blipFill>
+                    <p:spPr>
+                      <a:xfrm>
+                        <a:off x="838200" y="1455420"/>
+                        <a:ext cx="7261860" cy="4579620"/>
+                      </a:xfrm>
+                      <a:prstGeom prst="rect">
+                        <a:avLst/>
+                      </a:prstGeom>
+                    </p:spPr>
+                  </p:pic>
+                </p:oleObj>
+              </mc:Fallback>
+            </mc:AlternateContent>
+          </a:graphicData>
+        </a:graphic>
+      </p:graphicFrame>
+      <p:sp>
+        <p:nvSpPr>
+          <p:cNvPr id="6" name="内容占位符 5"/>
+          <p:cNvSpPr>
+            <a:spLocks noGrp="1"/>
+          </p:cNvSpPr>
+          <p:nvPr>
+            <p:ph sz="half" idx="2"/>
+          </p:nvPr>
+        </p:nvSpPr>
+        <p:spPr>
+          <a:xfrm>
+            <a:off x="8225790" y="1825625"/>
+            <a:ext cx="3128010" cy="4351655"/>
+          </a:xfrm>
+        </p:spPr>
+        <p:txBody>
+          <a:bodyPr/>
+          <a:p>
+            <a:r>
+              <a:rPr lang="en-US" altLang="zh-CN"/>
+              <a:t>RDD </a:t>
+            </a:r>
+            <a:r>
+              <a:rPr lang="zh-CN" altLang="zh-CN"/>
+              <a:t>抽象概念</a:t>
+            </a:r>
+            <a:endParaRPr lang="zh-CN" altLang="zh-CN"/>
+          </a:p>
+          <a:p>
+            <a:endParaRPr lang="zh-CN" altLang="zh-CN"/>
+          </a:p>
+          <a:p>
+            <a:r>
+              <a:rPr lang="en-US" altLang="zh-CN"/>
+              <a:t>Partition </a:t>
+            </a:r>
+            <a:r>
+              <a:rPr lang="zh-CN" altLang="en-US"/>
+              <a:t>具体概念</a:t>
+            </a:r>
+            <a:r>
+              <a:rPr lang="en-US" altLang="zh-CN"/>
+              <a:t>--</a:t>
+            </a:r>
+            <a:r>
+              <a:rPr lang="zh-CN" altLang="en-US"/>
+              <a:t>指某个节点内连续的一片数据</a:t>
+            </a:r>
+            <a:endParaRPr lang="zh-CN" altLang="en-US"/>
+          </a:p>
+        </p:txBody>
+      </p:sp>
+    </p:spTree>
+  </p:cSld>
+  <p:clrMapOvr>
+    <a:masterClrMapping/>
+  </p:clrMapOvr>
+</p:sld>
+</file>
+
+<file path=ppt/slides/slide15.xml><?xml version="1.0" encoding="utf-8"?>
+<p:sld xmlns:a="http://schemas.openxmlformats.org/drawingml/2006/main" xmlns:r="http://schemas.openxmlformats.org/officeDocument/2006/relationships" xmlns:p="http://schemas.openxmlformats.org/presentationml/2006/main">
+  <p:cSld>
+    <p:spTree>
+      <p:nvGrpSpPr>
+        <p:cNvPr id="1" name=""/>
+        <p:cNvGrpSpPr/>
+        <p:nvPr/>
+      </p:nvGrpSpPr>
+      <p:grpSpPr/>
+      <p:sp>
+        <p:nvSpPr>
+          <p:cNvPr id="2" name="标题 1"/>
+          <p:cNvSpPr>
+            <a:spLocks noGrp="1"/>
+          </p:cNvSpPr>
+          <p:nvPr>
+            <p:ph type="title"/>
+          </p:nvPr>
+        </p:nvSpPr>
+        <p:spPr/>
+        <p:txBody>
+          <a:bodyPr>
+            <a:normAutofit/>
+          </a:bodyPr>
+          <a:p>
+            <a:r>
+              <a:rPr lang="en-US" altLang="zh-CN"/>
+              <a:t>Spark </a:t>
+            </a:r>
+            <a:r>
+              <a:rPr lang="zh-CN" altLang="zh-CN"/>
+              <a:t>运行时</a:t>
+            </a:r>
+            <a:endParaRPr lang="zh-CN" altLang="zh-CN"/>
+          </a:p>
+        </p:txBody>
+      </p:sp>
+      <p:graphicFrame>
+        <p:nvGraphicFramePr>
+          <p:cNvPr id="4" name="内容占位符 3"/>
+          <p:cNvGraphicFramePr>
+            <a:graphicFrameLocks noChangeAspect="1"/>
+          </p:cNvGraphicFramePr>
+          <p:nvPr>
+            <p:ph idx="1"/>
+          </p:nvPr>
+        </p:nvGraphicFramePr>
+        <p:xfrm>
+          <a:off x="3256915" y="2052955"/>
+          <a:ext cx="5676900" cy="3895725"/>
+        </p:xfrm>
+        <a:graphic>
+          <a:graphicData uri="http://schemas.openxmlformats.org/presentationml/2006/ole">
+            <mc:AlternateContent xmlns:mc="http://schemas.openxmlformats.org/markup-compatibility/2006">
+              <mc:Choice xmlns:v="urn:schemas-microsoft-com:vml" Requires="v">
+                <p:oleObj spid="_x0000_s5" name="" r:id="rId1" imgW="5676900" imgH="3895725" progId="Paint.Picture">
+                  <p:embed/>
+                </p:oleObj>
+              </mc:Choice>
+              <mc:Fallback>
+                <p:oleObj name="" r:id="rId1" imgW="5676900" imgH="3895725" progId="Paint.Picture">
+                  <p:embed/>
+                  <p:pic>
+                    <p:nvPicPr>
+                      <p:cNvPr id="0" name="图片 4"/>
+                      <p:cNvPicPr/>
+                      <p:nvPr/>
+                    </p:nvPicPr>
+                    <p:blipFill>
+                      <a:blip r:embed="rId2"/>
+                      <a:stretch>
+                        <a:fillRect/>
+                      </a:stretch>
+                    </p:blipFill>
+                    <p:spPr>
+                      <a:xfrm>
+                        <a:off x="3256915" y="2052955"/>
+                        <a:ext cx="5676900" cy="3895725"/>
+                      </a:xfrm>
+                      <a:prstGeom prst="rect">
+                        <a:avLst/>
+                      </a:prstGeom>
+                    </p:spPr>
+                  </p:pic>
+                </p:oleObj>
+              </mc:Fallback>
+            </mc:AlternateContent>
+          </a:graphicData>
+        </a:graphic>
+      </p:graphicFrame>
+    </p:spTree>
+  </p:cSld>
+  <p:clrMapOvr>
+    <a:masterClrMapping/>
+  </p:clrMapOvr>
+</p:sld>
+</file>
+
+<file path=ppt/slides/slide16.xml><?xml version="1.0" encoding="utf-8"?>
+<p:sld xmlns:a="http://schemas.openxmlformats.org/drawingml/2006/main" xmlns:r="http://schemas.openxmlformats.org/officeDocument/2006/relationships" xmlns:p="http://schemas.openxmlformats.org/presentationml/2006/main">
+  <p:cSld>
+    <p:spTree>
+      <p:nvGrpSpPr>
+        <p:cNvPr id="1" name=""/>
+        <p:cNvGrpSpPr/>
+        <p:nvPr/>
+      </p:nvGrpSpPr>
+      <p:grpSpPr/>
+      <p:sp>
+        <p:nvSpPr>
+          <p:cNvPr id="2" name="标题 1"/>
+          <p:cNvSpPr>
+            <a:spLocks noGrp="1"/>
+          </p:cNvSpPr>
+          <p:nvPr>
+            <p:ph type="title"/>
+          </p:nvPr>
+        </p:nvSpPr>
+        <p:spPr/>
+        <p:txBody>
+          <a:bodyPr/>
+          <a:p>
+            <a:r>
+              <a:rPr lang="zh-CN" altLang="en-US"/>
+              <a:t>流程</a:t>
+            </a:r>
+            <a:endParaRPr lang="zh-CN" altLang="en-US"/>
+          </a:p>
+        </p:txBody>
+      </p:sp>
+      <p:sp>
+        <p:nvSpPr>
+          <p:cNvPr id="3" name="内容占位符 2"/>
+          <p:cNvSpPr>
+            <a:spLocks noGrp="1"/>
+          </p:cNvSpPr>
+          <p:nvPr>
+            <p:ph idx="1"/>
+          </p:nvPr>
+        </p:nvSpPr>
+        <p:spPr/>
+        <p:txBody>
+          <a:bodyPr/>
+          <a:p>
+            <a:r>
+              <a:rPr lang="zh-CN" altLang="en-US"/>
+              <a:t>分布式文件系统 </a:t>
+            </a:r>
+            <a:r>
+              <a:rPr lang="en-US" altLang="zh-CN"/>
+              <a:t>-- </a:t>
+            </a:r>
+            <a:r>
+              <a:rPr lang="zh-CN" altLang="en-US"/>
+              <a:t>加载数据集</a:t>
+            </a:r>
+            <a:endParaRPr lang="zh-CN" altLang="en-US"/>
+          </a:p>
+          <a:p>
+            <a:r>
+              <a:rPr lang="en-US" altLang="zh-CN"/>
+              <a:t>Transformation </a:t>
+            </a:r>
+            <a:r>
+              <a:rPr lang="zh-CN" altLang="en-US"/>
+              <a:t>延迟执行 </a:t>
+            </a:r>
+            <a:r>
+              <a:rPr lang="en-US" altLang="zh-CN"/>
+              <a:t>-- </a:t>
+            </a:r>
+            <a:r>
+              <a:rPr lang="zh-CN" altLang="en-US"/>
+              <a:t>针对</a:t>
+            </a:r>
+            <a:r>
+              <a:rPr lang="en-US" altLang="zh-CN"/>
+              <a:t>RDD</a:t>
+            </a:r>
+            <a:r>
+              <a:rPr lang="zh-CN" altLang="en-US"/>
+              <a:t>的操作</a:t>
+            </a:r>
+            <a:endParaRPr lang="zh-CN" altLang="en-US"/>
+          </a:p>
+          <a:p>
+            <a:r>
+              <a:rPr lang="en-US" altLang="zh-CN"/>
+              <a:t>Action</a:t>
+            </a:r>
+            <a:r>
+              <a:rPr lang="zh-CN" altLang="en-US"/>
+              <a:t>触发执行</a:t>
+            </a:r>
+            <a:endParaRPr lang="zh-CN" altLang="en-US"/>
+          </a:p>
+        </p:txBody>
+      </p:sp>
+      <p:sp>
+        <p:nvSpPr>
+          <p:cNvPr id="4" name="流程图: 可选过程 3"/>
+          <p:cNvSpPr/>
+          <p:nvPr/>
+        </p:nvSpPr>
+        <p:spPr>
+          <a:xfrm>
+            <a:off x="1137285" y="4106545"/>
+            <a:ext cx="2092960" cy="868680"/>
+          </a:xfrm>
+          <a:prstGeom prst="flowChartAlternateProcess">
+            <a:avLst/>
+          </a:prstGeom>
+        </p:spPr>
+        <p:style>
+          <a:lnRef idx="2">
+            <a:schemeClr val="accent1">
+              <a:shade val="50000"/>
+            </a:schemeClr>
+          </a:lnRef>
+          <a:fillRef idx="1">
+            <a:schemeClr val="accent1"/>
+          </a:fillRef>
+          <a:effectRef idx="0">
+            <a:schemeClr val="accent1"/>
+          </a:effectRef>
+          <a:fontRef idx="minor">
+            <a:schemeClr val="lt1"/>
+          </a:fontRef>
+        </p:style>
+        <p:txBody>
+          <a:bodyPr rtlCol="0" anchor="ctr"/>
+          <a:p>
+            <a:pPr algn="ctr"/>
+            <a:r>
+              <a:rPr lang="en-US" altLang="zh-CN"/>
+              <a:t>Load</a:t>
+            </a:r>
+            <a:endParaRPr lang="en-US" altLang="zh-CN"/>
+          </a:p>
+        </p:txBody>
+      </p:sp>
+      <p:sp>
+        <p:nvSpPr>
+          <p:cNvPr id="5" name="流程图: 可选过程 4"/>
+          <p:cNvSpPr/>
+          <p:nvPr/>
+        </p:nvSpPr>
+        <p:spPr>
+          <a:xfrm>
+            <a:off x="4378960" y="4106545"/>
+            <a:ext cx="2092960" cy="868680"/>
+          </a:xfrm>
+          <a:prstGeom prst="flowChartAlternateProcess">
+            <a:avLst/>
+          </a:prstGeom>
+        </p:spPr>
+        <p:style>
+          <a:lnRef idx="2">
+            <a:schemeClr val="accent1">
+              <a:shade val="50000"/>
+            </a:schemeClr>
+          </a:lnRef>
+          <a:fillRef idx="1">
+            <a:schemeClr val="accent1"/>
+          </a:fillRef>
+          <a:effectRef idx="0">
+            <a:schemeClr val="accent1"/>
+          </a:effectRef>
+          <a:fontRef idx="minor">
+            <a:schemeClr val="lt1"/>
+          </a:fontRef>
+        </p:style>
+        <p:txBody>
+          <a:bodyPr rtlCol="0" anchor="ctr"/>
+          <a:p>
+            <a:pPr algn="ctr"/>
+            <a:r>
+              <a:rPr lang="en-US" altLang="zh-CN"/>
+              <a:t>Transformation</a:t>
+            </a:r>
+            <a:endParaRPr lang="en-US" altLang="zh-CN"/>
+          </a:p>
+        </p:txBody>
+      </p:sp>
+      <p:sp>
+        <p:nvSpPr>
+          <p:cNvPr id="6" name="流程图: 可选过程 5"/>
+          <p:cNvSpPr/>
+          <p:nvPr/>
+        </p:nvSpPr>
+        <p:spPr>
+          <a:xfrm>
+            <a:off x="7498715" y="4106545"/>
+            <a:ext cx="2092960" cy="868680"/>
+          </a:xfrm>
+          <a:prstGeom prst="flowChartAlternateProcess">
+            <a:avLst/>
+          </a:prstGeom>
+        </p:spPr>
+        <p:style>
+          <a:lnRef idx="2">
+            <a:schemeClr val="accent1">
+              <a:shade val="50000"/>
+            </a:schemeClr>
+          </a:lnRef>
+          <a:fillRef idx="1">
+            <a:schemeClr val="accent1"/>
+          </a:fillRef>
+          <a:effectRef idx="0">
+            <a:schemeClr val="accent1"/>
+          </a:effectRef>
+          <a:fontRef idx="minor">
+            <a:schemeClr val="lt1"/>
+          </a:fontRef>
+        </p:style>
+        <p:txBody>
+          <a:bodyPr rtlCol="0" anchor="ctr"/>
+          <a:p>
+            <a:pPr algn="ctr"/>
+            <a:r>
+              <a:rPr lang="en-US" altLang="zh-CN"/>
+              <a:t>Action</a:t>
+            </a:r>
+            <a:endParaRPr lang="en-US" altLang="zh-CN"/>
+          </a:p>
+        </p:txBody>
+      </p:sp>
+      <p:cxnSp>
+        <p:nvCxnSpPr>
+          <p:cNvPr id="12" name="直接箭头连接符 11"/>
+          <p:cNvCxnSpPr>
+            <a:stCxn id="4" idx="3"/>
+            <a:endCxn id="5" idx="1"/>
+          </p:cNvCxnSpPr>
+          <p:nvPr/>
+        </p:nvCxnSpPr>
+        <p:spPr>
+          <a:xfrm>
+            <a:off x="3230245" y="4540885"/>
+            <a:ext cx="1148715" cy="0"/>
+          </a:xfrm>
+          <a:prstGeom prst="straightConnector1">
+            <a:avLst/>
+          </a:prstGeom>
+          <a:ln>
+            <a:tailEnd type="arrow"/>
+          </a:ln>
+        </p:spPr>
+        <p:style>
+          <a:lnRef idx="1">
+            <a:schemeClr val="accent1"/>
+          </a:lnRef>
+          <a:fillRef idx="0">
+            <a:schemeClr val="accent1"/>
+          </a:fillRef>
+          <a:effectRef idx="0">
+            <a:schemeClr val="accent1"/>
+          </a:effectRef>
+          <a:fontRef idx="minor">
+            <a:schemeClr val="tx1"/>
+          </a:fontRef>
+        </p:style>
+      </p:cxnSp>
+      <p:cxnSp>
+        <p:nvCxnSpPr>
+          <p:cNvPr id="13" name="直接箭头连接符 12"/>
+          <p:cNvCxnSpPr>
+            <a:stCxn id="5" idx="3"/>
+            <a:endCxn id="6" idx="1"/>
+          </p:cNvCxnSpPr>
+          <p:nvPr/>
+        </p:nvCxnSpPr>
+        <p:spPr>
+          <a:xfrm>
+            <a:off x="6471920" y="4540885"/>
+            <a:ext cx="1026795" cy="0"/>
+          </a:xfrm>
+          <a:prstGeom prst="straightConnector1">
+            <a:avLst/>
+          </a:prstGeom>
+          <a:ln>
+            <a:tailEnd type="arrow"/>
+          </a:ln>
+        </p:spPr>
+        <p:style>
+          <a:lnRef idx="1">
+            <a:schemeClr val="accent1"/>
+          </a:lnRef>
+          <a:fillRef idx="0">
+            <a:schemeClr val="accent1"/>
+          </a:fillRef>
+          <a:effectRef idx="0">
+            <a:schemeClr val="accent1"/>
+          </a:effectRef>
+          <a:fontRef idx="minor">
+            <a:schemeClr val="tx1"/>
+          </a:fontRef>
+        </p:style>
+      </p:cxnSp>
+    </p:spTree>
+  </p:cSld>
+  <p:clrMapOvr>
+    <a:masterClrMapping/>
+  </p:clrMapOvr>
+</p:sld>
+</file>
+
+<file path=ppt/slides/slide17.xml><?xml version="1.0" encoding="utf-8"?>
+<p:sld xmlns:a="http://schemas.openxmlformats.org/drawingml/2006/main" xmlns:r="http://schemas.openxmlformats.org/officeDocument/2006/relationships" xmlns:p="http://schemas.openxmlformats.org/presentationml/2006/main">
+  <p:cSld>
+    <p:spTree>
+      <p:nvGrpSpPr>
+        <p:cNvPr id="1" name=""/>
+        <p:cNvGrpSpPr/>
+        <p:nvPr/>
+      </p:nvGrpSpPr>
+      <p:grpSpPr/>
+      <p:sp>
+        <p:nvSpPr>
+          <p:cNvPr id="2" name="标题 1"/>
+          <p:cNvSpPr>
+            <a:spLocks noGrp="1"/>
+          </p:cNvSpPr>
+          <p:nvPr>
+            <p:ph type="title"/>
+          </p:nvPr>
+        </p:nvSpPr>
+        <p:spPr/>
+        <p:txBody>
+          <a:bodyPr/>
+          <a:p>
+            <a:r>
+              <a:rPr lang="zh-CN" altLang="en-US"/>
+              <a:t>代码示例</a:t>
+            </a:r>
+            <a:endParaRPr lang="zh-CN" altLang="en-US"/>
+          </a:p>
+        </p:txBody>
+      </p:sp>
+      <p:sp>
+        <p:nvSpPr>
+          <p:cNvPr id="3" name="内容占位符 2"/>
+          <p:cNvSpPr>
+            <a:spLocks noGrp="1"/>
+          </p:cNvSpPr>
+          <p:nvPr>
+            <p:ph idx="1"/>
+          </p:nvPr>
+        </p:nvSpPr>
+        <p:spPr/>
+        <p:txBody>
+          <a:bodyPr>
+            <a:normAutofit lnSpcReduction="20000"/>
+          </a:bodyPr>
+          <a:p>
+            <a:r>
+              <a:rPr lang="en-US" altLang="zh-CN"/>
+              <a:t>lines = sc.textFile(“hdfs://...”)</a:t>
+            </a:r>
+            <a:endParaRPr lang="en-US" altLang="zh-CN"/>
+          </a:p>
+          <a:p>
+            <a:r>
+              <a:rPr lang="zh-CN" altLang="zh-CN"/>
+              <a:t>加载进来成为</a:t>
+            </a:r>
+            <a:r>
+              <a:rPr lang="en-US" altLang="zh-CN"/>
+              <a:t>RDD</a:t>
+            </a:r>
+            <a:endParaRPr lang="en-US" altLang="zh-CN"/>
+          </a:p>
+          <a:p>
+            <a:r>
+              <a:rPr lang="en-US" altLang="zh-CN"/>
+              <a:t>errors = lines.filter(_.startWith(“ERROR”))</a:t>
+            </a:r>
+            <a:endParaRPr lang="en-US" altLang="zh-CN"/>
+          </a:p>
+          <a:p>
+            <a:r>
+              <a:rPr lang="en-US" altLang="zh-CN"/>
+              <a:t>Transformation</a:t>
+            </a:r>
+            <a:r>
+              <a:rPr lang="zh-CN" altLang="zh-CN"/>
+              <a:t>转换</a:t>
+            </a:r>
+            <a:endParaRPr lang="zh-CN" altLang="zh-CN"/>
+          </a:p>
+          <a:p>
+            <a:r>
+              <a:rPr lang="en-US" altLang="zh-CN"/>
+              <a:t>errors.persist()</a:t>
+            </a:r>
+            <a:endParaRPr lang="en-US" altLang="zh-CN"/>
+          </a:p>
+          <a:p>
+            <a:r>
+              <a:rPr lang="zh-CN" altLang="zh-CN"/>
+              <a:t>缓存</a:t>
+            </a:r>
+            <a:r>
+              <a:rPr lang="en-US" altLang="zh-CN"/>
+              <a:t>RDD</a:t>
+            </a:r>
+            <a:endParaRPr lang="en-US" altLang="zh-CN"/>
+          </a:p>
+          <a:p>
+            <a:r>
+              <a:rPr lang="en-US" altLang="zh-CN"/>
+              <a:t>mysqlError = errors.filter(_.contain(“MySQL”)).count</a:t>
+            </a:r>
+            <a:endParaRPr lang="en-US" altLang="zh-CN"/>
+          </a:p>
+          <a:p>
+            <a:r>
+              <a:rPr lang="en-US" altLang="zh-CN"/>
+              <a:t>Action </a:t>
+            </a:r>
+            <a:r>
+              <a:rPr lang="zh-CN" altLang="en-US"/>
+              <a:t>执行</a:t>
+            </a:r>
+            <a:endParaRPr lang="en-US" altLang="zh-CN"/>
+          </a:p>
+          <a:p>
+            <a:r>
+              <a:rPr lang="en-US" altLang="zh-CN"/>
+              <a:t>httpError = error.filter(_.contain(“HTTP”)).count</a:t>
+            </a:r>
+            <a:endParaRPr lang="en-US" altLang="zh-CN"/>
+          </a:p>
+          <a:p>
+            <a:r>
+              <a:rPr lang="en-US" altLang="zh-CN"/>
+              <a:t>Action</a:t>
+            </a:r>
+            <a:r>
+              <a:rPr lang="zh-CN" altLang="zh-CN"/>
+              <a:t> 执行</a:t>
+            </a:r>
+            <a:endParaRPr lang="zh-CN" altLang="zh-CN"/>
+          </a:p>
+        </p:txBody>
+      </p:sp>
+    </p:spTree>
+  </p:cSld>
+  <p:clrMapOvr>
+    <a:masterClrMapping/>
+  </p:clrMapOvr>
+</p:sld>
+</file>
+
+<file path=ppt/slides/slide18.xml><?xml version="1.0" encoding="utf-8"?>
+<p:sld xmlns:a="http://schemas.openxmlformats.org/drawingml/2006/main" xmlns:r="http://schemas.openxmlformats.org/officeDocument/2006/relationships" xmlns:p="http://schemas.openxmlformats.org/presentationml/2006/main">
+  <p:cSld>
+    <p:spTree>
+      <p:nvGrpSpPr>
+        <p:cNvPr id="1" name=""/>
+        <p:cNvGrpSpPr/>
+        <p:nvPr/>
+      </p:nvGrpSpPr>
+      <p:grpSpPr/>
+      <p:sp>
+        <p:nvSpPr>
+          <p:cNvPr id="2" name="标题 1"/>
+          <p:cNvSpPr>
+            <a:spLocks noGrp="1"/>
+          </p:cNvSpPr>
+          <p:nvPr>
+            <p:ph type="title"/>
+          </p:nvPr>
+        </p:nvSpPr>
+        <p:spPr/>
+        <p:txBody>
+          <a:bodyPr/>
+          <a:p>
+            <a:endParaRPr lang="zh-CN" altLang="en-US"/>
+          </a:p>
+        </p:txBody>
+      </p:sp>
+      <p:sp>
+        <p:nvSpPr>
+          <p:cNvPr id="3" name="内容占位符 2"/>
+          <p:cNvSpPr>
+            <a:spLocks noGrp="1"/>
+          </p:cNvSpPr>
+          <p:nvPr>
+            <p:ph idx="1"/>
+          </p:nvPr>
+        </p:nvSpPr>
+        <p:spPr/>
+        <p:txBody>
+          <a:bodyPr/>
+          <a:p>
+            <a:endParaRPr lang="zh-CN" altLang="en-US"/>
           </a:p>
         </p:txBody>
       </p:sp>

--- a/doc/Spark.pptx
+++ b/doc/Spark.pptx
@@ -21,8 +21,18 @@
     <p:sldId id="269" r:id="rId16"/>
     <p:sldId id="270" r:id="rId17"/>
     <p:sldId id="271" r:id="rId18"/>
-    <p:sldId id="272" r:id="rId19"/>
-    <p:sldId id="273" r:id="rId20"/>
+    <p:sldId id="274" r:id="rId19"/>
+    <p:sldId id="272" r:id="rId20"/>
+    <p:sldId id="277" r:id="rId21"/>
+    <p:sldId id="273" r:id="rId22"/>
+    <p:sldId id="278" r:id="rId23"/>
+    <p:sldId id="279" r:id="rId24"/>
+    <p:sldId id="280" r:id="rId25"/>
+    <p:sldId id="281" r:id="rId26"/>
+    <p:sldId id="284" r:id="rId27"/>
+    <p:sldId id="285" r:id="rId28"/>
+    <p:sldId id="283" r:id="rId29"/>
+    <p:sldId id="282" r:id="rId30"/>
   </p:sldIdLst>
   <p:sldSz cx="12192000" cy="6858000"/>
   <p:notesSz cx="7103745" cy="10234295"/>
@@ -3641,121 +3651,36 @@
         <p:txBody>
           <a:bodyPr/>
           <a:p>
-            <a:r>
-              <a:rPr lang="zh-CN" altLang="en-US"/>
-              <a:t>代码示例</a:t>
-            </a:r>
-            <a:endParaRPr lang="zh-CN" altLang="en-US"/>
-          </a:p>
-        </p:txBody>
-      </p:sp>
-      <p:sp>
-        <p:nvSpPr>
-          <p:cNvPr id="3" name="内容占位符 2"/>
-          <p:cNvSpPr>
-            <a:spLocks noGrp="1"/>
-          </p:cNvSpPr>
+            <a:endParaRPr lang="zh-CN" altLang="en-US"/>
+          </a:p>
+        </p:txBody>
+      </p:sp>
+      <p:pic>
+        <p:nvPicPr>
+          <p:cNvPr id="4" name="内容占位符 3"/>
+          <p:cNvPicPr>
+            <a:picLocks noChangeAspect="1"/>
+          </p:cNvPicPr>
           <p:nvPr>
             <p:ph idx="1"/>
           </p:nvPr>
-        </p:nvSpPr>
-        <p:spPr/>
-        <p:txBody>
-          <a:bodyPr>
-            <a:normAutofit lnSpcReduction="20000"/>
-          </a:bodyPr>
-          <a:p>
-            <a:r>
-              <a:rPr lang="en-US" altLang="zh-CN"/>
-              <a:t>lines = sc.textFile(“hdfs://...”)</a:t>
-            </a:r>
-            <a:endParaRPr lang="en-US" altLang="zh-CN"/>
-          </a:p>
-          <a:p>
-            <a:r>
-              <a:rPr lang="zh-CN" altLang="zh-CN"/>
-              <a:t>加载进来成为</a:t>
-            </a:r>
-            <a:r>
-              <a:rPr lang="en-US" altLang="zh-CN"/>
-              <a:t>RDD</a:t>
-            </a:r>
-            <a:endParaRPr lang="en-US" altLang="zh-CN"/>
-          </a:p>
-          <a:p>
-            <a:r>
-              <a:rPr lang="en-US" altLang="zh-CN"/>
-              <a:t>errors = lines.filter(_.startWith(“ERROR”))</a:t>
-            </a:r>
-            <a:endParaRPr lang="en-US" altLang="zh-CN"/>
-          </a:p>
-          <a:p>
-            <a:r>
-              <a:rPr lang="en-US" altLang="zh-CN"/>
-              <a:t>Transformation</a:t>
-            </a:r>
-            <a:r>
-              <a:rPr lang="zh-CN" altLang="zh-CN"/>
-              <a:t>转换</a:t>
-            </a:r>
-            <a:endParaRPr lang="zh-CN" altLang="zh-CN"/>
-          </a:p>
-          <a:p>
-            <a:r>
-              <a:rPr lang="en-US" altLang="zh-CN"/>
-              <a:t>errors.persist()</a:t>
-            </a:r>
-            <a:endParaRPr lang="en-US" altLang="zh-CN"/>
-          </a:p>
-          <a:p>
-            <a:r>
-              <a:rPr lang="zh-CN" altLang="zh-CN"/>
-              <a:t>缓存</a:t>
-            </a:r>
-            <a:r>
-              <a:rPr lang="en-US" altLang="zh-CN"/>
-              <a:t>RDD</a:t>
-            </a:r>
-            <a:endParaRPr lang="en-US" altLang="zh-CN"/>
-          </a:p>
-          <a:p>
-            <a:r>
-              <a:rPr lang="en-US" altLang="zh-CN"/>
-              <a:t>mysqlError = errors.filter(_.contain(“MySQL”)).count</a:t>
-            </a:r>
-            <a:endParaRPr lang="en-US" altLang="zh-CN"/>
-          </a:p>
-          <a:p>
-            <a:r>
-              <a:rPr lang="en-US" altLang="zh-CN"/>
-              <a:t>Action </a:t>
-            </a:r>
-            <a:r>
-              <a:rPr lang="zh-CN" altLang="en-US"/>
-              <a:t>执行</a:t>
-            </a:r>
-            <a:endParaRPr lang="en-US" altLang="zh-CN"/>
-          </a:p>
-          <a:p>
-            <a:r>
-              <a:rPr lang="en-US" altLang="zh-CN"/>
-              <a:t>httpError = error.filter(_.contain(“HTTP”)).count</a:t>
-            </a:r>
-            <a:endParaRPr lang="en-US" altLang="zh-CN"/>
-          </a:p>
-          <a:p>
-            <a:r>
-              <a:rPr lang="en-US" altLang="zh-CN"/>
-              <a:t>Action</a:t>
-            </a:r>
-            <a:r>
-              <a:rPr lang="zh-CN" altLang="zh-CN"/>
-              <a:t> 执行</a:t>
-            </a:r>
-            <a:endParaRPr lang="zh-CN" altLang="zh-CN"/>
-          </a:p>
-        </p:txBody>
-      </p:sp>
+        </p:nvPicPr>
+        <p:blipFill>
+          <a:blip r:embed="rId1"/>
+          <a:stretch>
+            <a:fillRect/>
+          </a:stretch>
+        </p:blipFill>
+        <p:spPr>
+          <a:xfrm>
+            <a:off x="2609215" y="1934210"/>
+            <a:ext cx="6972300" cy="4133850"/>
+          </a:xfrm>
+          <a:prstGeom prst="rect">
+            <a:avLst/>
+          </a:prstGeom>
+        </p:spPr>
+      </p:pic>
     </p:spTree>
   </p:cSld>
   <p:clrMapOvr>
@@ -3786,9 +3711,15 @@
         </p:nvSpPr>
         <p:spPr/>
         <p:txBody>
-          <a:bodyPr/>
-          <a:p>
-            <a:endParaRPr lang="zh-CN" altLang="en-US"/>
+          <a:bodyPr>
+            <a:normAutofit/>
+          </a:bodyPr>
+          <a:p>
+            <a:r>
+              <a:rPr lang="zh-CN" altLang="en-US"/>
+              <a:t>代码示例</a:t>
+            </a:r>
+            <a:endParaRPr lang="en-US" altLang="zh-CN"/>
           </a:p>
         </p:txBody>
       </p:sp>
@@ -3804,9 +3735,290 @@
         </p:nvSpPr>
         <p:spPr/>
         <p:txBody>
-          <a:bodyPr/>
-          <a:p>
-            <a:endParaRPr lang="zh-CN" altLang="en-US"/>
+          <a:bodyPr>
+            <a:normAutofit lnSpcReduction="20000"/>
+          </a:bodyPr>
+          <a:p>
+            <a:r>
+              <a:rPr lang="en-US" altLang="zh-CN"/>
+              <a:t>lines = sc.textFile(“hdfs://...”)</a:t>
+            </a:r>
+            <a:endParaRPr lang="en-US" altLang="zh-CN"/>
+          </a:p>
+          <a:p>
+            <a:r>
+              <a:rPr lang="zh-CN" altLang="zh-CN"/>
+              <a:t>加载进来成为</a:t>
+            </a:r>
+            <a:r>
+              <a:rPr lang="en-US" altLang="zh-CN"/>
+              <a:t>RDD</a:t>
+            </a:r>
+            <a:endParaRPr lang="en-US" altLang="zh-CN"/>
+          </a:p>
+          <a:p>
+            <a:r>
+              <a:rPr lang="en-US" altLang="zh-CN"/>
+              <a:t>errors = lines.filter(_.startWith(“ERROR”))</a:t>
+            </a:r>
+            <a:endParaRPr lang="en-US" altLang="zh-CN"/>
+          </a:p>
+          <a:p>
+            <a:r>
+              <a:rPr lang="en-US" altLang="zh-CN"/>
+              <a:t>Transformation</a:t>
+            </a:r>
+            <a:r>
+              <a:rPr lang="zh-CN" altLang="zh-CN"/>
+              <a:t>转换</a:t>
+            </a:r>
+            <a:endParaRPr lang="zh-CN" altLang="zh-CN"/>
+          </a:p>
+          <a:p>
+            <a:r>
+              <a:rPr lang="en-US" altLang="zh-CN"/>
+              <a:t>errors.persist()</a:t>
+            </a:r>
+            <a:endParaRPr lang="en-US" altLang="zh-CN"/>
+          </a:p>
+          <a:p>
+            <a:r>
+              <a:rPr lang="zh-CN" altLang="zh-CN"/>
+              <a:t>缓存</a:t>
+            </a:r>
+            <a:r>
+              <a:rPr lang="en-US" altLang="zh-CN"/>
+              <a:t>RDD</a:t>
+            </a:r>
+            <a:endParaRPr lang="en-US" altLang="zh-CN"/>
+          </a:p>
+          <a:p>
+            <a:r>
+              <a:rPr lang="en-US" altLang="zh-CN"/>
+              <a:t>mysqlError = errors.filter(_.contain(“MySQL”)).count</a:t>
+            </a:r>
+            <a:endParaRPr lang="en-US" altLang="zh-CN"/>
+          </a:p>
+          <a:p>
+            <a:r>
+              <a:rPr lang="en-US" altLang="zh-CN"/>
+              <a:t>Action </a:t>
+            </a:r>
+            <a:r>
+              <a:rPr lang="zh-CN" altLang="en-US"/>
+              <a:t>执行</a:t>
+            </a:r>
+            <a:endParaRPr lang="en-US" altLang="zh-CN"/>
+          </a:p>
+          <a:p>
+            <a:r>
+              <a:rPr lang="en-US" altLang="zh-CN"/>
+              <a:t>httpError = error.filter(_.contain(“HTTP”)).count</a:t>
+            </a:r>
+            <a:endParaRPr lang="en-US" altLang="zh-CN"/>
+          </a:p>
+          <a:p>
+            <a:r>
+              <a:rPr lang="en-US" altLang="zh-CN"/>
+              <a:t>Action</a:t>
+            </a:r>
+            <a:r>
+              <a:rPr lang="zh-CN" altLang="zh-CN"/>
+              <a:t> 执行</a:t>
+            </a:r>
+            <a:endParaRPr lang="zh-CN" altLang="zh-CN"/>
+          </a:p>
+        </p:txBody>
+      </p:sp>
+      <p:sp>
+        <p:nvSpPr>
+          <p:cNvPr id="4" name="文本框 3"/>
+          <p:cNvSpPr txBox="1"/>
+          <p:nvPr/>
+        </p:nvSpPr>
+        <p:spPr>
+          <a:xfrm>
+            <a:off x="5440680" y="3970020"/>
+            <a:ext cx="5913120" cy="398780"/>
+          </a:xfrm>
+          <a:prstGeom prst="rect">
+            <a:avLst/>
+          </a:prstGeom>
+          <a:solidFill>
+            <a:schemeClr val="bg1"/>
+          </a:solidFill>
+        </p:spPr>
+        <p:txBody>
+          <a:bodyPr wrap="square" rtlCol="0">
+            <a:spAutoFit/>
+          </a:bodyPr>
+          <a:p>
+            <a:r>
+              <a:rPr lang="zh-CN" altLang="en-US" sz="2000" b="1">
+                <a:solidFill>
+                  <a:srgbClr val="FF0000"/>
+                </a:solidFill>
+                <a:sym typeface="+mn-ea"/>
+              </a:rPr>
+              <a:t>遇到</a:t>
+            </a:r>
+            <a:r>
+              <a:rPr lang="en-US" altLang="zh-CN" sz="2000" b="1">
+                <a:solidFill>
+                  <a:srgbClr val="FF0000"/>
+                </a:solidFill>
+                <a:sym typeface="+mn-ea"/>
+              </a:rPr>
+              <a:t>Action</a:t>
+            </a:r>
+            <a:r>
+              <a:rPr lang="zh-CN" altLang="en-US" sz="2000" b="1">
+                <a:solidFill>
+                  <a:srgbClr val="FF0000"/>
+                </a:solidFill>
+                <a:sym typeface="+mn-ea"/>
+              </a:rPr>
+              <a:t>算子会提交一个 </a:t>
+            </a:r>
+            <a:r>
+              <a:rPr lang="en-US" altLang="zh-CN" sz="2000" b="1">
+                <a:solidFill>
+                  <a:srgbClr val="FF0000"/>
+                </a:solidFill>
+                <a:sym typeface="+mn-ea"/>
+              </a:rPr>
+              <a:t>JOB</a:t>
+            </a:r>
+            <a:endParaRPr lang="en-US" altLang="zh-CN" sz="2000" b="1">
+              <a:solidFill>
+                <a:srgbClr val="FF0000"/>
+              </a:solidFill>
+              <a:sym typeface="+mn-ea"/>
+            </a:endParaRPr>
+          </a:p>
+        </p:txBody>
+      </p:sp>
+      <p:cxnSp>
+        <p:nvCxnSpPr>
+          <p:cNvPr id="5" name="直接连接符 4"/>
+          <p:cNvCxnSpPr/>
+          <p:nvPr/>
+        </p:nvCxnSpPr>
+        <p:spPr>
+          <a:xfrm>
+            <a:off x="7680960" y="4808220"/>
+            <a:ext cx="1066800" cy="0"/>
+          </a:xfrm>
+          <a:prstGeom prst="line">
+            <a:avLst/>
+          </a:prstGeom>
+          <a:ln>
+            <a:solidFill>
+              <a:srgbClr val="FF0000"/>
+            </a:solidFill>
+          </a:ln>
+        </p:spPr>
+        <p:style>
+          <a:lnRef idx="1">
+            <a:schemeClr val="accent1"/>
+          </a:lnRef>
+          <a:fillRef idx="0">
+            <a:schemeClr val="accent1"/>
+          </a:fillRef>
+          <a:effectRef idx="0">
+            <a:schemeClr val="accent1"/>
+          </a:effectRef>
+          <a:fontRef idx="minor">
+            <a:schemeClr val="tx1"/>
+          </a:fontRef>
+        </p:style>
+      </p:cxnSp>
+      <p:cxnSp>
+        <p:nvCxnSpPr>
+          <p:cNvPr id="6" name="直接连接符 5"/>
+          <p:cNvCxnSpPr/>
+          <p:nvPr/>
+        </p:nvCxnSpPr>
+        <p:spPr>
+          <a:xfrm>
+            <a:off x="7147560" y="5707380"/>
+            <a:ext cx="1112520" cy="0"/>
+          </a:xfrm>
+          <a:prstGeom prst="line">
+            <a:avLst/>
+          </a:prstGeom>
+          <a:ln>
+            <a:solidFill>
+              <a:srgbClr val="FF0000"/>
+            </a:solidFill>
+          </a:ln>
+        </p:spPr>
+        <p:style>
+          <a:lnRef idx="1">
+            <a:schemeClr val="accent1"/>
+          </a:lnRef>
+          <a:fillRef idx="0">
+            <a:schemeClr val="accent1"/>
+          </a:fillRef>
+          <a:effectRef idx="0">
+            <a:schemeClr val="accent1"/>
+          </a:effectRef>
+          <a:fontRef idx="minor">
+            <a:schemeClr val="tx1"/>
+          </a:fontRef>
+        </p:style>
+      </p:cxnSp>
+    </p:spTree>
+  </p:cSld>
+  <p:clrMapOvr>
+    <a:masterClrMapping/>
+  </p:clrMapOvr>
+</p:sld>
+</file>
+
+<file path=ppt/slides/slide19.xml><?xml version="1.0" encoding="utf-8"?>
+<p:sld xmlns:a="http://schemas.openxmlformats.org/drawingml/2006/main" xmlns:r="http://schemas.openxmlformats.org/officeDocument/2006/relationships" xmlns:p="http://schemas.openxmlformats.org/presentationml/2006/main">
+  <p:cSld>
+    <p:spTree>
+      <p:nvGrpSpPr>
+        <p:cNvPr id="1" name=""/>
+        <p:cNvGrpSpPr/>
+        <p:nvPr/>
+      </p:nvGrpSpPr>
+      <p:grpSpPr/>
+      <p:sp>
+        <p:nvSpPr>
+          <p:cNvPr id="2" name="标题 1"/>
+          <p:cNvSpPr>
+            <a:spLocks noGrp="1"/>
+          </p:cNvSpPr>
+          <p:nvPr>
+            <p:ph type="title"/>
+          </p:nvPr>
+        </p:nvSpPr>
+        <p:spPr/>
+        <p:txBody>
+          <a:bodyPr/>
+          <a:p>
+            <a:endParaRPr lang="zh-CN" altLang="en-US"/>
+          </a:p>
+        </p:txBody>
+      </p:sp>
+      <p:sp>
+        <p:nvSpPr>
+          <p:cNvPr id="3" name="内容占位符 2"/>
+          <p:cNvSpPr>
+            <a:spLocks noGrp="1"/>
+          </p:cNvSpPr>
+          <p:nvPr>
+            <p:ph idx="1"/>
+          </p:nvPr>
+        </p:nvSpPr>
+        <p:spPr/>
+        <p:txBody>
+          <a:bodyPr/>
+          <a:p>
+            <a:endParaRPr lang="en-US" altLang="zh-CN"/>
           </a:p>
         </p:txBody>
       </p:sp>
@@ -3872,6 +4084,2629 @@
           </a:prstGeom>
         </p:spPr>
       </p:pic>
+    </p:spTree>
+  </p:cSld>
+  <p:clrMapOvr>
+    <a:masterClrMapping/>
+  </p:clrMapOvr>
+</p:sld>
+</file>
+
+<file path=ppt/slides/slide20.xml><?xml version="1.0" encoding="utf-8"?>
+<p:sld xmlns:a="http://schemas.openxmlformats.org/drawingml/2006/main" xmlns:r="http://schemas.openxmlformats.org/officeDocument/2006/relationships" xmlns:p="http://schemas.openxmlformats.org/presentationml/2006/main">
+  <p:cSld>
+    <p:spTree>
+      <p:nvGrpSpPr>
+        <p:cNvPr id="1" name=""/>
+        <p:cNvGrpSpPr/>
+        <p:nvPr/>
+      </p:nvGrpSpPr>
+      <p:grpSpPr/>
+      <p:sp>
+        <p:nvSpPr>
+          <p:cNvPr id="2" name="标题 1"/>
+          <p:cNvSpPr>
+            <a:spLocks noGrp="1"/>
+          </p:cNvSpPr>
+          <p:nvPr>
+            <p:ph type="title"/>
+          </p:nvPr>
+        </p:nvSpPr>
+        <p:spPr/>
+        <p:txBody>
+          <a:bodyPr/>
+          <a:p>
+            <a:r>
+              <a:rPr lang="en-US" altLang="zh-CN"/>
+              <a:t>Spark </a:t>
+            </a:r>
+            <a:r>
+              <a:rPr lang="zh-CN" altLang="zh-CN"/>
+              <a:t>启动过程</a:t>
+            </a:r>
+            <a:endParaRPr lang="zh-CN" altLang="zh-CN"/>
+          </a:p>
+        </p:txBody>
+      </p:sp>
+      <p:pic>
+        <p:nvPicPr>
+          <p:cNvPr id="4" name="内容占位符 3"/>
+          <p:cNvPicPr>
+            <a:picLocks noChangeAspect="1"/>
+          </p:cNvPicPr>
+          <p:nvPr>
+            <p:ph idx="1"/>
+          </p:nvPr>
+        </p:nvPicPr>
+        <p:blipFill>
+          <a:blip r:embed="rId1"/>
+          <a:stretch>
+            <a:fillRect/>
+          </a:stretch>
+        </p:blipFill>
+        <p:spPr>
+          <a:xfrm>
+            <a:off x="2577465" y="1825625"/>
+            <a:ext cx="7036435" cy="4351655"/>
+          </a:xfrm>
+          <a:prstGeom prst="rect">
+            <a:avLst/>
+          </a:prstGeom>
+        </p:spPr>
+      </p:pic>
+    </p:spTree>
+  </p:cSld>
+  <p:clrMapOvr>
+    <a:masterClrMapping/>
+  </p:clrMapOvr>
+</p:sld>
+</file>
+
+<file path=ppt/slides/slide21.xml><?xml version="1.0" encoding="utf-8"?>
+<p:sld xmlns:a="http://schemas.openxmlformats.org/drawingml/2006/main" xmlns:r="http://schemas.openxmlformats.org/officeDocument/2006/relationships" xmlns:p="http://schemas.openxmlformats.org/presentationml/2006/main">
+  <p:cSld>
+    <p:spTree>
+      <p:nvGrpSpPr>
+        <p:cNvPr id="1" name=""/>
+        <p:cNvGrpSpPr/>
+        <p:nvPr/>
+      </p:nvGrpSpPr>
+      <p:grpSpPr/>
+      <p:sp>
+        <p:nvSpPr>
+          <p:cNvPr id="2" name="标题 1"/>
+          <p:cNvSpPr>
+            <a:spLocks noGrp="1"/>
+          </p:cNvSpPr>
+          <p:nvPr>
+            <p:ph type="title"/>
+          </p:nvPr>
+        </p:nvSpPr>
+        <p:spPr/>
+        <p:txBody>
+          <a:bodyPr/>
+          <a:p>
+            <a:r>
+              <a:rPr lang="zh-CN" altLang="en-US"/>
+              <a:t>缓存策略</a:t>
+            </a:r>
+            <a:endParaRPr lang="zh-CN" altLang="en-US"/>
+          </a:p>
+        </p:txBody>
+      </p:sp>
+      <p:sp>
+        <p:nvSpPr>
+          <p:cNvPr id="3" name="内容占位符 2"/>
+          <p:cNvSpPr>
+            <a:spLocks noGrp="1"/>
+          </p:cNvSpPr>
+          <p:nvPr>
+            <p:ph sz="half" idx="1"/>
+          </p:nvPr>
+        </p:nvSpPr>
+        <p:spPr>
+          <a:xfrm>
+            <a:off x="396875" y="1520825"/>
+            <a:ext cx="6780530" cy="4961255"/>
+          </a:xfrm>
+        </p:spPr>
+        <p:txBody>
+          <a:bodyPr>
+            <a:normAutofit fontScale="60000"/>
+          </a:bodyPr>
+          <a:p>
+            <a:r>
+              <a:rPr lang="zh-CN" altLang="en-US"/>
+              <a:t>object StorageLevel {</a:t>
+            </a:r>
+            <a:endParaRPr lang="zh-CN" altLang="en-US"/>
+          </a:p>
+          <a:p>
+            <a:r>
+              <a:rPr lang="zh-CN" altLang="en-US"/>
+              <a:t>  val NONE = new StorageLevel(false, false, false, false)</a:t>
+            </a:r>
+            <a:endParaRPr lang="zh-CN" altLang="en-US"/>
+          </a:p>
+          <a:p>
+            <a:r>
+              <a:rPr lang="zh-CN" altLang="en-US"/>
+              <a:t>  val DISK_ONLY = new StorageLevel(true, false, false, false)</a:t>
+            </a:r>
+            <a:endParaRPr lang="zh-CN" altLang="en-US"/>
+          </a:p>
+          <a:p>
+            <a:r>
+              <a:rPr lang="zh-CN" altLang="en-US"/>
+              <a:t>  val DISK_ONLY_2 = new StorageLevel(true, false, false, false, 2)</a:t>
+            </a:r>
+            <a:endParaRPr lang="zh-CN" altLang="en-US"/>
+          </a:p>
+          <a:p>
+            <a:r>
+              <a:rPr lang="zh-CN" altLang="en-US"/>
+              <a:t>  </a:t>
+            </a:r>
+            <a:r>
+              <a:rPr lang="zh-CN" altLang="en-US">
+                <a:solidFill>
+                  <a:srgbClr val="FF0000"/>
+                </a:solidFill>
+              </a:rPr>
+              <a:t>val MEMORY_ONLY = new StorageLevel(false, true, false, true)</a:t>
+            </a:r>
+            <a:endParaRPr lang="zh-CN" altLang="en-US"/>
+          </a:p>
+          <a:p>
+            <a:r>
+              <a:rPr lang="zh-CN" altLang="en-US"/>
+              <a:t>  val MEMORY_ONLY_2 = new StorageLevel(false, true, false, true, 2)</a:t>
+            </a:r>
+            <a:endParaRPr lang="zh-CN" altLang="en-US"/>
+          </a:p>
+          <a:p>
+            <a:r>
+              <a:rPr lang="zh-CN" altLang="en-US"/>
+              <a:t>  val MEMORY_ONLY_SER = new StorageLevel(false, true, false, false)</a:t>
+            </a:r>
+            <a:endParaRPr lang="zh-CN" altLang="en-US"/>
+          </a:p>
+          <a:p>
+            <a:r>
+              <a:rPr lang="zh-CN" altLang="en-US"/>
+              <a:t>  val MEMORY_ONLY_SER_2 = new StorageLevel(false, true, false, false, 2)</a:t>
+            </a:r>
+            <a:endParaRPr lang="zh-CN" altLang="en-US"/>
+          </a:p>
+          <a:p>
+            <a:r>
+              <a:rPr lang="zh-CN" altLang="en-US"/>
+              <a:t>  val MEMORY_AND_DISK = new StorageLevel(true, true, false, true)</a:t>
+            </a:r>
+            <a:endParaRPr lang="zh-CN" altLang="en-US"/>
+          </a:p>
+          <a:p>
+            <a:r>
+              <a:rPr lang="zh-CN" altLang="en-US"/>
+              <a:t>  val MEMORY_AND_DISK_2 = new StorageLevel(true, true, false, true, 2)</a:t>
+            </a:r>
+            <a:endParaRPr lang="zh-CN" altLang="en-US"/>
+          </a:p>
+          <a:p>
+            <a:r>
+              <a:rPr lang="zh-CN" altLang="en-US"/>
+              <a:t>  val MEMORY_AND_DISK_SER = new StorageLevel(true, true, false, false)</a:t>
+            </a:r>
+            <a:endParaRPr lang="zh-CN" altLang="en-US"/>
+          </a:p>
+          <a:p>
+            <a:r>
+              <a:rPr lang="zh-CN" altLang="en-US"/>
+              <a:t>  val MEMORY_AND_DISK_SER_2 = new StorageLevel(true, true, false, false, 2)</a:t>
+            </a:r>
+            <a:endParaRPr lang="zh-CN" altLang="en-US"/>
+          </a:p>
+          <a:p>
+            <a:r>
+              <a:rPr lang="zh-CN" altLang="en-US"/>
+              <a:t>  val OFF_HEAP = new StorageLevel(true, true, true, false, 1)</a:t>
+            </a:r>
+            <a:endParaRPr lang="zh-CN" altLang="en-US"/>
+          </a:p>
+        </p:txBody>
+      </p:sp>
+      <p:sp>
+        <p:nvSpPr>
+          <p:cNvPr id="4" name="内容占位符 3"/>
+          <p:cNvSpPr>
+            <a:spLocks noGrp="1"/>
+          </p:cNvSpPr>
+          <p:nvPr>
+            <p:ph sz="half" idx="2"/>
+          </p:nvPr>
+        </p:nvSpPr>
+        <p:spPr>
+          <a:xfrm>
+            <a:off x="7315835" y="1825625"/>
+            <a:ext cx="4692650" cy="4351655"/>
+          </a:xfrm>
+        </p:spPr>
+        <p:txBody>
+          <a:bodyPr>
+            <a:normAutofit fontScale="80000"/>
+          </a:bodyPr>
+          <a:p>
+            <a:r>
+              <a:rPr lang="zh-CN" altLang="en-US"/>
+              <a:t>class StorageLevel private(</a:t>
+            </a:r>
+            <a:endParaRPr lang="zh-CN" altLang="en-US"/>
+          </a:p>
+          <a:p>
+            <a:r>
+              <a:rPr lang="zh-CN" altLang="en-US"/>
+              <a:t>    private var _useDisk: Boolean,</a:t>
+            </a:r>
+            <a:endParaRPr lang="zh-CN" altLang="en-US"/>
+          </a:p>
+          <a:p>
+            <a:r>
+              <a:rPr lang="zh-CN" altLang="en-US"/>
+              <a:t>    private var _useMemory: Boolean,</a:t>
+            </a:r>
+            <a:endParaRPr lang="zh-CN" altLang="en-US"/>
+          </a:p>
+          <a:p>
+            <a:r>
+              <a:rPr lang="zh-CN" altLang="en-US"/>
+              <a:t>    private var _useOffHeap: Boolean,</a:t>
+            </a:r>
+            <a:endParaRPr lang="zh-CN" altLang="en-US"/>
+          </a:p>
+          <a:p>
+            <a:r>
+              <a:rPr lang="zh-CN" altLang="en-US"/>
+              <a:t>    private var _deserialized: Boolean,</a:t>
+            </a:r>
+            <a:endParaRPr lang="zh-CN" altLang="en-US"/>
+          </a:p>
+          <a:p>
+            <a:r>
+              <a:rPr lang="zh-CN" altLang="en-US"/>
+              <a:t>    private var _replication: Int = 1)</a:t>
+            </a:r>
+            <a:endParaRPr lang="zh-CN" altLang="en-US"/>
+          </a:p>
+          <a:p>
+            <a:r>
+              <a:rPr lang="zh-CN" altLang="en-US"/>
+              <a:t>  extends Externalizable {</a:t>
+            </a:r>
+            <a:endParaRPr lang="zh-CN" altLang="en-US"/>
+          </a:p>
+        </p:txBody>
+      </p:sp>
+    </p:spTree>
+  </p:cSld>
+  <p:clrMapOvr>
+    <a:masterClrMapping/>
+  </p:clrMapOvr>
+</p:sld>
+</file>
+
+<file path=ppt/slides/slide22.xml><?xml version="1.0" encoding="utf-8"?>
+<p:sld xmlns:a="http://schemas.openxmlformats.org/drawingml/2006/main" xmlns:r="http://schemas.openxmlformats.org/officeDocument/2006/relationships" xmlns:p="http://schemas.openxmlformats.org/presentationml/2006/main">
+  <p:cSld>
+    <p:spTree>
+      <p:nvGrpSpPr>
+        <p:cNvPr id="1" name=""/>
+        <p:cNvGrpSpPr/>
+        <p:nvPr/>
+      </p:nvGrpSpPr>
+      <p:grpSpPr/>
+      <p:sp>
+        <p:nvSpPr>
+          <p:cNvPr id="2" name="标题 1"/>
+          <p:cNvSpPr>
+            <a:spLocks noGrp="1"/>
+          </p:cNvSpPr>
+          <p:nvPr>
+            <p:ph type="title"/>
+          </p:nvPr>
+        </p:nvSpPr>
+        <p:spPr/>
+        <p:txBody>
+          <a:bodyPr/>
+          <a:p>
+            <a:r>
+              <a:rPr lang="zh-CN" altLang="en-US">
+                <a:solidFill>
+                  <a:schemeClr val="tx1"/>
+                </a:solidFill>
+                <a:sym typeface="+mn-ea"/>
+              </a:rPr>
+              <a:t>MEMORY_ONLY</a:t>
+            </a:r>
+            <a:endParaRPr lang="zh-CN" altLang="en-US">
+              <a:solidFill>
+                <a:schemeClr val="tx1"/>
+              </a:solidFill>
+              <a:sym typeface="+mn-ea"/>
+            </a:endParaRPr>
+          </a:p>
+        </p:txBody>
+      </p:sp>
+      <p:sp>
+        <p:nvSpPr>
+          <p:cNvPr id="3" name="内容占位符 2"/>
+          <p:cNvSpPr>
+            <a:spLocks noGrp="1"/>
+          </p:cNvSpPr>
+          <p:nvPr>
+            <p:ph sz="half" idx="1"/>
+          </p:nvPr>
+        </p:nvSpPr>
+        <p:spPr>
+          <a:xfrm>
+            <a:off x="815340" y="1825625"/>
+            <a:ext cx="5181600" cy="4351338"/>
+          </a:xfrm>
+        </p:spPr>
+        <p:txBody>
+          <a:bodyPr>
+            <a:normAutofit lnSpcReduction="20000"/>
+          </a:bodyPr>
+          <a:p>
+            <a:pPr marL="0" indent="0">
+              <a:buNone/>
+            </a:pPr>
+            <a:endParaRPr lang="en-US" altLang="zh-CN"/>
+          </a:p>
+        </p:txBody>
+      </p:sp>
+      <p:sp>
+        <p:nvSpPr>
+          <p:cNvPr id="4" name="内容占位符 3"/>
+          <p:cNvSpPr>
+            <a:spLocks noGrp="1"/>
+          </p:cNvSpPr>
+          <p:nvPr>
+            <p:ph sz="half" idx="2"/>
+          </p:nvPr>
+        </p:nvSpPr>
+        <p:spPr/>
+        <p:txBody>
+          <a:bodyPr/>
+          <a:p>
+            <a:r>
+              <a:rPr lang="zh-CN" altLang="en-US"/>
+              <a:t>如果可用于持久化的 内存总共</a:t>
+            </a:r>
+            <a:r>
+              <a:rPr lang="en-US" altLang="zh-CN"/>
+              <a:t>512M</a:t>
+            </a:r>
+            <a:r>
+              <a:rPr lang="zh-CN" altLang="en-US"/>
+              <a:t>，但是要持久化</a:t>
+            </a:r>
+            <a:r>
+              <a:rPr lang="en-US" altLang="zh-CN"/>
+              <a:t>1G</a:t>
+            </a:r>
+            <a:r>
+              <a:rPr lang="zh-CN" altLang="en-US"/>
+              <a:t>的数据，那么只有</a:t>
+            </a:r>
+            <a:r>
+              <a:rPr lang="en-US" altLang="zh-CN"/>
+              <a:t>512M</a:t>
+            </a:r>
+            <a:r>
+              <a:rPr lang="zh-CN" altLang="en-US"/>
+              <a:t>的数据会被持久化的内存，其他的</a:t>
+            </a:r>
+            <a:r>
+              <a:rPr lang="en-US" altLang="zh-CN"/>
+              <a:t>512M</a:t>
+            </a:r>
+            <a:r>
+              <a:rPr lang="zh-CN" altLang="en-US"/>
+              <a:t>的数据会在使用的时候重新根据依赖的</a:t>
+            </a:r>
+            <a:r>
+              <a:rPr lang="en-US" altLang="zh-CN"/>
+              <a:t>RDD</a:t>
+            </a:r>
+            <a:r>
+              <a:rPr lang="zh-CN" altLang="en-US"/>
+              <a:t>重新计算，追溯到</a:t>
+            </a:r>
+            <a:r>
+              <a:rPr lang="en-US" altLang="zh-CN"/>
+              <a:t>HDFS</a:t>
+            </a:r>
+            <a:r>
+              <a:rPr lang="zh-CN" altLang="en-US"/>
+              <a:t>开始</a:t>
+            </a:r>
+            <a:endParaRPr lang="zh-CN" altLang="en-US"/>
+          </a:p>
+        </p:txBody>
+      </p:sp>
+      <p:sp>
+        <p:nvSpPr>
+          <p:cNvPr id="5" name="流程图: 过程 4"/>
+          <p:cNvSpPr/>
+          <p:nvPr/>
+        </p:nvSpPr>
+        <p:spPr>
+          <a:xfrm>
+            <a:off x="1188720" y="2994660"/>
+            <a:ext cx="1478280" cy="609600"/>
+          </a:xfrm>
+          <a:prstGeom prst="flowChartProcess">
+            <a:avLst/>
+          </a:prstGeom>
+        </p:spPr>
+        <p:style>
+          <a:lnRef idx="2">
+            <a:schemeClr val="accent1">
+              <a:shade val="50000"/>
+            </a:schemeClr>
+          </a:lnRef>
+          <a:fillRef idx="1">
+            <a:schemeClr val="accent1"/>
+          </a:fillRef>
+          <a:effectRef idx="0">
+            <a:schemeClr val="accent1"/>
+          </a:effectRef>
+          <a:fontRef idx="minor">
+            <a:schemeClr val="lt1"/>
+          </a:fontRef>
+        </p:style>
+        <p:txBody>
+          <a:bodyPr rtlCol="0" anchor="ctr"/>
+          <a:p>
+            <a:pPr algn="ctr"/>
+            <a:r>
+              <a:rPr lang="en-US" altLang="zh-CN"/>
+              <a:t>RDD1: 512M</a:t>
+            </a:r>
+            <a:endParaRPr lang="en-US" altLang="zh-CN"/>
+          </a:p>
+        </p:txBody>
+      </p:sp>
+      <p:sp>
+        <p:nvSpPr>
+          <p:cNvPr id="6" name="流程图: 过程 5"/>
+          <p:cNvSpPr/>
+          <p:nvPr/>
+        </p:nvSpPr>
+        <p:spPr>
+          <a:xfrm>
+            <a:off x="2667000" y="2994660"/>
+            <a:ext cx="1478280" cy="609600"/>
+          </a:xfrm>
+          <a:prstGeom prst="flowChartProcess">
+            <a:avLst/>
+          </a:prstGeom>
+        </p:spPr>
+        <p:style>
+          <a:lnRef idx="2">
+            <a:schemeClr val="accent1">
+              <a:shade val="50000"/>
+            </a:schemeClr>
+          </a:lnRef>
+          <a:fillRef idx="1">
+            <a:schemeClr val="accent1"/>
+          </a:fillRef>
+          <a:effectRef idx="0">
+            <a:schemeClr val="accent1"/>
+          </a:effectRef>
+          <a:fontRef idx="minor">
+            <a:schemeClr val="lt1"/>
+          </a:fontRef>
+        </p:style>
+        <p:txBody>
+          <a:bodyPr rtlCol="0" anchor="ctr"/>
+          <a:p>
+            <a:pPr algn="ctr"/>
+            <a:r>
+              <a:rPr lang="en-US" altLang="zh-CN"/>
+              <a:t>512M</a:t>
+            </a:r>
+            <a:endParaRPr lang="en-US" altLang="zh-CN"/>
+          </a:p>
+        </p:txBody>
+      </p:sp>
+      <p:sp>
+        <p:nvSpPr>
+          <p:cNvPr id="7" name="流程图: 过程 6"/>
+          <p:cNvSpPr/>
+          <p:nvPr/>
+        </p:nvSpPr>
+        <p:spPr>
+          <a:xfrm>
+            <a:off x="1188720" y="4020820"/>
+            <a:ext cx="1478280" cy="609600"/>
+          </a:xfrm>
+          <a:prstGeom prst="flowChartProcess">
+            <a:avLst/>
+          </a:prstGeom>
+        </p:spPr>
+        <p:style>
+          <a:lnRef idx="2">
+            <a:schemeClr val="accent1">
+              <a:shade val="50000"/>
+            </a:schemeClr>
+          </a:lnRef>
+          <a:fillRef idx="1">
+            <a:schemeClr val="accent1"/>
+          </a:fillRef>
+          <a:effectRef idx="0">
+            <a:schemeClr val="accent1"/>
+          </a:effectRef>
+          <a:fontRef idx="minor">
+            <a:schemeClr val="lt1"/>
+          </a:fontRef>
+        </p:style>
+        <p:txBody>
+          <a:bodyPr rtlCol="0" anchor="ctr"/>
+          <a:p>
+            <a:pPr algn="ctr"/>
+            <a:r>
+              <a:rPr lang="en-US" altLang="zh-CN"/>
+              <a:t>RDD2: 512M</a:t>
+            </a:r>
+            <a:endParaRPr lang="en-US" altLang="zh-CN"/>
+          </a:p>
+        </p:txBody>
+      </p:sp>
+      <p:sp>
+        <p:nvSpPr>
+          <p:cNvPr id="8" name="流程图: 过程 7"/>
+          <p:cNvSpPr/>
+          <p:nvPr/>
+        </p:nvSpPr>
+        <p:spPr>
+          <a:xfrm>
+            <a:off x="2667000" y="4020820"/>
+            <a:ext cx="1478280" cy="609600"/>
+          </a:xfrm>
+          <a:prstGeom prst="flowChartProcess">
+            <a:avLst/>
+          </a:prstGeom>
+        </p:spPr>
+        <p:style>
+          <a:lnRef idx="2">
+            <a:schemeClr val="accent1">
+              <a:shade val="50000"/>
+            </a:schemeClr>
+          </a:lnRef>
+          <a:fillRef idx="1">
+            <a:schemeClr val="accent1"/>
+          </a:fillRef>
+          <a:effectRef idx="0">
+            <a:schemeClr val="accent1"/>
+          </a:effectRef>
+          <a:fontRef idx="minor">
+            <a:schemeClr val="lt1"/>
+          </a:fontRef>
+        </p:style>
+        <p:txBody>
+          <a:bodyPr rtlCol="0" anchor="ctr"/>
+          <a:p>
+            <a:pPr algn="ctr"/>
+            <a:r>
+              <a:rPr lang="en-US" altLang="zh-CN"/>
+              <a:t>512M</a:t>
+            </a:r>
+            <a:endParaRPr lang="en-US" altLang="zh-CN"/>
+          </a:p>
+        </p:txBody>
+      </p:sp>
+      <p:sp>
+        <p:nvSpPr>
+          <p:cNvPr id="9" name="流程图: 过程 8"/>
+          <p:cNvSpPr/>
+          <p:nvPr/>
+        </p:nvSpPr>
+        <p:spPr>
+          <a:xfrm>
+            <a:off x="1188720" y="1825625"/>
+            <a:ext cx="1478280" cy="609600"/>
+          </a:xfrm>
+          <a:prstGeom prst="flowChartProcess">
+            <a:avLst/>
+          </a:prstGeom>
+        </p:spPr>
+        <p:style>
+          <a:lnRef idx="2">
+            <a:schemeClr val="accent1">
+              <a:shade val="50000"/>
+            </a:schemeClr>
+          </a:lnRef>
+          <a:fillRef idx="1">
+            <a:schemeClr val="accent1"/>
+          </a:fillRef>
+          <a:effectRef idx="0">
+            <a:schemeClr val="accent1"/>
+          </a:effectRef>
+          <a:fontRef idx="minor">
+            <a:schemeClr val="lt1"/>
+          </a:fontRef>
+        </p:style>
+        <p:txBody>
+          <a:bodyPr rtlCol="0" anchor="ctr"/>
+          <a:p>
+            <a:pPr algn="ctr"/>
+            <a:r>
+              <a:rPr lang="en-US" altLang="zh-CN"/>
+              <a:t>HDFS: 512M</a:t>
+            </a:r>
+            <a:endParaRPr lang="en-US" altLang="zh-CN"/>
+          </a:p>
+        </p:txBody>
+      </p:sp>
+      <p:sp>
+        <p:nvSpPr>
+          <p:cNvPr id="10" name="流程图: 过程 9"/>
+          <p:cNvSpPr/>
+          <p:nvPr/>
+        </p:nvSpPr>
+        <p:spPr>
+          <a:xfrm>
+            <a:off x="2667000" y="1825625"/>
+            <a:ext cx="1478280" cy="609600"/>
+          </a:xfrm>
+          <a:prstGeom prst="flowChartProcess">
+            <a:avLst/>
+          </a:prstGeom>
+        </p:spPr>
+        <p:style>
+          <a:lnRef idx="2">
+            <a:schemeClr val="accent1">
+              <a:shade val="50000"/>
+            </a:schemeClr>
+          </a:lnRef>
+          <a:fillRef idx="1">
+            <a:schemeClr val="accent1"/>
+          </a:fillRef>
+          <a:effectRef idx="0">
+            <a:schemeClr val="accent1"/>
+          </a:effectRef>
+          <a:fontRef idx="minor">
+            <a:schemeClr val="lt1"/>
+          </a:fontRef>
+        </p:style>
+        <p:txBody>
+          <a:bodyPr rtlCol="0" anchor="ctr"/>
+          <a:p>
+            <a:pPr algn="ctr"/>
+            <a:r>
+              <a:rPr lang="en-US" altLang="zh-CN"/>
+              <a:t>512M</a:t>
+            </a:r>
+            <a:endParaRPr lang="en-US" altLang="zh-CN"/>
+          </a:p>
+        </p:txBody>
+      </p:sp>
+      <p:sp>
+        <p:nvSpPr>
+          <p:cNvPr id="11" name="流程图: 过程 10"/>
+          <p:cNvSpPr/>
+          <p:nvPr/>
+        </p:nvSpPr>
+        <p:spPr>
+          <a:xfrm>
+            <a:off x="1188720" y="5214620"/>
+            <a:ext cx="1478280" cy="609600"/>
+          </a:xfrm>
+          <a:prstGeom prst="flowChartProcess">
+            <a:avLst/>
+          </a:prstGeom>
+        </p:spPr>
+        <p:style>
+          <a:lnRef idx="2">
+            <a:schemeClr val="accent1">
+              <a:shade val="50000"/>
+            </a:schemeClr>
+          </a:lnRef>
+          <a:fillRef idx="1">
+            <a:schemeClr val="accent1"/>
+          </a:fillRef>
+          <a:effectRef idx="0">
+            <a:schemeClr val="accent1"/>
+          </a:effectRef>
+          <a:fontRef idx="minor">
+            <a:schemeClr val="lt1"/>
+          </a:fontRef>
+        </p:style>
+        <p:txBody>
+          <a:bodyPr rtlCol="0" anchor="ctr"/>
+          <a:p>
+            <a:pPr algn="ctr"/>
+            <a:r>
+              <a:rPr lang="en-US" altLang="zh-CN"/>
+              <a:t>RDD3: 512M</a:t>
+            </a:r>
+            <a:endParaRPr lang="en-US" altLang="zh-CN"/>
+          </a:p>
+        </p:txBody>
+      </p:sp>
+      <p:sp>
+        <p:nvSpPr>
+          <p:cNvPr id="12" name="流程图: 过程 11"/>
+          <p:cNvSpPr/>
+          <p:nvPr/>
+        </p:nvSpPr>
+        <p:spPr>
+          <a:xfrm>
+            <a:off x="2667000" y="5214620"/>
+            <a:ext cx="1478280" cy="609600"/>
+          </a:xfrm>
+          <a:prstGeom prst="flowChartProcess">
+            <a:avLst/>
+          </a:prstGeom>
+        </p:spPr>
+        <p:style>
+          <a:lnRef idx="2">
+            <a:schemeClr val="accent1">
+              <a:shade val="50000"/>
+            </a:schemeClr>
+          </a:lnRef>
+          <a:fillRef idx="1">
+            <a:schemeClr val="accent1"/>
+          </a:fillRef>
+          <a:effectRef idx="0">
+            <a:schemeClr val="accent1"/>
+          </a:effectRef>
+          <a:fontRef idx="minor">
+            <a:schemeClr val="lt1"/>
+          </a:fontRef>
+        </p:style>
+        <p:txBody>
+          <a:bodyPr rtlCol="0" anchor="ctr"/>
+          <a:p>
+            <a:pPr algn="ctr"/>
+            <a:r>
+              <a:rPr lang="en-US" altLang="zh-CN"/>
+              <a:t>Memory</a:t>
+            </a:r>
+            <a:r>
+              <a:rPr lang="zh-CN" altLang="en-US"/>
+              <a:t>：</a:t>
+            </a:r>
+            <a:r>
+              <a:rPr lang="en-US" altLang="zh-CN"/>
+              <a:t>512M</a:t>
+            </a:r>
+            <a:endParaRPr lang="en-US" altLang="zh-CN"/>
+          </a:p>
+        </p:txBody>
+      </p:sp>
+      <p:cxnSp>
+        <p:nvCxnSpPr>
+          <p:cNvPr id="23" name="直接箭头连接符 22"/>
+          <p:cNvCxnSpPr/>
+          <p:nvPr/>
+        </p:nvCxnSpPr>
+        <p:spPr>
+          <a:xfrm>
+            <a:off x="2682240" y="2435225"/>
+            <a:ext cx="0" cy="472440"/>
+          </a:xfrm>
+          <a:prstGeom prst="straightConnector1">
+            <a:avLst/>
+          </a:prstGeom>
+          <a:ln w="57150">
+            <a:tailEnd type="arrow" w="med" len="med"/>
+          </a:ln>
+        </p:spPr>
+        <p:style>
+          <a:lnRef idx="3">
+            <a:schemeClr val="accent1"/>
+          </a:lnRef>
+          <a:fillRef idx="0">
+            <a:schemeClr val="accent1"/>
+          </a:fillRef>
+          <a:effectRef idx="2">
+            <a:schemeClr val="accent1"/>
+          </a:effectRef>
+          <a:fontRef idx="minor">
+            <a:schemeClr val="tx1"/>
+          </a:fontRef>
+        </p:style>
+      </p:cxnSp>
+      <p:cxnSp>
+        <p:nvCxnSpPr>
+          <p:cNvPr id="24" name="直接箭头连接符 23"/>
+          <p:cNvCxnSpPr/>
+          <p:nvPr/>
+        </p:nvCxnSpPr>
+        <p:spPr>
+          <a:xfrm>
+            <a:off x="2682240" y="3665220"/>
+            <a:ext cx="0" cy="335280"/>
+          </a:xfrm>
+          <a:prstGeom prst="straightConnector1">
+            <a:avLst/>
+          </a:prstGeom>
+          <a:ln w="57150">
+            <a:tailEnd type="arrow"/>
+          </a:ln>
+        </p:spPr>
+        <p:style>
+          <a:lnRef idx="1">
+            <a:schemeClr val="accent1"/>
+          </a:lnRef>
+          <a:fillRef idx="0">
+            <a:schemeClr val="accent1"/>
+          </a:fillRef>
+          <a:effectRef idx="0">
+            <a:schemeClr val="accent1"/>
+          </a:effectRef>
+          <a:fontRef idx="minor">
+            <a:schemeClr val="tx1"/>
+          </a:fontRef>
+        </p:style>
+      </p:cxnSp>
+      <p:cxnSp>
+        <p:nvCxnSpPr>
+          <p:cNvPr id="25" name="直接箭头连接符 24"/>
+          <p:cNvCxnSpPr/>
+          <p:nvPr/>
+        </p:nvCxnSpPr>
+        <p:spPr>
+          <a:xfrm>
+            <a:off x="2682240" y="4716780"/>
+            <a:ext cx="0" cy="457200"/>
+          </a:xfrm>
+          <a:prstGeom prst="straightConnector1">
+            <a:avLst/>
+          </a:prstGeom>
+          <a:ln w="57150">
+            <a:tailEnd type="arrow"/>
+          </a:ln>
+        </p:spPr>
+        <p:style>
+          <a:lnRef idx="1">
+            <a:schemeClr val="accent1"/>
+          </a:lnRef>
+          <a:fillRef idx="0">
+            <a:schemeClr val="accent1"/>
+          </a:fillRef>
+          <a:effectRef idx="0">
+            <a:schemeClr val="accent1"/>
+          </a:effectRef>
+          <a:fontRef idx="minor">
+            <a:schemeClr val="tx1"/>
+          </a:fontRef>
+        </p:style>
+      </p:cxnSp>
+      <p:cxnSp>
+        <p:nvCxnSpPr>
+          <p:cNvPr id="26" name="直接箭头连接符 25"/>
+          <p:cNvCxnSpPr>
+            <a:stCxn id="9" idx="2"/>
+            <a:endCxn id="5" idx="0"/>
+          </p:cNvCxnSpPr>
+          <p:nvPr/>
+        </p:nvCxnSpPr>
+        <p:spPr>
+          <a:xfrm>
+            <a:off x="1927860" y="2435225"/>
+            <a:ext cx="0" cy="559435"/>
+          </a:xfrm>
+          <a:prstGeom prst="straightConnector1">
+            <a:avLst/>
+          </a:prstGeom>
+          <a:ln>
+            <a:tailEnd type="arrow" w="med" len="med"/>
+          </a:ln>
+        </p:spPr>
+        <p:style>
+          <a:lnRef idx="1">
+            <a:schemeClr val="accent2"/>
+          </a:lnRef>
+          <a:fillRef idx="0">
+            <a:schemeClr val="accent2"/>
+          </a:fillRef>
+          <a:effectRef idx="0">
+            <a:schemeClr val="accent2"/>
+          </a:effectRef>
+          <a:fontRef idx="minor">
+            <a:schemeClr val="tx1"/>
+          </a:fontRef>
+        </p:style>
+      </p:cxnSp>
+      <p:cxnSp>
+        <p:nvCxnSpPr>
+          <p:cNvPr id="27" name="直接箭头连接符 26"/>
+          <p:cNvCxnSpPr>
+            <a:stCxn id="5" idx="2"/>
+            <a:endCxn id="7" idx="0"/>
+          </p:cNvCxnSpPr>
+          <p:nvPr/>
+        </p:nvCxnSpPr>
+        <p:spPr>
+          <a:xfrm>
+            <a:off x="1927860" y="3604260"/>
+            <a:ext cx="0" cy="416560"/>
+          </a:xfrm>
+          <a:prstGeom prst="straightConnector1">
+            <a:avLst/>
+          </a:prstGeom>
+          <a:ln>
+            <a:tailEnd type="arrow" w="med" len="med"/>
+          </a:ln>
+        </p:spPr>
+        <p:style>
+          <a:lnRef idx="1">
+            <a:schemeClr val="accent2"/>
+          </a:lnRef>
+          <a:fillRef idx="0">
+            <a:schemeClr val="accent2"/>
+          </a:fillRef>
+          <a:effectRef idx="0">
+            <a:schemeClr val="accent2"/>
+          </a:effectRef>
+          <a:fontRef idx="minor">
+            <a:schemeClr val="tx1"/>
+          </a:fontRef>
+        </p:style>
+      </p:cxnSp>
+      <p:cxnSp>
+        <p:nvCxnSpPr>
+          <p:cNvPr id="28" name="直接箭头连接符 27"/>
+          <p:cNvCxnSpPr>
+            <a:stCxn id="7" idx="2"/>
+            <a:endCxn id="11" idx="0"/>
+          </p:cNvCxnSpPr>
+          <p:nvPr/>
+        </p:nvCxnSpPr>
+        <p:spPr>
+          <a:xfrm>
+            <a:off x="1927860" y="4630420"/>
+            <a:ext cx="0" cy="584200"/>
+          </a:xfrm>
+          <a:prstGeom prst="straightConnector1">
+            <a:avLst/>
+          </a:prstGeom>
+          <a:ln>
+            <a:tailEnd type="arrow" w="med" len="med"/>
+          </a:ln>
+        </p:spPr>
+        <p:style>
+          <a:lnRef idx="1">
+            <a:schemeClr val="accent2"/>
+          </a:lnRef>
+          <a:fillRef idx="0">
+            <a:schemeClr val="accent2"/>
+          </a:fillRef>
+          <a:effectRef idx="0">
+            <a:schemeClr val="accent2"/>
+          </a:effectRef>
+          <a:fontRef idx="minor">
+            <a:schemeClr val="tx1"/>
+          </a:fontRef>
+        </p:style>
+      </p:cxnSp>
+      <p:sp>
+        <p:nvSpPr>
+          <p:cNvPr id="29" name="文本框 28"/>
+          <p:cNvSpPr txBox="1"/>
+          <p:nvPr/>
+        </p:nvSpPr>
+        <p:spPr>
+          <a:xfrm>
+            <a:off x="3063240" y="4701540"/>
+            <a:ext cx="1783080" cy="368300"/>
+          </a:xfrm>
+          <a:prstGeom prst="rect">
+            <a:avLst/>
+          </a:prstGeom>
+          <a:noFill/>
+        </p:spPr>
+        <p:txBody>
+          <a:bodyPr wrap="square" rtlCol="0">
+            <a:spAutoFit/>
+          </a:bodyPr>
+          <a:p>
+            <a:r>
+              <a:rPr lang="zh-CN" altLang="zh-CN"/>
+              <a:t>持久化</a:t>
+            </a:r>
+            <a:endParaRPr lang="zh-CN" altLang="zh-CN"/>
+          </a:p>
+        </p:txBody>
+      </p:sp>
+    </p:spTree>
+  </p:cSld>
+  <p:clrMapOvr>
+    <a:masterClrMapping/>
+  </p:clrMapOvr>
+</p:sld>
+</file>
+
+<file path=ppt/slides/slide23.xml><?xml version="1.0" encoding="utf-8"?>
+<p:sld xmlns:a="http://schemas.openxmlformats.org/drawingml/2006/main" xmlns:r="http://schemas.openxmlformats.org/officeDocument/2006/relationships" xmlns:p="http://schemas.openxmlformats.org/presentationml/2006/main">
+  <p:cSld>
+    <p:spTree>
+      <p:nvGrpSpPr>
+        <p:cNvPr id="1" name=""/>
+        <p:cNvGrpSpPr/>
+        <p:nvPr/>
+      </p:nvGrpSpPr>
+      <p:grpSpPr/>
+      <p:sp>
+        <p:nvSpPr>
+          <p:cNvPr id="2" name="标题 1"/>
+          <p:cNvSpPr>
+            <a:spLocks noGrp="1"/>
+          </p:cNvSpPr>
+          <p:nvPr>
+            <p:ph type="title"/>
+          </p:nvPr>
+        </p:nvSpPr>
+        <p:spPr/>
+        <p:txBody>
+          <a:bodyPr/>
+          <a:p>
+            <a:r>
+              <a:rPr lang="zh-CN" altLang="en-US">
+                <a:sym typeface="+mn-ea"/>
+              </a:rPr>
+              <a:t>MEMORY_AND_DISK</a:t>
+            </a:r>
+            <a:endParaRPr lang="zh-CN" altLang="en-US"/>
+          </a:p>
+        </p:txBody>
+      </p:sp>
+      <p:sp>
+        <p:nvSpPr>
+          <p:cNvPr id="3" name="内容占位符 2"/>
+          <p:cNvSpPr>
+            <a:spLocks noGrp="1"/>
+          </p:cNvSpPr>
+          <p:nvPr>
+            <p:ph sz="half" idx="1"/>
+          </p:nvPr>
+        </p:nvSpPr>
+        <p:spPr/>
+        <p:txBody>
+          <a:bodyPr/>
+          <a:p>
+            <a:endParaRPr lang="zh-CN" altLang="en-US"/>
+          </a:p>
+        </p:txBody>
+      </p:sp>
+      <p:sp>
+        <p:nvSpPr>
+          <p:cNvPr id="4" name="内容占位符 3"/>
+          <p:cNvSpPr>
+            <a:spLocks noGrp="1"/>
+          </p:cNvSpPr>
+          <p:nvPr>
+            <p:ph sz="half" idx="2"/>
+          </p:nvPr>
+        </p:nvSpPr>
+        <p:spPr/>
+        <p:txBody>
+          <a:bodyPr/>
+          <a:p>
+            <a:r>
+              <a:rPr lang="zh-CN" altLang="en-US">
+                <a:sym typeface="+mn-ea"/>
+              </a:rPr>
+              <a:t>如果可用于持久化的 内存总共</a:t>
+            </a:r>
+            <a:r>
+              <a:rPr lang="en-US" altLang="zh-CN">
+                <a:sym typeface="+mn-ea"/>
+              </a:rPr>
+              <a:t>512M</a:t>
+            </a:r>
+            <a:r>
+              <a:rPr lang="zh-CN" altLang="en-US">
+                <a:sym typeface="+mn-ea"/>
+              </a:rPr>
+              <a:t>，但是要持久化</a:t>
+            </a:r>
+            <a:r>
+              <a:rPr lang="en-US" altLang="zh-CN">
+                <a:sym typeface="+mn-ea"/>
+              </a:rPr>
+              <a:t>1G</a:t>
+            </a:r>
+            <a:r>
+              <a:rPr lang="zh-CN" altLang="en-US">
+                <a:sym typeface="+mn-ea"/>
+              </a:rPr>
+              <a:t>的数据，那么只有</a:t>
+            </a:r>
+            <a:r>
+              <a:rPr lang="en-US" altLang="zh-CN">
+                <a:sym typeface="+mn-ea"/>
+              </a:rPr>
+              <a:t>512M</a:t>
+            </a:r>
+            <a:r>
+              <a:rPr lang="zh-CN" altLang="en-US">
+                <a:sym typeface="+mn-ea"/>
+              </a:rPr>
+              <a:t>的数据会被持久化的内存，其他的</a:t>
+            </a:r>
+            <a:r>
+              <a:rPr lang="en-US" altLang="zh-CN">
+                <a:sym typeface="+mn-ea"/>
+              </a:rPr>
+              <a:t>512M</a:t>
+            </a:r>
+            <a:r>
+              <a:rPr lang="zh-CN" altLang="en-US">
+                <a:sym typeface="+mn-ea"/>
+              </a:rPr>
+              <a:t>的数据会持久化到本地磁盘</a:t>
+            </a:r>
+            <a:endParaRPr lang="zh-CN"/>
+          </a:p>
+        </p:txBody>
+      </p:sp>
+      <p:sp>
+        <p:nvSpPr>
+          <p:cNvPr id="14" name="流程图: 过程 13"/>
+          <p:cNvSpPr/>
+          <p:nvPr/>
+        </p:nvSpPr>
+        <p:spPr>
+          <a:xfrm>
+            <a:off x="1188720" y="2994660"/>
+            <a:ext cx="1478280" cy="609600"/>
+          </a:xfrm>
+          <a:prstGeom prst="flowChartProcess">
+            <a:avLst/>
+          </a:prstGeom>
+        </p:spPr>
+        <p:style>
+          <a:lnRef idx="2">
+            <a:schemeClr val="accent1">
+              <a:shade val="50000"/>
+            </a:schemeClr>
+          </a:lnRef>
+          <a:fillRef idx="1">
+            <a:schemeClr val="accent1"/>
+          </a:fillRef>
+          <a:effectRef idx="0">
+            <a:schemeClr val="accent1"/>
+          </a:effectRef>
+          <a:fontRef idx="minor">
+            <a:schemeClr val="lt1"/>
+          </a:fontRef>
+        </p:style>
+        <p:txBody>
+          <a:bodyPr rtlCol="0" anchor="ctr"/>
+          <a:p>
+            <a:pPr algn="ctr"/>
+            <a:r>
+              <a:rPr lang="en-US" altLang="zh-CN"/>
+              <a:t>RDD1: 512M</a:t>
+            </a:r>
+            <a:endParaRPr lang="en-US" altLang="zh-CN"/>
+          </a:p>
+        </p:txBody>
+      </p:sp>
+      <p:sp>
+        <p:nvSpPr>
+          <p:cNvPr id="15" name="流程图: 过程 14"/>
+          <p:cNvSpPr/>
+          <p:nvPr/>
+        </p:nvSpPr>
+        <p:spPr>
+          <a:xfrm>
+            <a:off x="2667000" y="2994660"/>
+            <a:ext cx="1478280" cy="609600"/>
+          </a:xfrm>
+          <a:prstGeom prst="flowChartProcess">
+            <a:avLst/>
+          </a:prstGeom>
+        </p:spPr>
+        <p:style>
+          <a:lnRef idx="2">
+            <a:schemeClr val="accent1">
+              <a:shade val="50000"/>
+            </a:schemeClr>
+          </a:lnRef>
+          <a:fillRef idx="1">
+            <a:schemeClr val="accent1"/>
+          </a:fillRef>
+          <a:effectRef idx="0">
+            <a:schemeClr val="accent1"/>
+          </a:effectRef>
+          <a:fontRef idx="minor">
+            <a:schemeClr val="lt1"/>
+          </a:fontRef>
+        </p:style>
+        <p:txBody>
+          <a:bodyPr rtlCol="0" anchor="ctr"/>
+          <a:p>
+            <a:pPr algn="ctr"/>
+            <a:r>
+              <a:rPr lang="en-US" altLang="zh-CN"/>
+              <a:t>512M</a:t>
+            </a:r>
+            <a:endParaRPr lang="en-US" altLang="zh-CN"/>
+          </a:p>
+        </p:txBody>
+      </p:sp>
+      <p:sp>
+        <p:nvSpPr>
+          <p:cNvPr id="16" name="流程图: 过程 15"/>
+          <p:cNvSpPr/>
+          <p:nvPr/>
+        </p:nvSpPr>
+        <p:spPr>
+          <a:xfrm>
+            <a:off x="1188720" y="4020820"/>
+            <a:ext cx="1478280" cy="609600"/>
+          </a:xfrm>
+          <a:prstGeom prst="flowChartProcess">
+            <a:avLst/>
+          </a:prstGeom>
+        </p:spPr>
+        <p:style>
+          <a:lnRef idx="2">
+            <a:schemeClr val="accent1">
+              <a:shade val="50000"/>
+            </a:schemeClr>
+          </a:lnRef>
+          <a:fillRef idx="1">
+            <a:schemeClr val="accent1"/>
+          </a:fillRef>
+          <a:effectRef idx="0">
+            <a:schemeClr val="accent1"/>
+          </a:effectRef>
+          <a:fontRef idx="minor">
+            <a:schemeClr val="lt1"/>
+          </a:fontRef>
+        </p:style>
+        <p:txBody>
+          <a:bodyPr rtlCol="0" anchor="ctr"/>
+          <a:p>
+            <a:pPr algn="ctr"/>
+            <a:r>
+              <a:rPr lang="en-US" altLang="zh-CN"/>
+              <a:t>RDD2: 512M</a:t>
+            </a:r>
+            <a:endParaRPr lang="en-US" altLang="zh-CN"/>
+          </a:p>
+        </p:txBody>
+      </p:sp>
+      <p:sp>
+        <p:nvSpPr>
+          <p:cNvPr id="17" name="流程图: 过程 16"/>
+          <p:cNvSpPr/>
+          <p:nvPr/>
+        </p:nvSpPr>
+        <p:spPr>
+          <a:xfrm>
+            <a:off x="2667000" y="4020820"/>
+            <a:ext cx="1478280" cy="609600"/>
+          </a:xfrm>
+          <a:prstGeom prst="flowChartProcess">
+            <a:avLst/>
+          </a:prstGeom>
+        </p:spPr>
+        <p:style>
+          <a:lnRef idx="2">
+            <a:schemeClr val="accent1">
+              <a:shade val="50000"/>
+            </a:schemeClr>
+          </a:lnRef>
+          <a:fillRef idx="1">
+            <a:schemeClr val="accent1"/>
+          </a:fillRef>
+          <a:effectRef idx="0">
+            <a:schemeClr val="accent1"/>
+          </a:effectRef>
+          <a:fontRef idx="minor">
+            <a:schemeClr val="lt1"/>
+          </a:fontRef>
+        </p:style>
+        <p:txBody>
+          <a:bodyPr rtlCol="0" anchor="ctr"/>
+          <a:p>
+            <a:pPr algn="ctr"/>
+            <a:r>
+              <a:rPr lang="en-US" altLang="zh-CN"/>
+              <a:t>512M</a:t>
+            </a:r>
+            <a:endParaRPr lang="en-US" altLang="zh-CN"/>
+          </a:p>
+        </p:txBody>
+      </p:sp>
+      <p:sp>
+        <p:nvSpPr>
+          <p:cNvPr id="18" name="流程图: 过程 17"/>
+          <p:cNvSpPr/>
+          <p:nvPr/>
+        </p:nvSpPr>
+        <p:spPr>
+          <a:xfrm>
+            <a:off x="1188720" y="1825625"/>
+            <a:ext cx="1478280" cy="609600"/>
+          </a:xfrm>
+          <a:prstGeom prst="flowChartProcess">
+            <a:avLst/>
+          </a:prstGeom>
+        </p:spPr>
+        <p:style>
+          <a:lnRef idx="2">
+            <a:schemeClr val="accent1">
+              <a:shade val="50000"/>
+            </a:schemeClr>
+          </a:lnRef>
+          <a:fillRef idx="1">
+            <a:schemeClr val="accent1"/>
+          </a:fillRef>
+          <a:effectRef idx="0">
+            <a:schemeClr val="accent1"/>
+          </a:effectRef>
+          <a:fontRef idx="minor">
+            <a:schemeClr val="lt1"/>
+          </a:fontRef>
+        </p:style>
+        <p:txBody>
+          <a:bodyPr rtlCol="0" anchor="ctr"/>
+          <a:p>
+            <a:pPr algn="ctr"/>
+            <a:r>
+              <a:rPr lang="en-US" altLang="zh-CN"/>
+              <a:t>HDFS: 512M</a:t>
+            </a:r>
+            <a:endParaRPr lang="en-US" altLang="zh-CN"/>
+          </a:p>
+        </p:txBody>
+      </p:sp>
+      <p:sp>
+        <p:nvSpPr>
+          <p:cNvPr id="19" name="流程图: 过程 18"/>
+          <p:cNvSpPr/>
+          <p:nvPr/>
+        </p:nvSpPr>
+        <p:spPr>
+          <a:xfrm>
+            <a:off x="2667000" y="1825625"/>
+            <a:ext cx="1478280" cy="609600"/>
+          </a:xfrm>
+          <a:prstGeom prst="flowChartProcess">
+            <a:avLst/>
+          </a:prstGeom>
+        </p:spPr>
+        <p:style>
+          <a:lnRef idx="2">
+            <a:schemeClr val="accent1">
+              <a:shade val="50000"/>
+            </a:schemeClr>
+          </a:lnRef>
+          <a:fillRef idx="1">
+            <a:schemeClr val="accent1"/>
+          </a:fillRef>
+          <a:effectRef idx="0">
+            <a:schemeClr val="accent1"/>
+          </a:effectRef>
+          <a:fontRef idx="minor">
+            <a:schemeClr val="lt1"/>
+          </a:fontRef>
+        </p:style>
+        <p:txBody>
+          <a:bodyPr rtlCol="0" anchor="ctr"/>
+          <a:p>
+            <a:pPr algn="ctr"/>
+            <a:r>
+              <a:rPr lang="en-US" altLang="zh-CN"/>
+              <a:t>512M</a:t>
+            </a:r>
+            <a:endParaRPr lang="en-US" altLang="zh-CN"/>
+          </a:p>
+        </p:txBody>
+      </p:sp>
+      <p:sp>
+        <p:nvSpPr>
+          <p:cNvPr id="20" name="流程图: 过程 19"/>
+          <p:cNvSpPr/>
+          <p:nvPr/>
+        </p:nvSpPr>
+        <p:spPr>
+          <a:xfrm>
+            <a:off x="1188720" y="5214620"/>
+            <a:ext cx="1478280" cy="609600"/>
+          </a:xfrm>
+          <a:prstGeom prst="flowChartProcess">
+            <a:avLst/>
+          </a:prstGeom>
+        </p:spPr>
+        <p:style>
+          <a:lnRef idx="2">
+            <a:schemeClr val="accent1">
+              <a:shade val="50000"/>
+            </a:schemeClr>
+          </a:lnRef>
+          <a:fillRef idx="1">
+            <a:schemeClr val="accent1"/>
+          </a:fillRef>
+          <a:effectRef idx="0">
+            <a:schemeClr val="accent1"/>
+          </a:effectRef>
+          <a:fontRef idx="minor">
+            <a:schemeClr val="lt1"/>
+          </a:fontRef>
+        </p:style>
+        <p:txBody>
+          <a:bodyPr rtlCol="0" anchor="ctr"/>
+          <a:p>
+            <a:pPr algn="ctr"/>
+            <a:r>
+              <a:rPr lang="en-US" altLang="zh-CN"/>
+              <a:t>RDD3: 512M</a:t>
+            </a:r>
+            <a:endParaRPr lang="en-US" altLang="zh-CN"/>
+          </a:p>
+        </p:txBody>
+      </p:sp>
+      <p:sp>
+        <p:nvSpPr>
+          <p:cNvPr id="21" name="流程图: 过程 20"/>
+          <p:cNvSpPr/>
+          <p:nvPr/>
+        </p:nvSpPr>
+        <p:spPr>
+          <a:xfrm>
+            <a:off x="2667000" y="5214620"/>
+            <a:ext cx="1478280" cy="609600"/>
+          </a:xfrm>
+          <a:prstGeom prst="flowChartProcess">
+            <a:avLst/>
+          </a:prstGeom>
+        </p:spPr>
+        <p:style>
+          <a:lnRef idx="2">
+            <a:schemeClr val="accent1">
+              <a:shade val="50000"/>
+            </a:schemeClr>
+          </a:lnRef>
+          <a:fillRef idx="1">
+            <a:schemeClr val="accent1"/>
+          </a:fillRef>
+          <a:effectRef idx="0">
+            <a:schemeClr val="accent1"/>
+          </a:effectRef>
+          <a:fontRef idx="minor">
+            <a:schemeClr val="lt1"/>
+          </a:fontRef>
+        </p:style>
+        <p:txBody>
+          <a:bodyPr rtlCol="0" anchor="ctr"/>
+          <a:p>
+            <a:pPr algn="ctr"/>
+            <a:r>
+              <a:rPr lang="en-US" altLang="zh-CN"/>
+              <a:t>Memory</a:t>
+            </a:r>
+            <a:r>
+              <a:rPr lang="zh-CN" altLang="en-US"/>
+              <a:t>：</a:t>
+            </a:r>
+            <a:r>
+              <a:rPr lang="en-US" altLang="zh-CN"/>
+              <a:t>512M</a:t>
+            </a:r>
+            <a:endParaRPr lang="en-US" altLang="zh-CN"/>
+          </a:p>
+        </p:txBody>
+      </p:sp>
+      <p:cxnSp>
+        <p:nvCxnSpPr>
+          <p:cNvPr id="23" name="直接箭头连接符 22"/>
+          <p:cNvCxnSpPr/>
+          <p:nvPr/>
+        </p:nvCxnSpPr>
+        <p:spPr>
+          <a:xfrm>
+            <a:off x="2682240" y="2435225"/>
+            <a:ext cx="0" cy="472440"/>
+          </a:xfrm>
+          <a:prstGeom prst="straightConnector1">
+            <a:avLst/>
+          </a:prstGeom>
+          <a:ln w="57150">
+            <a:tailEnd type="arrow" w="med" len="med"/>
+          </a:ln>
+        </p:spPr>
+        <p:style>
+          <a:lnRef idx="3">
+            <a:schemeClr val="accent1"/>
+          </a:lnRef>
+          <a:fillRef idx="0">
+            <a:schemeClr val="accent1"/>
+          </a:fillRef>
+          <a:effectRef idx="2">
+            <a:schemeClr val="accent1"/>
+          </a:effectRef>
+          <a:fontRef idx="minor">
+            <a:schemeClr val="tx1"/>
+          </a:fontRef>
+        </p:style>
+      </p:cxnSp>
+      <p:cxnSp>
+        <p:nvCxnSpPr>
+          <p:cNvPr id="24" name="直接箭头连接符 23"/>
+          <p:cNvCxnSpPr/>
+          <p:nvPr/>
+        </p:nvCxnSpPr>
+        <p:spPr>
+          <a:xfrm>
+            <a:off x="2682240" y="3665220"/>
+            <a:ext cx="0" cy="335280"/>
+          </a:xfrm>
+          <a:prstGeom prst="straightConnector1">
+            <a:avLst/>
+          </a:prstGeom>
+          <a:ln w="57150">
+            <a:tailEnd type="arrow"/>
+          </a:ln>
+        </p:spPr>
+        <p:style>
+          <a:lnRef idx="1">
+            <a:schemeClr val="accent1"/>
+          </a:lnRef>
+          <a:fillRef idx="0">
+            <a:schemeClr val="accent1"/>
+          </a:fillRef>
+          <a:effectRef idx="0">
+            <a:schemeClr val="accent1"/>
+          </a:effectRef>
+          <a:fontRef idx="minor">
+            <a:schemeClr val="tx1"/>
+          </a:fontRef>
+        </p:style>
+      </p:cxnSp>
+      <p:cxnSp>
+        <p:nvCxnSpPr>
+          <p:cNvPr id="25" name="直接箭头连接符 24"/>
+          <p:cNvCxnSpPr/>
+          <p:nvPr/>
+        </p:nvCxnSpPr>
+        <p:spPr>
+          <a:xfrm>
+            <a:off x="2682240" y="4716780"/>
+            <a:ext cx="0" cy="457200"/>
+          </a:xfrm>
+          <a:prstGeom prst="straightConnector1">
+            <a:avLst/>
+          </a:prstGeom>
+          <a:ln w="57150">
+            <a:tailEnd type="arrow"/>
+          </a:ln>
+        </p:spPr>
+        <p:style>
+          <a:lnRef idx="1">
+            <a:schemeClr val="accent1"/>
+          </a:lnRef>
+          <a:fillRef idx="0">
+            <a:schemeClr val="accent1"/>
+          </a:fillRef>
+          <a:effectRef idx="0">
+            <a:schemeClr val="accent1"/>
+          </a:effectRef>
+          <a:fontRef idx="minor">
+            <a:schemeClr val="tx1"/>
+          </a:fontRef>
+        </p:style>
+      </p:cxnSp>
+      <p:sp>
+        <p:nvSpPr>
+          <p:cNvPr id="29" name="文本框 28"/>
+          <p:cNvSpPr txBox="1"/>
+          <p:nvPr/>
+        </p:nvSpPr>
+        <p:spPr>
+          <a:xfrm>
+            <a:off x="3063240" y="4701540"/>
+            <a:ext cx="1783080" cy="368300"/>
+          </a:xfrm>
+          <a:prstGeom prst="rect">
+            <a:avLst/>
+          </a:prstGeom>
+          <a:noFill/>
+        </p:spPr>
+        <p:txBody>
+          <a:bodyPr wrap="square" rtlCol="0">
+            <a:spAutoFit/>
+          </a:bodyPr>
+          <a:p>
+            <a:r>
+              <a:rPr lang="zh-CN" altLang="zh-CN"/>
+              <a:t>持久化</a:t>
+            </a:r>
+            <a:endParaRPr lang="zh-CN" altLang="zh-CN"/>
+          </a:p>
+        </p:txBody>
+      </p:sp>
+    </p:spTree>
+  </p:cSld>
+  <p:clrMapOvr>
+    <a:masterClrMapping/>
+  </p:clrMapOvr>
+</p:sld>
+</file>
+
+<file path=ppt/slides/slide24.xml><?xml version="1.0" encoding="utf-8"?>
+<p:sld xmlns:a="http://schemas.openxmlformats.org/drawingml/2006/main" xmlns:r="http://schemas.openxmlformats.org/officeDocument/2006/relationships" xmlns:p="http://schemas.openxmlformats.org/presentationml/2006/main">
+  <p:cSld>
+    <p:spTree>
+      <p:nvGrpSpPr>
+        <p:cNvPr id="1" name=""/>
+        <p:cNvGrpSpPr/>
+        <p:nvPr/>
+      </p:nvGrpSpPr>
+      <p:grpSpPr/>
+      <p:sp>
+        <p:nvSpPr>
+          <p:cNvPr id="2" name="标题 1"/>
+          <p:cNvSpPr>
+            <a:spLocks noGrp="1"/>
+          </p:cNvSpPr>
+          <p:nvPr>
+            <p:ph type="title"/>
+          </p:nvPr>
+        </p:nvSpPr>
+        <p:spPr/>
+        <p:txBody>
+          <a:bodyPr>
+            <a:normAutofit/>
+          </a:bodyPr>
+          <a:p>
+            <a:r>
+              <a:rPr lang="zh-CN" altLang="en-US">
+                <a:sym typeface="+mn-ea"/>
+              </a:rPr>
+              <a:t>MEMORY_ONLY </a:t>
+            </a:r>
+            <a:r>
+              <a:rPr lang="en-US" altLang="zh-CN" b="1">
+                <a:sym typeface="+mn-ea"/>
+              </a:rPr>
+              <a:t>VS</a:t>
+            </a:r>
+            <a:r>
+              <a:rPr lang="en-US" altLang="zh-CN">
+                <a:sym typeface="+mn-ea"/>
+              </a:rPr>
+              <a:t> </a:t>
+            </a:r>
+            <a:r>
+              <a:rPr lang="zh-CN" altLang="en-US">
+                <a:sym typeface="+mn-ea"/>
+              </a:rPr>
+              <a:t>MEMORY_AND_DISK</a:t>
+            </a:r>
+            <a:endParaRPr lang="en-US" altLang="zh-CN">
+              <a:sym typeface="+mn-ea"/>
+            </a:endParaRPr>
+          </a:p>
+        </p:txBody>
+      </p:sp>
+      <p:sp>
+        <p:nvSpPr>
+          <p:cNvPr id="3" name="内容占位符 2"/>
+          <p:cNvSpPr>
+            <a:spLocks noGrp="1"/>
+          </p:cNvSpPr>
+          <p:nvPr>
+            <p:ph sz="half" idx="1"/>
+          </p:nvPr>
+        </p:nvSpPr>
+        <p:spPr/>
+        <p:txBody>
+          <a:bodyPr/>
+          <a:p>
+            <a:r>
+              <a:rPr lang="zh-CN" altLang="en-US"/>
+              <a:t>对于计算不耗时的</a:t>
+            </a:r>
+            <a:r>
+              <a:rPr lang="en-US" altLang="zh-CN"/>
+              <a:t>RDD</a:t>
+            </a:r>
+            <a:r>
+              <a:rPr lang="zh-CN" altLang="en-US"/>
+              <a:t>来说，</a:t>
+            </a:r>
+            <a:r>
+              <a:rPr lang="zh-CN" altLang="en-US">
+                <a:sym typeface="+mn-ea"/>
+              </a:rPr>
+              <a:t>MEMORY_ONLY策略优势更大，即便是内存不够用，重新从</a:t>
+            </a:r>
+            <a:r>
+              <a:rPr lang="en-US" altLang="zh-CN">
+                <a:sym typeface="+mn-ea"/>
+              </a:rPr>
+              <a:t>HDFS</a:t>
+            </a:r>
+            <a:r>
+              <a:rPr lang="zh-CN" altLang="en-US">
+                <a:sym typeface="+mn-ea"/>
+              </a:rPr>
+              <a:t>开始计算也比持久化的磁盘的读写要快</a:t>
+            </a:r>
+            <a:endParaRPr lang="zh-CN" altLang="en-US">
+              <a:sym typeface="+mn-ea"/>
+            </a:endParaRPr>
+          </a:p>
+        </p:txBody>
+      </p:sp>
+      <p:sp>
+        <p:nvSpPr>
+          <p:cNvPr id="4" name="内容占位符 3"/>
+          <p:cNvSpPr>
+            <a:spLocks noGrp="1"/>
+          </p:cNvSpPr>
+          <p:nvPr>
+            <p:ph sz="half" idx="2"/>
+          </p:nvPr>
+        </p:nvSpPr>
+        <p:spPr/>
+        <p:txBody>
+          <a:bodyPr/>
+          <a:p>
+            <a:r>
+              <a:rPr lang="zh-CN" altLang="en-US"/>
+              <a:t>对于计算耗时的</a:t>
+            </a:r>
+            <a:r>
+              <a:rPr lang="en-US" altLang="zh-CN"/>
+              <a:t>RDD</a:t>
+            </a:r>
+            <a:r>
+              <a:rPr lang="zh-CN" altLang="en-US"/>
+              <a:t>来说，持久化的磁盘的读写时间也比重新计算快，那么</a:t>
+            </a:r>
+            <a:r>
+              <a:rPr lang="zh-CN" altLang="en-US">
+                <a:sym typeface="+mn-ea"/>
+              </a:rPr>
+              <a:t>MEMORY_AND_DISK策略更具优势</a:t>
+            </a:r>
+            <a:endParaRPr lang="zh-CN" altLang="en-US"/>
+          </a:p>
+        </p:txBody>
+      </p:sp>
+    </p:spTree>
+  </p:cSld>
+  <p:clrMapOvr>
+    <a:masterClrMapping/>
+  </p:clrMapOvr>
+</p:sld>
+</file>
+
+<file path=ppt/slides/slide25.xml><?xml version="1.0" encoding="utf-8"?>
+<p:sld xmlns:a="http://schemas.openxmlformats.org/drawingml/2006/main" xmlns:r="http://schemas.openxmlformats.org/officeDocument/2006/relationships" xmlns:p="http://schemas.openxmlformats.org/presentationml/2006/main">
+  <p:cSld>
+    <p:spTree>
+      <p:nvGrpSpPr>
+        <p:cNvPr id="1" name=""/>
+        <p:cNvGrpSpPr/>
+        <p:nvPr/>
+      </p:nvGrpSpPr>
+      <p:grpSpPr/>
+      <p:sp>
+        <p:nvSpPr>
+          <p:cNvPr id="2" name="标题 1"/>
+          <p:cNvSpPr>
+            <a:spLocks noGrp="1"/>
+          </p:cNvSpPr>
+          <p:nvPr>
+            <p:ph type="title"/>
+          </p:nvPr>
+        </p:nvSpPr>
+        <p:spPr/>
+        <p:txBody>
+          <a:bodyPr/>
+          <a:p>
+            <a:r>
+              <a:rPr lang="zh-CN" altLang="zh-CN"/>
+              <a:t>测试</a:t>
+            </a:r>
+            <a:endParaRPr lang="zh-CN" altLang="zh-CN"/>
+          </a:p>
+        </p:txBody>
+      </p:sp>
+      <p:sp>
+        <p:nvSpPr>
+          <p:cNvPr id="3" name="内容占位符 2"/>
+          <p:cNvSpPr>
+            <a:spLocks noGrp="1"/>
+          </p:cNvSpPr>
+          <p:nvPr>
+            <p:ph idx="1"/>
+          </p:nvPr>
+        </p:nvSpPr>
+        <p:spPr/>
+        <p:txBody>
+          <a:bodyPr>
+            <a:normAutofit fontScale="60000"/>
+          </a:bodyPr>
+          <a:p>
+            <a:r>
+              <a:rPr lang="zh-CN" altLang="en-US"/>
+              <a:t>  def main(args: Array[String]): Unit = {</a:t>
+            </a:r>
+            <a:endParaRPr lang="zh-CN" altLang="en-US"/>
+          </a:p>
+          <a:p>
+            <a:r>
+              <a:rPr lang="zh-CN" altLang="en-US"/>
+              <a:t>    val spark = SparkSession.builder().master("local").appName("test").getOrCreate()</a:t>
+            </a:r>
+            <a:endParaRPr lang="zh-CN" altLang="en-US"/>
+          </a:p>
+          <a:p>
+            <a:r>
+              <a:rPr lang="zh-CN" altLang="en-US"/>
+              <a:t>    val text = spark.sparkContext.textFile("test-in/load/txt/EventDB-DDL.sql")</a:t>
+            </a:r>
+            <a:endParaRPr lang="zh-CN" altLang="en-US"/>
+          </a:p>
+          <a:p>
+            <a:endParaRPr lang="zh-CN" altLang="en-US"/>
+          </a:p>
+          <a:p>
+            <a:r>
+              <a:rPr lang="zh-CN" altLang="en-US"/>
+              <a:t>    //text.persist()</a:t>
+            </a:r>
+            <a:endParaRPr lang="zh-CN" altLang="en-US"/>
+          </a:p>
+          <a:p>
+            <a:r>
+              <a:rPr lang="zh-CN" altLang="en-US"/>
+              <a:t>    for(i &lt;- 1 to 3){</a:t>
+            </a:r>
+            <a:endParaRPr lang="zh-CN" altLang="en-US"/>
+          </a:p>
+          <a:p>
+            <a:r>
+              <a:rPr lang="zh-CN" altLang="en-US"/>
+              <a:t>      val start = System.currentTimeMillis();</a:t>
+            </a:r>
+            <a:endParaRPr lang="zh-CN" altLang="en-US"/>
+          </a:p>
+          <a:p>
+            <a:r>
+              <a:rPr lang="zh-CN" altLang="en-US"/>
+              <a:t>      println(text.count())</a:t>
+            </a:r>
+            <a:endParaRPr lang="zh-CN" altLang="en-US"/>
+          </a:p>
+          <a:p>
+            <a:r>
+              <a:rPr lang="zh-CN" altLang="en-US"/>
+              <a:t>      println("Cost: " + (System.currentTimeMillis() - start))</a:t>
+            </a:r>
+            <a:endParaRPr lang="zh-CN" altLang="en-US"/>
+          </a:p>
+          <a:p>
+            <a:r>
+              <a:rPr lang="zh-CN" altLang="en-US"/>
+              <a:t>    }</a:t>
+            </a:r>
+            <a:endParaRPr lang="zh-CN" altLang="en-US"/>
+          </a:p>
+          <a:p>
+            <a:r>
+              <a:rPr lang="zh-CN" altLang="en-US"/>
+              <a:t>    spark.close()</a:t>
+            </a:r>
+            <a:endParaRPr lang="zh-CN" altLang="en-US"/>
+          </a:p>
+          <a:p>
+            <a:r>
+              <a:rPr lang="zh-CN" altLang="en-US"/>
+              <a:t>  }</a:t>
+            </a:r>
+            <a:endParaRPr lang="zh-CN" altLang="en-US"/>
+          </a:p>
+        </p:txBody>
+      </p:sp>
+    </p:spTree>
+  </p:cSld>
+  <p:clrMapOvr>
+    <a:masterClrMapping/>
+  </p:clrMapOvr>
+</p:sld>
+</file>
+
+<file path=ppt/slides/slide26.xml><?xml version="1.0" encoding="utf-8"?>
+<p:sld xmlns:a="http://schemas.openxmlformats.org/drawingml/2006/main" xmlns:r="http://schemas.openxmlformats.org/officeDocument/2006/relationships" xmlns:p="http://schemas.openxmlformats.org/presentationml/2006/main">
+  <p:cSld>
+    <p:spTree>
+      <p:nvGrpSpPr>
+        <p:cNvPr id="1" name=""/>
+        <p:cNvGrpSpPr/>
+        <p:nvPr/>
+      </p:nvGrpSpPr>
+      <p:grpSpPr/>
+      <p:sp>
+        <p:nvSpPr>
+          <p:cNvPr id="2" name="标题 1"/>
+          <p:cNvSpPr>
+            <a:spLocks noGrp="1"/>
+          </p:cNvSpPr>
+          <p:nvPr>
+            <p:ph type="title"/>
+          </p:nvPr>
+        </p:nvSpPr>
+        <p:spPr/>
+        <p:txBody>
+          <a:bodyPr/>
+          <a:p>
+            <a:endParaRPr lang="zh-CN" altLang="en-US"/>
+          </a:p>
+        </p:txBody>
+      </p:sp>
+      <p:sp>
+        <p:nvSpPr>
+          <p:cNvPr id="3" name="文本占位符 2"/>
+          <p:cNvSpPr>
+            <a:spLocks noGrp="1"/>
+          </p:cNvSpPr>
+          <p:nvPr>
+            <p:ph type="body" idx="1"/>
+          </p:nvPr>
+        </p:nvSpPr>
+        <p:spPr/>
+        <p:txBody>
+          <a:bodyPr/>
+          <a:p>
+            <a:r>
+              <a:rPr lang="zh-CN" altLang="en-US"/>
+              <a:t>没有</a:t>
+            </a:r>
+            <a:r>
+              <a:rPr lang="en-US" altLang="zh-CN"/>
+              <a:t>cache</a:t>
+            </a:r>
+            <a:endParaRPr lang="en-US" altLang="zh-CN"/>
+          </a:p>
+        </p:txBody>
+      </p:sp>
+      <p:sp>
+        <p:nvSpPr>
+          <p:cNvPr id="5" name="文本占位符 4"/>
+          <p:cNvSpPr>
+            <a:spLocks noGrp="1"/>
+          </p:cNvSpPr>
+          <p:nvPr>
+            <p:ph type="body" sz="quarter" idx="3"/>
+          </p:nvPr>
+        </p:nvSpPr>
+        <p:spPr/>
+        <p:txBody>
+          <a:bodyPr/>
+          <a:p>
+            <a:r>
+              <a:rPr lang="zh-CN" altLang="en-US"/>
+              <a:t>有</a:t>
+            </a:r>
+            <a:r>
+              <a:rPr lang="en-US" altLang="zh-CN"/>
+              <a:t>cache</a:t>
+            </a:r>
+            <a:endParaRPr lang="en-US" altLang="zh-CN"/>
+          </a:p>
+        </p:txBody>
+      </p:sp>
+      <p:graphicFrame>
+        <p:nvGraphicFramePr>
+          <p:cNvPr id="7" name="内容占位符 6"/>
+          <p:cNvGraphicFramePr/>
+          <p:nvPr>
+            <p:ph sz="half" idx="2"/>
+          </p:nvPr>
+        </p:nvGraphicFramePr>
+        <p:xfrm>
+          <a:off x="1186774" y="2665379"/>
+          <a:ext cx="4872990" cy="1524000"/>
+        </p:xfrm>
+        <a:graphic>
+          <a:graphicData uri="http://schemas.openxmlformats.org/drawingml/2006/table">
+            <a:tbl>
+              <a:tblPr firstRow="1" bandRow="1">
+                <a:tableStyleId>{5C22544A-7EE6-4342-B048-85BDC9FD1C3A}</a:tableStyleId>
+              </a:tblPr>
+              <a:tblGrid>
+                <a:gridCol w="1624330"/>
+                <a:gridCol w="1624330"/>
+                <a:gridCol w="1624330"/>
+              </a:tblGrid>
+              <a:tr h="381000">
+                <a:tc>
+                  <a:txBody>
+                    <a:bodyPr/>
+                    <a:p>
+                      <a:pPr>
+                        <a:buNone/>
+                      </a:pPr>
+                      <a:r>
+                        <a:rPr lang="zh-CN" altLang="en-US"/>
+                        <a:t>次数</a:t>
+                      </a:r>
+                      <a:endParaRPr lang="zh-CN" altLang="en-US"/>
+                    </a:p>
+                  </a:txBody>
+                  <a:tcPr/>
+                </a:tc>
+                <a:tc>
+                  <a:txBody>
+                    <a:bodyPr/>
+                    <a:p>
+                      <a:pPr>
+                        <a:buNone/>
+                      </a:pPr>
+                      <a:r>
+                        <a:rPr lang="zh-CN" altLang="en-US"/>
+                        <a:t>行数</a:t>
+                      </a:r>
+                      <a:endParaRPr lang="zh-CN" altLang="en-US"/>
+                    </a:p>
+                  </a:txBody>
+                  <a:tcPr/>
+                </a:tc>
+                <a:tc>
+                  <a:txBody>
+                    <a:bodyPr/>
+                    <a:p>
+                      <a:pPr>
+                        <a:buNone/>
+                      </a:pPr>
+                      <a:r>
+                        <a:rPr lang="zh-CN" altLang="en-US"/>
+                        <a:t>时间</a:t>
+                      </a:r>
+                      <a:endParaRPr lang="zh-CN" altLang="en-US"/>
+                    </a:p>
+                  </a:txBody>
+                  <a:tcPr/>
+                </a:tc>
+              </a:tr>
+              <a:tr h="381000">
+                <a:tc>
+                  <a:txBody>
+                    <a:bodyPr/>
+                    <a:p>
+                      <a:pPr>
+                        <a:buNone/>
+                      </a:pPr>
+                      <a:r>
+                        <a:rPr lang="en-US" altLang="zh-CN"/>
+                        <a:t>1</a:t>
+                      </a:r>
+                      <a:endParaRPr lang="en-US" altLang="zh-CN"/>
+                    </a:p>
+                  </a:txBody>
+                  <a:tcPr/>
+                </a:tc>
+                <a:tc>
+                  <a:txBody>
+                    <a:bodyPr/>
+                    <a:p>
+                      <a:pPr>
+                        <a:buNone/>
+                      </a:pPr>
+                      <a:r>
+                        <a:rPr lang="zh-CN" altLang="en-US"/>
+                        <a:t>235740</a:t>
+                      </a:r>
+                      <a:endParaRPr lang="zh-CN" altLang="en-US"/>
+                    </a:p>
+                  </a:txBody>
+                  <a:tcPr/>
+                </a:tc>
+                <a:tc>
+                  <a:txBody>
+                    <a:bodyPr/>
+                    <a:p>
+                      <a:pPr>
+                        <a:buNone/>
+                      </a:pPr>
+                      <a:r>
+                        <a:rPr lang="en-US" altLang="zh-CN"/>
+                        <a:t>441</a:t>
+                      </a:r>
+                      <a:endParaRPr lang="en-US" altLang="zh-CN"/>
+                    </a:p>
+                  </a:txBody>
+                  <a:tcPr/>
+                </a:tc>
+              </a:tr>
+              <a:tr h="381000">
+                <a:tc>
+                  <a:txBody>
+                    <a:bodyPr/>
+                    <a:p>
+                      <a:pPr>
+                        <a:buNone/>
+                      </a:pPr>
+                      <a:r>
+                        <a:rPr lang="en-US" altLang="zh-CN"/>
+                        <a:t>2</a:t>
+                      </a:r>
+                      <a:endParaRPr lang="en-US" altLang="zh-CN"/>
+                    </a:p>
+                  </a:txBody>
+                  <a:tcPr/>
+                </a:tc>
+                <a:tc>
+                  <a:txBody>
+                    <a:bodyPr/>
+                    <a:p>
+                      <a:pPr>
+                        <a:buNone/>
+                      </a:pPr>
+                      <a:r>
+                        <a:rPr lang="zh-CN" altLang="en-US"/>
+                        <a:t>235740</a:t>
+                      </a:r>
+                      <a:endParaRPr lang="zh-CN" altLang="en-US"/>
+                    </a:p>
+                  </a:txBody>
+                  <a:tcPr/>
+                </a:tc>
+                <a:tc>
+                  <a:txBody>
+                    <a:bodyPr/>
+                    <a:p>
+                      <a:pPr>
+                        <a:buNone/>
+                      </a:pPr>
+                      <a:r>
+                        <a:rPr lang="en-US" altLang="zh-CN"/>
+                        <a:t>90</a:t>
+                      </a:r>
+                      <a:endParaRPr lang="en-US" altLang="zh-CN"/>
+                    </a:p>
+                  </a:txBody>
+                  <a:tcPr/>
+                </a:tc>
+              </a:tr>
+              <a:tr h="381000">
+                <a:tc>
+                  <a:txBody>
+                    <a:bodyPr/>
+                    <a:p>
+                      <a:pPr>
+                        <a:buNone/>
+                      </a:pPr>
+                      <a:r>
+                        <a:rPr lang="en-US" altLang="zh-CN"/>
+                        <a:t>3</a:t>
+                      </a:r>
+                      <a:endParaRPr lang="en-US" altLang="zh-CN"/>
+                    </a:p>
+                  </a:txBody>
+                  <a:tcPr/>
+                </a:tc>
+                <a:tc>
+                  <a:txBody>
+                    <a:bodyPr/>
+                    <a:p>
+                      <a:pPr>
+                        <a:buNone/>
+                      </a:pPr>
+                      <a:r>
+                        <a:rPr lang="zh-CN" altLang="en-US"/>
+                        <a:t>235740</a:t>
+                      </a:r>
+                      <a:endParaRPr lang="zh-CN" altLang="en-US"/>
+                    </a:p>
+                  </a:txBody>
+                  <a:tcPr/>
+                </a:tc>
+                <a:tc>
+                  <a:txBody>
+                    <a:bodyPr/>
+                    <a:p>
+                      <a:pPr>
+                        <a:buNone/>
+                      </a:pPr>
+                      <a:r>
+                        <a:rPr lang="en-US" altLang="zh-CN"/>
+                        <a:t>78</a:t>
+                      </a:r>
+                      <a:endParaRPr lang="en-US" altLang="zh-CN"/>
+                    </a:p>
+                  </a:txBody>
+                  <a:tcPr/>
+                </a:tc>
+              </a:tr>
+            </a:tbl>
+          </a:graphicData>
+        </a:graphic>
+      </p:graphicFrame>
+      <p:graphicFrame>
+        <p:nvGraphicFramePr>
+          <p:cNvPr id="8" name="内容占位符 7"/>
+          <p:cNvGraphicFramePr/>
+          <p:nvPr>
+            <p:ph sz="quarter" idx="4"/>
+          </p:nvPr>
+        </p:nvGraphicFramePr>
+        <p:xfrm>
+          <a:off x="6256938" y="2665379"/>
+          <a:ext cx="4897755" cy="1524000"/>
+        </p:xfrm>
+        <a:graphic>
+          <a:graphicData uri="http://schemas.openxmlformats.org/drawingml/2006/table">
+            <a:tbl>
+              <a:tblPr firstRow="1" bandRow="1">
+                <a:tableStyleId>{5C22544A-7EE6-4342-B048-85BDC9FD1C3A}</a:tableStyleId>
+              </a:tblPr>
+              <a:tblGrid>
+                <a:gridCol w="1632585"/>
+                <a:gridCol w="1632585"/>
+                <a:gridCol w="1632585"/>
+              </a:tblGrid>
+              <a:tr h="381000">
+                <a:tc>
+                  <a:txBody>
+                    <a:bodyPr/>
+                    <a:p>
+                      <a:pPr>
+                        <a:buNone/>
+                      </a:pPr>
+                      <a:r>
+                        <a:rPr lang="zh-CN" altLang="en-US"/>
+                        <a:t>次数</a:t>
+                      </a:r>
+                      <a:endParaRPr lang="zh-CN" altLang="en-US"/>
+                    </a:p>
+                  </a:txBody>
+                  <a:tcPr/>
+                </a:tc>
+                <a:tc>
+                  <a:txBody>
+                    <a:bodyPr/>
+                    <a:p>
+                      <a:pPr>
+                        <a:buNone/>
+                      </a:pPr>
+                      <a:r>
+                        <a:rPr lang="zh-CN" altLang="en-US"/>
+                        <a:t>行数</a:t>
+                      </a:r>
+                      <a:endParaRPr lang="zh-CN" altLang="en-US"/>
+                    </a:p>
+                  </a:txBody>
+                  <a:tcPr/>
+                </a:tc>
+                <a:tc>
+                  <a:txBody>
+                    <a:bodyPr/>
+                    <a:p>
+                      <a:pPr>
+                        <a:buNone/>
+                      </a:pPr>
+                      <a:r>
+                        <a:rPr lang="zh-CN" altLang="en-US"/>
+                        <a:t>时间</a:t>
+                      </a:r>
+                      <a:endParaRPr lang="zh-CN" altLang="en-US"/>
+                    </a:p>
+                  </a:txBody>
+                  <a:tcPr/>
+                </a:tc>
+              </a:tr>
+              <a:tr h="381000">
+                <a:tc>
+                  <a:txBody>
+                    <a:bodyPr/>
+                    <a:p>
+                      <a:pPr>
+                        <a:buNone/>
+                      </a:pPr>
+                      <a:r>
+                        <a:rPr lang="en-US" altLang="zh-CN"/>
+                        <a:t>1</a:t>
+                      </a:r>
+                      <a:endParaRPr lang="en-US" altLang="zh-CN"/>
+                    </a:p>
+                  </a:txBody>
+                  <a:tcPr/>
+                </a:tc>
+                <a:tc>
+                  <a:txBody>
+                    <a:bodyPr/>
+                    <a:p>
+                      <a:pPr>
+                        <a:buNone/>
+                      </a:pPr>
+                      <a:r>
+                        <a:rPr lang="zh-CN" altLang="en-US"/>
+                        <a:t>235740</a:t>
+                      </a:r>
+                      <a:endParaRPr lang="zh-CN" altLang="en-US"/>
+                    </a:p>
+                  </a:txBody>
+                  <a:tcPr/>
+                </a:tc>
+                <a:tc>
+                  <a:txBody>
+                    <a:bodyPr/>
+                    <a:p>
+                      <a:pPr>
+                        <a:buNone/>
+                      </a:pPr>
+                      <a:r>
+                        <a:rPr lang="en-US" altLang="zh-CN"/>
+                        <a:t>647</a:t>
+                      </a:r>
+                      <a:endParaRPr lang="en-US" altLang="zh-CN"/>
+                    </a:p>
+                  </a:txBody>
+                  <a:tcPr/>
+                </a:tc>
+              </a:tr>
+              <a:tr h="381000">
+                <a:tc>
+                  <a:txBody>
+                    <a:bodyPr/>
+                    <a:p>
+                      <a:pPr>
+                        <a:buNone/>
+                      </a:pPr>
+                      <a:r>
+                        <a:rPr lang="en-US" altLang="zh-CN"/>
+                        <a:t>2</a:t>
+                      </a:r>
+                      <a:endParaRPr lang="en-US" altLang="zh-CN"/>
+                    </a:p>
+                  </a:txBody>
+                  <a:tcPr/>
+                </a:tc>
+                <a:tc>
+                  <a:txBody>
+                    <a:bodyPr/>
+                    <a:p>
+                      <a:pPr>
+                        <a:buNone/>
+                      </a:pPr>
+                      <a:r>
+                        <a:rPr lang="zh-CN" altLang="en-US"/>
+                        <a:t>235740</a:t>
+                      </a:r>
+                      <a:endParaRPr lang="zh-CN" altLang="en-US"/>
+                    </a:p>
+                  </a:txBody>
+                  <a:tcPr/>
+                </a:tc>
+                <a:tc>
+                  <a:txBody>
+                    <a:bodyPr/>
+                    <a:p>
+                      <a:pPr>
+                        <a:buNone/>
+                      </a:pPr>
+                      <a:r>
+                        <a:rPr lang="en-US" altLang="zh-CN"/>
+                        <a:t>47</a:t>
+                      </a:r>
+                      <a:endParaRPr lang="en-US" altLang="zh-CN"/>
+                    </a:p>
+                  </a:txBody>
+                  <a:tcPr/>
+                </a:tc>
+              </a:tr>
+              <a:tr h="381000">
+                <a:tc>
+                  <a:txBody>
+                    <a:bodyPr/>
+                    <a:p>
+                      <a:pPr>
+                        <a:buNone/>
+                      </a:pPr>
+                      <a:r>
+                        <a:rPr lang="en-US" altLang="zh-CN"/>
+                        <a:t>3</a:t>
+                      </a:r>
+                      <a:endParaRPr lang="en-US" altLang="zh-CN"/>
+                    </a:p>
+                  </a:txBody>
+                  <a:tcPr/>
+                </a:tc>
+                <a:tc>
+                  <a:txBody>
+                    <a:bodyPr/>
+                    <a:p>
+                      <a:pPr>
+                        <a:buNone/>
+                      </a:pPr>
+                      <a:r>
+                        <a:rPr lang="zh-CN" altLang="en-US"/>
+                        <a:t>235740</a:t>
+                      </a:r>
+                      <a:endParaRPr lang="zh-CN" altLang="en-US"/>
+                    </a:p>
+                  </a:txBody>
+                  <a:tcPr/>
+                </a:tc>
+                <a:tc>
+                  <a:txBody>
+                    <a:bodyPr/>
+                    <a:p>
+                      <a:pPr>
+                        <a:buNone/>
+                      </a:pPr>
+                      <a:r>
+                        <a:rPr lang="en-US" altLang="zh-CN"/>
+                        <a:t>31</a:t>
+                      </a:r>
+                      <a:endParaRPr lang="en-US" altLang="zh-CN"/>
+                    </a:p>
+                  </a:txBody>
+                  <a:tcPr/>
+                </a:tc>
+              </a:tr>
+            </a:tbl>
+          </a:graphicData>
+        </a:graphic>
+      </p:graphicFrame>
+    </p:spTree>
+  </p:cSld>
+  <p:clrMapOvr>
+    <a:masterClrMapping/>
+  </p:clrMapOvr>
+</p:sld>
+</file>
+
+<file path=ppt/slides/slide27.xml><?xml version="1.0" encoding="utf-8"?>
+<p:sld xmlns:a="http://schemas.openxmlformats.org/drawingml/2006/main" xmlns:r="http://schemas.openxmlformats.org/officeDocument/2006/relationships" xmlns:p="http://schemas.openxmlformats.org/presentationml/2006/main">
+  <p:cSld>
+    <p:spTree>
+      <p:nvGrpSpPr>
+        <p:cNvPr id="1" name=""/>
+        <p:cNvGrpSpPr/>
+        <p:nvPr/>
+      </p:nvGrpSpPr>
+      <p:grpSpPr/>
+      <p:sp>
+        <p:nvSpPr>
+          <p:cNvPr id="2" name="标题 1"/>
+          <p:cNvSpPr>
+            <a:spLocks noGrp="1"/>
+          </p:cNvSpPr>
+          <p:nvPr>
+            <p:ph type="title"/>
+          </p:nvPr>
+        </p:nvSpPr>
+        <p:spPr/>
+        <p:txBody>
+          <a:bodyPr/>
+          <a:p>
+            <a:endParaRPr lang="zh-CN" altLang="en-US"/>
+          </a:p>
+        </p:txBody>
+      </p:sp>
+      <p:sp>
+        <p:nvSpPr>
+          <p:cNvPr id="3" name="内容占位符 2"/>
+          <p:cNvSpPr>
+            <a:spLocks noGrp="1"/>
+          </p:cNvSpPr>
+          <p:nvPr>
+            <p:ph sz="half" idx="1"/>
+          </p:nvPr>
+        </p:nvSpPr>
+        <p:spPr/>
+        <p:txBody>
+          <a:bodyPr/>
+          <a:p>
+            <a:endParaRPr lang="zh-CN" altLang="en-US"/>
+          </a:p>
+        </p:txBody>
+      </p:sp>
+      <p:sp>
+        <p:nvSpPr>
+          <p:cNvPr id="4" name="内容占位符 3"/>
+          <p:cNvSpPr>
+            <a:spLocks noGrp="1"/>
+          </p:cNvSpPr>
+          <p:nvPr>
+            <p:ph sz="half" idx="2"/>
+          </p:nvPr>
+        </p:nvSpPr>
+        <p:spPr/>
+        <p:txBody>
+          <a:bodyPr/>
+          <a:p>
+            <a:endParaRPr lang="zh-CN" altLang="en-US"/>
+          </a:p>
+        </p:txBody>
+      </p:sp>
+    </p:spTree>
+  </p:cSld>
+  <p:clrMapOvr>
+    <a:masterClrMapping/>
+  </p:clrMapOvr>
+</p:sld>
+</file>
+
+<file path=ppt/slides/slide28.xml><?xml version="1.0" encoding="utf-8"?>
+<p:sld xmlns:a="http://schemas.openxmlformats.org/drawingml/2006/main" xmlns:r="http://schemas.openxmlformats.org/officeDocument/2006/relationships" xmlns:p="http://schemas.openxmlformats.org/presentationml/2006/main">
+  <p:cSld>
+    <p:spTree>
+      <p:nvGrpSpPr>
+        <p:cNvPr id="1" name=""/>
+        <p:cNvGrpSpPr/>
+        <p:nvPr/>
+      </p:nvGrpSpPr>
+      <p:grpSpPr/>
+      <p:sp>
+        <p:nvSpPr>
+          <p:cNvPr id="2" name="标题 1"/>
+          <p:cNvSpPr>
+            <a:spLocks noGrp="1"/>
+          </p:cNvSpPr>
+          <p:nvPr>
+            <p:ph type="title"/>
+          </p:nvPr>
+        </p:nvSpPr>
+        <p:spPr/>
+        <p:txBody>
+          <a:bodyPr/>
+          <a:p>
+            <a:endParaRPr lang="zh-CN" altLang="en-US"/>
+          </a:p>
+        </p:txBody>
+      </p:sp>
+      <p:sp>
+        <p:nvSpPr>
+          <p:cNvPr id="3" name="内容占位符 2"/>
+          <p:cNvSpPr>
+            <a:spLocks noGrp="1"/>
+          </p:cNvSpPr>
+          <p:nvPr>
+            <p:ph sz="half" idx="1"/>
+          </p:nvPr>
+        </p:nvSpPr>
+        <p:spPr/>
+        <p:txBody>
+          <a:bodyPr/>
+          <a:p>
+            <a:endParaRPr lang="zh-CN" altLang="en-US"/>
+          </a:p>
+        </p:txBody>
+      </p:sp>
+      <p:sp>
+        <p:nvSpPr>
+          <p:cNvPr id="4" name="内容占位符 3"/>
+          <p:cNvSpPr>
+            <a:spLocks noGrp="1"/>
+          </p:cNvSpPr>
+          <p:nvPr>
+            <p:ph sz="half" idx="2"/>
+          </p:nvPr>
+        </p:nvSpPr>
+        <p:spPr/>
+        <p:txBody>
+          <a:bodyPr/>
+          <a:p>
+            <a:endParaRPr lang="zh-CN" altLang="en-US"/>
+          </a:p>
+        </p:txBody>
+      </p:sp>
     </p:spTree>
   </p:cSld>
   <p:clrMapOvr>

--- a/doc/Spark.pptx
+++ b/doc/Spark.pptx
@@ -33,6 +33,17 @@
     <p:sldId id="285" r:id="rId28"/>
     <p:sldId id="283" r:id="rId29"/>
     <p:sldId id="282" r:id="rId30"/>
+    <p:sldId id="288" r:id="rId31"/>
+    <p:sldId id="294" r:id="rId32"/>
+    <p:sldId id="290" r:id="rId33"/>
+    <p:sldId id="289" r:id="rId34"/>
+    <p:sldId id="291" r:id="rId35"/>
+    <p:sldId id="293" r:id="rId36"/>
+    <p:sldId id="295" r:id="rId37"/>
+    <p:sldId id="300" r:id="rId38"/>
+    <p:sldId id="301" r:id="rId39"/>
+    <p:sldId id="303" r:id="rId40"/>
+    <p:sldId id="302" r:id="rId41"/>
   </p:sldIdLst>
   <p:sldSz cx="12192000" cy="6858000"/>
   <p:notesSz cx="7103745" cy="10234295"/>
@@ -6595,43 +6606,55 @@
         <p:txBody>
           <a:bodyPr/>
           <a:p>
-            <a:endParaRPr lang="zh-CN" altLang="en-US"/>
-          </a:p>
-        </p:txBody>
-      </p:sp>
-      <p:sp>
-        <p:nvSpPr>
-          <p:cNvPr id="3" name="内容占位符 2"/>
-          <p:cNvSpPr>
-            <a:spLocks noGrp="1"/>
-          </p:cNvSpPr>
-          <p:nvPr>
-            <p:ph sz="half" idx="1"/>
-          </p:nvPr>
-        </p:nvSpPr>
-        <p:spPr/>
-        <p:txBody>
-          <a:bodyPr/>
-          <a:p>
-            <a:endParaRPr lang="zh-CN" altLang="en-US"/>
-          </a:p>
-        </p:txBody>
-      </p:sp>
-      <p:sp>
-        <p:nvSpPr>
-          <p:cNvPr id="4" name="内容占位符 3"/>
-          <p:cNvSpPr>
-            <a:spLocks noGrp="1"/>
-          </p:cNvSpPr>
-          <p:nvPr>
-            <p:ph sz="half" idx="2"/>
-          </p:nvPr>
-        </p:nvSpPr>
-        <p:spPr/>
-        <p:txBody>
-          <a:bodyPr/>
-          <a:p>
-            <a:endParaRPr lang="zh-CN" altLang="en-US"/>
+            <a:r>
+              <a:rPr lang="en-US" altLang="zh-CN"/>
+              <a:t>Spark </a:t>
+            </a:r>
+            <a:r>
+              <a:rPr lang="zh-CN" altLang="zh-CN"/>
+              <a:t>运行模式</a:t>
+            </a:r>
+            <a:endParaRPr lang="zh-CN" altLang="zh-CN"/>
+          </a:p>
+        </p:txBody>
+      </p:sp>
+      <p:sp>
+        <p:nvSpPr>
+          <p:cNvPr id="5" name="内容占位符 4"/>
+          <p:cNvSpPr>
+            <a:spLocks noGrp="1"/>
+          </p:cNvSpPr>
+          <p:nvPr>
+            <p:ph idx="1"/>
+          </p:nvPr>
+        </p:nvSpPr>
+        <p:spPr/>
+        <p:txBody>
+          <a:bodyPr/>
+          <a:p>
+            <a:r>
+              <a:rPr lang="en-US" altLang="zh-CN"/>
+              <a:t>Local -- </a:t>
+            </a:r>
+            <a:r>
+              <a:rPr lang="zh-CN" altLang="en-US"/>
+              <a:t>单机模式</a:t>
+            </a:r>
+            <a:endParaRPr lang="en-US" altLang="zh-CN"/>
+          </a:p>
+          <a:p>
+            <a:r>
+              <a:rPr lang="en-US" altLang="zh-CN"/>
+              <a:t>Standlone -- </a:t>
+            </a:r>
+            <a:r>
+              <a:rPr lang="zh-CN" altLang="en-US"/>
+              <a:t>集群模式</a:t>
+            </a:r>
+            <a:endParaRPr lang="en-US" altLang="zh-CN"/>
+          </a:p>
+          <a:p>
+            <a:endParaRPr lang="en-US" altLang="zh-CN"/>
           </a:p>
         </p:txBody>
       </p:sp>
@@ -6655,6 +6678,90 @@
       <p:grpSpPr/>
       <p:sp>
         <p:nvSpPr>
+          <p:cNvPr id="5" name="标题 4"/>
+          <p:cNvSpPr>
+            <a:spLocks noGrp="1"/>
+          </p:cNvSpPr>
+          <p:nvPr>
+            <p:ph type="title"/>
+          </p:nvPr>
+        </p:nvSpPr>
+        <p:spPr/>
+        <p:txBody>
+          <a:bodyPr/>
+          <a:p>
+            <a:r>
+              <a:rPr lang="en-US" altLang="zh-CN"/>
+              <a:t>Local </a:t>
+            </a:r>
+            <a:r>
+              <a:rPr lang="zh-CN" altLang="en-US"/>
+              <a:t>单机模式</a:t>
+            </a:r>
+            <a:endParaRPr lang="zh-CN" altLang="en-US"/>
+          </a:p>
+        </p:txBody>
+      </p:sp>
+      <p:sp>
+        <p:nvSpPr>
+          <p:cNvPr id="6" name="内容占位符 5"/>
+          <p:cNvSpPr>
+            <a:spLocks noGrp="1"/>
+          </p:cNvSpPr>
+          <p:nvPr>
+            <p:ph idx="1"/>
+          </p:nvPr>
+        </p:nvSpPr>
+        <p:spPr/>
+        <p:txBody>
+          <a:bodyPr/>
+          <a:p>
+            <a:r>
+              <a:rPr lang="en-US" altLang="zh-CN"/>
+              <a:t>-- master local</a:t>
+            </a:r>
+            <a:endParaRPr lang="en-US" altLang="zh-CN"/>
+          </a:p>
+          <a:p>
+            <a:endParaRPr lang="zh-CN" altLang="en-US"/>
+          </a:p>
+          <a:p>
+            <a:r>
+              <a:rPr lang="zh-CN" altLang="en-US"/>
+              <a:t>./bin/spark-submit --class org.apache.spark.examples.SparkPi --master </a:t>
+            </a:r>
+            <a:r>
+              <a:rPr lang="en-US" altLang="zh-CN"/>
+              <a:t>local</a:t>
+            </a:r>
+            <a:r>
+              <a:rPr lang="zh-CN" altLang="en-US"/>
+              <a:t> ./examples/jars/spark-examples_2.11-2.2.0.jar 10</a:t>
+            </a:r>
+            <a:endParaRPr lang="zh-CN" altLang="en-US"/>
+          </a:p>
+        </p:txBody>
+      </p:sp>
+    </p:spTree>
+  </p:cSld>
+  <p:clrMapOvr>
+    <a:masterClrMapping/>
+  </p:clrMapOvr>
+</p:sld>
+</file>
+
+<file path=ppt/slides/slide29.xml><?xml version="1.0" encoding="utf-8"?>
+<p:sld xmlns:a="http://schemas.openxmlformats.org/drawingml/2006/main" xmlns:r="http://schemas.openxmlformats.org/officeDocument/2006/relationships" xmlns:p="http://schemas.openxmlformats.org/presentationml/2006/main">
+  <p:cSld>
+    <p:spTree>
+      <p:nvGrpSpPr>
+        <p:cNvPr id="1" name=""/>
+        <p:cNvGrpSpPr/>
+        <p:nvPr/>
+      </p:nvGrpSpPr>
+      <p:grpSpPr/>
+      <p:sp>
+        <p:nvSpPr>
           <p:cNvPr id="2" name="标题 1"/>
           <p:cNvSpPr>
             <a:spLocks noGrp="1"/>
@@ -6667,13 +6774,21 @@
         <p:txBody>
           <a:bodyPr/>
           <a:p>
-            <a:endParaRPr lang="zh-CN" altLang="en-US"/>
-          </a:p>
-        </p:txBody>
-      </p:sp>
-      <p:sp>
-        <p:nvSpPr>
-          <p:cNvPr id="3" name="内容占位符 2"/>
+            <a:r>
+              <a:rPr lang="en-US" altLang="zh-CN"/>
+              <a:t>Standlone </a:t>
+            </a:r>
+            <a:r>
+              <a:rPr lang="zh-CN" altLang="en-US"/>
+              <a:t>集群模式</a:t>
+            </a:r>
+            <a:endParaRPr lang="zh-CN" altLang="en-US"/>
+          </a:p>
+        </p:txBody>
+      </p:sp>
+      <p:sp>
+        <p:nvSpPr>
+          <p:cNvPr id="4" name="内容占位符 3"/>
           <p:cNvSpPr>
             <a:spLocks noGrp="1"/>
           </p:cNvSpPr>
@@ -6681,17 +6796,64 @@
             <p:ph sz="half" idx="1"/>
           </p:nvPr>
         </p:nvSpPr>
-        <p:spPr/>
-        <p:txBody>
-          <a:bodyPr/>
-          <a:p>
-            <a:endParaRPr lang="zh-CN" altLang="en-US"/>
-          </a:p>
-        </p:txBody>
-      </p:sp>
-      <p:sp>
-        <p:nvSpPr>
-          <p:cNvPr id="4" name="内容占位符 3"/>
+        <p:spPr>
+          <a:xfrm>
+            <a:off x="838200" y="1825625"/>
+            <a:ext cx="2956560" cy="4351655"/>
+          </a:xfrm>
+        </p:spPr>
+        <p:txBody>
+          <a:bodyPr/>
+          <a:p>
+            <a:r>
+              <a:rPr lang="zh-CN" altLang="en-US"/>
+              <a:t>四台机器</a:t>
+            </a:r>
+            <a:endParaRPr lang="zh-CN" altLang="en-US"/>
+          </a:p>
+          <a:p>
+            <a:r>
+              <a:rPr lang="en-US" altLang="zh-CN"/>
+              <a:t>Centos1 master</a:t>
+            </a:r>
+            <a:endParaRPr lang="en-US" altLang="zh-CN"/>
+          </a:p>
+          <a:p>
+            <a:r>
+              <a:rPr lang="en-US" altLang="zh-CN">
+                <a:sym typeface="+mn-ea"/>
+              </a:rPr>
+              <a:t>Centos2 slave</a:t>
+            </a:r>
+            <a:endParaRPr lang="en-US" altLang="zh-CN">
+              <a:sym typeface="+mn-ea"/>
+            </a:endParaRPr>
+          </a:p>
+          <a:p>
+            <a:r>
+              <a:rPr lang="en-US" altLang="zh-CN">
+                <a:sym typeface="+mn-ea"/>
+              </a:rPr>
+              <a:t>Centos3 slave</a:t>
+            </a:r>
+            <a:endParaRPr lang="en-US" altLang="zh-CN">
+              <a:sym typeface="+mn-ea"/>
+            </a:endParaRPr>
+          </a:p>
+          <a:p>
+            <a:r>
+              <a:rPr lang="en-US" altLang="zh-CN">
+                <a:sym typeface="+mn-ea"/>
+              </a:rPr>
+              <a:t>Centos4 slave</a:t>
+            </a:r>
+            <a:endParaRPr lang="en-US" altLang="zh-CN"/>
+          </a:p>
+        </p:txBody>
+      </p:sp>
+      <p:sp>
+        <p:nvSpPr>
+          <p:cNvPr id="5" name="内容占位符 4"/>
           <p:cNvSpPr>
             <a:spLocks noGrp="1"/>
           </p:cNvSpPr>
@@ -6699,11 +6861,141 @@
             <p:ph sz="half" idx="2"/>
           </p:nvPr>
         </p:nvSpPr>
-        <p:spPr/>
-        <p:txBody>
-          <a:bodyPr/>
-          <a:p>
-            <a:endParaRPr lang="zh-CN" altLang="en-US"/>
+        <p:spPr>
+          <a:xfrm>
+            <a:off x="3521075" y="1825625"/>
+            <a:ext cx="7832725" cy="4351655"/>
+          </a:xfrm>
+        </p:spPr>
+        <p:txBody>
+          <a:bodyPr>
+            <a:normAutofit fontScale="60000"/>
+          </a:bodyPr>
+          <a:p>
+            <a:r>
+              <a:rPr lang="zh-CN" altLang="en-US"/>
+              <a:t>需要修改配置项</a:t>
+            </a:r>
+            <a:endParaRPr lang="zh-CN" altLang="en-US"/>
+          </a:p>
+          <a:p>
+            <a:r>
+              <a:rPr lang="en-US" altLang="zh-CN"/>
+              <a:t>1. </a:t>
+            </a:r>
+            <a:r>
+              <a:rPr lang="zh-CN" altLang="en-US"/>
+              <a:t>修改</a:t>
+            </a:r>
+            <a:r>
+              <a:rPr lang="en-US" altLang="zh-CN"/>
+              <a:t>slave</a:t>
+            </a:r>
+            <a:r>
+              <a:rPr lang="zh-CN" altLang="en-US"/>
+              <a:t>文件</a:t>
+            </a:r>
+            <a:endParaRPr lang="zh-CN" altLang="en-US"/>
+          </a:p>
+          <a:p>
+            <a:r>
+              <a:rPr lang="en-US" altLang="zh-CN"/>
+              <a:t>Centos2</a:t>
+            </a:r>
+            <a:endParaRPr lang="en-US" altLang="zh-CN"/>
+          </a:p>
+          <a:p>
+            <a:r>
+              <a:rPr lang="en-US" altLang="zh-CN"/>
+              <a:t>Centos3</a:t>
+            </a:r>
+            <a:endParaRPr lang="en-US" altLang="zh-CN"/>
+          </a:p>
+          <a:p>
+            <a:r>
+              <a:rPr lang="en-US" altLang="zh-CN"/>
+              <a:t>Centos4</a:t>
+            </a:r>
+            <a:endParaRPr lang="en-US" altLang="zh-CN"/>
+          </a:p>
+          <a:p>
+            <a:r>
+              <a:rPr lang="en-US" altLang="zh-CN"/>
+              <a:t>2. </a:t>
+            </a:r>
+            <a:r>
+              <a:rPr lang="zh-CN" altLang="en-US"/>
+              <a:t>修改</a:t>
+            </a:r>
+            <a:r>
+              <a:rPr lang="en-US" altLang="zh-CN"/>
+              <a:t>spark-env.sh</a:t>
+            </a:r>
+            <a:endParaRPr lang="en-US" altLang="zh-CN"/>
+          </a:p>
+          <a:p>
+            <a:r>
+              <a:rPr lang="en-US" altLang="zh-CN"/>
+              <a:t>export JAVA_HOME=/home/darren/program/java</a:t>
+            </a:r>
+            <a:endParaRPr lang="en-US" altLang="zh-CN"/>
+          </a:p>
+          <a:p>
+            <a:r>
+              <a:rPr lang="en-US" altLang="zh-CN"/>
+              <a:t>export SPARK_MASTER_IP=centos1</a:t>
+            </a:r>
+            <a:endParaRPr lang="en-US" altLang="zh-CN"/>
+          </a:p>
+          <a:p>
+            <a:r>
+              <a:rPr lang="en-US" altLang="zh-CN"/>
+              <a:t>export </a:t>
+            </a:r>
+            <a:r>
+              <a:rPr lang="en-US" altLang="zh-CN">
+                <a:sym typeface="+mn-ea"/>
+              </a:rPr>
+              <a:t>SPARK_MASTER_PORT=7077</a:t>
+            </a:r>
+            <a:endParaRPr lang="en-US" altLang="zh-CN">
+              <a:sym typeface="+mn-ea"/>
+            </a:endParaRPr>
+          </a:p>
+          <a:p>
+            <a:r>
+              <a:rPr lang="en-US" altLang="zh-CN">
+                <a:sym typeface="+mn-ea"/>
+              </a:rPr>
+              <a:t>export SPARK_WORKER_CORES=1</a:t>
+            </a:r>
+            <a:endParaRPr lang="en-US" altLang="zh-CN">
+              <a:sym typeface="+mn-ea"/>
+            </a:endParaRPr>
+          </a:p>
+          <a:p>
+            <a:r>
+              <a:rPr lang="en-US" altLang="zh-CN">
+                <a:sym typeface="+mn-ea"/>
+              </a:rPr>
+              <a:t>export SPARK_WORKER_INSTANCES=1</a:t>
+            </a:r>
+            <a:endParaRPr lang="en-US" altLang="zh-CN"/>
+          </a:p>
+          <a:p>
+            <a:r>
+              <a:rPr lang="en-US" altLang="zh-CN">
+                <a:sym typeface="+mn-ea"/>
+              </a:rPr>
+              <a:t>export SPARK_WORKER_MEMORY=1g</a:t>
+            </a:r>
+            <a:endParaRPr lang="en-US" altLang="zh-CN"/>
+          </a:p>
+          <a:p>
+            <a:endParaRPr lang="en-US" altLang="zh-CN"/>
+          </a:p>
+          <a:p>
+            <a:endParaRPr lang="en-US" altLang="zh-CN"/>
           </a:p>
         </p:txBody>
       </p:sp>
@@ -6773,6 +7065,1875 @@
               <a:t>Both fast to run and fast to write</a:t>
             </a:r>
             <a:endParaRPr lang="en-US" altLang="zh-CN"/>
+          </a:p>
+        </p:txBody>
+      </p:sp>
+    </p:spTree>
+  </p:cSld>
+  <p:clrMapOvr>
+    <a:masterClrMapping/>
+  </p:clrMapOvr>
+</p:sld>
+</file>
+
+<file path=ppt/slides/slide30.xml><?xml version="1.0" encoding="utf-8"?>
+<p:sld xmlns:a="http://schemas.openxmlformats.org/drawingml/2006/main" xmlns:r="http://schemas.openxmlformats.org/officeDocument/2006/relationships" xmlns:p="http://schemas.openxmlformats.org/presentationml/2006/main">
+  <p:cSld>
+    <p:spTree>
+      <p:nvGrpSpPr>
+        <p:cNvPr id="1" name=""/>
+        <p:cNvGrpSpPr/>
+        <p:nvPr/>
+      </p:nvGrpSpPr>
+      <p:grpSpPr/>
+      <p:sp>
+        <p:nvSpPr>
+          <p:cNvPr id="5" name="标题 4"/>
+          <p:cNvSpPr>
+            <a:spLocks noGrp="1"/>
+          </p:cNvSpPr>
+          <p:nvPr>
+            <p:ph type="title"/>
+          </p:nvPr>
+        </p:nvSpPr>
+        <p:spPr/>
+        <p:txBody>
+          <a:bodyPr/>
+          <a:p>
+            <a:r>
+              <a:rPr lang="en-US" altLang="zh-CN"/>
+              <a:t>SSH </a:t>
+            </a:r>
+            <a:r>
+              <a:rPr lang="zh-CN" altLang="zh-CN"/>
+              <a:t>无密码登录</a:t>
+            </a:r>
+            <a:endParaRPr lang="zh-CN" altLang="zh-CN"/>
+          </a:p>
+        </p:txBody>
+      </p:sp>
+      <p:sp>
+        <p:nvSpPr>
+          <p:cNvPr id="6" name="内容占位符 5"/>
+          <p:cNvSpPr>
+            <a:spLocks noGrp="1"/>
+          </p:cNvSpPr>
+          <p:nvPr>
+            <p:ph idx="1"/>
+          </p:nvPr>
+        </p:nvSpPr>
+        <p:spPr/>
+        <p:txBody>
+          <a:bodyPr>
+            <a:normAutofit lnSpcReduction="20000"/>
+          </a:bodyPr>
+          <a:p>
+            <a:r>
+              <a:rPr lang="en-US" altLang="zh-CN"/>
+              <a:t>centos1</a:t>
+            </a:r>
+            <a:r>
+              <a:rPr lang="zh-CN" altLang="en-US"/>
+              <a:t>要到</a:t>
+            </a:r>
+            <a:r>
+              <a:rPr lang="en-US" altLang="zh-CN"/>
+              <a:t>centos2,3,4</a:t>
+            </a:r>
+            <a:r>
+              <a:rPr lang="zh-CN" altLang="en-US"/>
+              <a:t>无密码登录，需要进行如下配置 ：</a:t>
+            </a:r>
+            <a:endParaRPr lang="zh-CN" altLang="en-US"/>
+          </a:p>
+          <a:p>
+            <a:r>
+              <a:rPr lang="zh-CN" altLang="en-US"/>
+              <a:t>ssh-keygen -t rsa</a:t>
+            </a:r>
+            <a:endParaRPr lang="zh-CN" altLang="en-US"/>
+          </a:p>
+          <a:p>
+            <a:r>
+              <a:rPr lang="en-US" altLang="zh-CN"/>
+              <a:t>cat ~/.ssh/id_ras.pub &gt;&gt; ~/.ssh/authorized_keys</a:t>
+            </a:r>
+            <a:endParaRPr lang="en-US" altLang="zh-CN"/>
+          </a:p>
+          <a:p>
+            <a:r>
+              <a:rPr lang="en-US" altLang="zh-CN"/>
+              <a:t>scp ~/.ssh/authorized_keys darren@centos2:~/.ssh/</a:t>
+            </a:r>
+            <a:endParaRPr lang="en-US" altLang="zh-CN"/>
+          </a:p>
+          <a:p>
+            <a:endParaRPr lang="en-US" altLang="zh-CN"/>
+          </a:p>
+          <a:p>
+            <a:r>
+              <a:rPr lang="zh-CN" altLang="zh-CN"/>
+              <a:t>如果出现无法无密码登录的情况，前检查</a:t>
+            </a:r>
+            <a:r>
+              <a:rPr lang="en-US" altLang="zh-CN"/>
+              <a:t>log</a:t>
+            </a:r>
+            <a:r>
+              <a:rPr lang="zh-CN" altLang="en-US"/>
+              <a:t>：</a:t>
+            </a:r>
+            <a:endParaRPr lang="zh-CN" altLang="en-US"/>
+          </a:p>
+          <a:p>
+            <a:r>
+              <a:rPr lang="zh-CN" altLang="en-US"/>
+              <a:t>tail /var/log/secure -n 20</a:t>
+            </a:r>
+            <a:endParaRPr lang="zh-CN" altLang="en-US"/>
+          </a:p>
+          <a:p>
+            <a:r>
+              <a:rPr lang="zh-CN" altLang="en-US"/>
+              <a:t>如果，日志显示Authentication refused: bad ownership or modes for file，那么请修改</a:t>
+            </a:r>
+            <a:r>
+              <a:rPr lang="en-US" altLang="zh-CN">
+                <a:sym typeface="+mn-ea"/>
+              </a:rPr>
+              <a:t>authorized_keys</a:t>
+            </a:r>
+            <a:r>
+              <a:rPr lang="zh-CN" altLang="en-US">
+                <a:sym typeface="+mn-ea"/>
+              </a:rPr>
+              <a:t>的权限为</a:t>
+            </a:r>
+            <a:r>
+              <a:rPr lang="en-US" altLang="zh-CN">
+                <a:sym typeface="+mn-ea"/>
+              </a:rPr>
+              <a:t>600</a:t>
+            </a:r>
+            <a:endParaRPr lang="en-US" altLang="zh-CN">
+              <a:sym typeface="+mn-ea"/>
+            </a:endParaRPr>
+          </a:p>
+          <a:p>
+            <a:r>
+              <a:rPr lang="en-US" altLang="zh-CN">
+                <a:sym typeface="+mn-ea"/>
+              </a:rPr>
+              <a:t>chmod 600 ~/.ssh/authorized_keys</a:t>
+            </a:r>
+            <a:endParaRPr lang="en-US" altLang="zh-CN">
+              <a:sym typeface="+mn-ea"/>
+            </a:endParaRPr>
+          </a:p>
+        </p:txBody>
+      </p:sp>
+    </p:spTree>
+  </p:cSld>
+  <p:clrMapOvr>
+    <a:masterClrMapping/>
+  </p:clrMapOvr>
+</p:sld>
+</file>
+
+<file path=ppt/slides/slide31.xml><?xml version="1.0" encoding="utf-8"?>
+<p:sld xmlns:a="http://schemas.openxmlformats.org/drawingml/2006/main" xmlns:r="http://schemas.openxmlformats.org/officeDocument/2006/relationships" xmlns:p="http://schemas.openxmlformats.org/presentationml/2006/main">
+  <p:cSld>
+    <p:spTree>
+      <p:nvGrpSpPr>
+        <p:cNvPr id="1" name=""/>
+        <p:cNvGrpSpPr/>
+        <p:nvPr/>
+      </p:nvGrpSpPr>
+      <p:grpSpPr/>
+      <p:sp>
+        <p:nvSpPr>
+          <p:cNvPr id="2" name="标题 1"/>
+          <p:cNvSpPr>
+            <a:spLocks noGrp="1"/>
+          </p:cNvSpPr>
+          <p:nvPr>
+            <p:ph type="title"/>
+          </p:nvPr>
+        </p:nvSpPr>
+        <p:spPr/>
+        <p:txBody>
+          <a:bodyPr/>
+          <a:p>
+            <a:endParaRPr lang="zh-CN" altLang="en-US"/>
+          </a:p>
+        </p:txBody>
+      </p:sp>
+      <p:sp>
+        <p:nvSpPr>
+          <p:cNvPr id="4" name="内容占位符 3"/>
+          <p:cNvSpPr>
+            <a:spLocks noGrp="1"/>
+          </p:cNvSpPr>
+          <p:nvPr>
+            <p:ph sz="half" idx="2"/>
+          </p:nvPr>
+        </p:nvSpPr>
+        <p:spPr>
+          <a:xfrm>
+            <a:off x="7833995" y="1825625"/>
+            <a:ext cx="3519805" cy="4351655"/>
+          </a:xfrm>
+        </p:spPr>
+        <p:txBody>
+          <a:bodyPr>
+            <a:normAutofit fontScale="90000" lnSpcReduction="10000"/>
+          </a:bodyPr>
+          <a:p>
+            <a:r>
+              <a:rPr lang="zh-CN" altLang="zh-CN"/>
+              <a:t>在</a:t>
+            </a:r>
+            <a:r>
+              <a:rPr lang="en-US" altLang="zh-CN"/>
+              <a:t>masrer</a:t>
+            </a:r>
+            <a:r>
+              <a:rPr lang="zh-CN" altLang="en-US"/>
+              <a:t>节点</a:t>
+            </a:r>
+            <a:r>
+              <a:rPr lang="en-US" altLang="zh-CN"/>
+              <a:t>sbin/start-all.sh</a:t>
+            </a:r>
+            <a:endParaRPr lang="en-US" altLang="zh-CN"/>
+          </a:p>
+          <a:p>
+            <a:r>
+              <a:rPr lang="zh-CN" altLang="en-US"/>
+              <a:t>如果</a:t>
+            </a:r>
+            <a:r>
+              <a:rPr lang="en-US" altLang="zh-CN"/>
+              <a:t>centos1:8080</a:t>
+            </a:r>
+            <a:r>
+              <a:rPr lang="zh-CN" altLang="en-US"/>
+              <a:t>无法访问，请关闭防火墙</a:t>
+            </a:r>
+            <a:endParaRPr lang="zh-CN" altLang="en-US"/>
+          </a:p>
+          <a:p>
+            <a:r>
+              <a:rPr lang="zh-CN" altLang="en-US"/>
+              <a:t>如果</a:t>
+            </a:r>
+            <a:r>
+              <a:rPr lang="en-US" altLang="zh-CN"/>
+              <a:t>centos1:8080</a:t>
+            </a:r>
+            <a:r>
+              <a:rPr lang="zh-CN" altLang="en-US"/>
+              <a:t>能访问，但是如图所示，不能显示</a:t>
+            </a:r>
+            <a:r>
+              <a:rPr lang="en-US" altLang="zh-CN"/>
+              <a:t>slave</a:t>
+            </a:r>
+            <a:r>
+              <a:rPr lang="zh-CN" altLang="en-US"/>
+              <a:t>信息，也请关闭防火墙，</a:t>
+            </a:r>
+            <a:r>
+              <a:rPr lang="en-US" altLang="zh-CN"/>
+              <a:t>slave</a:t>
+            </a:r>
+            <a:r>
+              <a:rPr lang="zh-CN" altLang="en-US"/>
+              <a:t>节点上的防火墙也请关闭</a:t>
+            </a:r>
+            <a:endParaRPr lang="zh-CN" altLang="en-US"/>
+          </a:p>
+          <a:p>
+            <a:r>
+              <a:rPr lang="zh-CN" altLang="en-US">
+                <a:solidFill>
+                  <a:schemeClr val="accent1"/>
+                </a:solidFill>
+              </a:rPr>
+              <a:t>chkconfig iptables off</a:t>
+            </a:r>
+            <a:endParaRPr lang="zh-CN" altLang="en-US">
+              <a:solidFill>
+                <a:schemeClr val="accent1"/>
+              </a:solidFill>
+            </a:endParaRPr>
+          </a:p>
+          <a:p>
+            <a:r>
+              <a:rPr lang="en-US" altLang="zh-CN">
+                <a:solidFill>
+                  <a:schemeClr val="accent1"/>
+                </a:solidFill>
+              </a:rPr>
+              <a:t>service iptables stop</a:t>
+            </a:r>
+            <a:endParaRPr lang="en-US" altLang="zh-CN">
+              <a:solidFill>
+                <a:schemeClr val="accent1"/>
+              </a:solidFill>
+            </a:endParaRPr>
+          </a:p>
+        </p:txBody>
+      </p:sp>
+      <p:pic>
+        <p:nvPicPr>
+          <p:cNvPr id="8" name="内容占位符 7"/>
+          <p:cNvPicPr>
+            <a:picLocks noChangeAspect="1"/>
+          </p:cNvPicPr>
+          <p:nvPr>
+            <p:ph sz="half" idx="1"/>
+          </p:nvPr>
+        </p:nvPicPr>
+        <p:blipFill>
+          <a:blip r:embed="rId1"/>
+          <a:stretch>
+            <a:fillRect/>
+          </a:stretch>
+        </p:blipFill>
+        <p:spPr>
+          <a:xfrm>
+            <a:off x="838200" y="1577340"/>
+            <a:ext cx="7101840" cy="3815715"/>
+          </a:xfrm>
+          <a:prstGeom prst="rect">
+            <a:avLst/>
+          </a:prstGeom>
+        </p:spPr>
+      </p:pic>
+    </p:spTree>
+  </p:cSld>
+  <p:clrMapOvr>
+    <a:masterClrMapping/>
+  </p:clrMapOvr>
+</p:sld>
+</file>
+
+<file path=ppt/slides/slide32.xml><?xml version="1.0" encoding="utf-8"?>
+<p:sld xmlns:a="http://schemas.openxmlformats.org/drawingml/2006/main" xmlns:r="http://schemas.openxmlformats.org/officeDocument/2006/relationships" xmlns:p="http://schemas.openxmlformats.org/presentationml/2006/main">
+  <p:cSld>
+    <p:spTree>
+      <p:nvGrpSpPr>
+        <p:cNvPr id="1" name=""/>
+        <p:cNvGrpSpPr/>
+        <p:nvPr/>
+      </p:nvGrpSpPr>
+      <p:grpSpPr/>
+      <p:sp>
+        <p:nvSpPr>
+          <p:cNvPr id="2" name="标题 1"/>
+          <p:cNvSpPr>
+            <a:spLocks noGrp="1"/>
+          </p:cNvSpPr>
+          <p:nvPr>
+            <p:ph type="title"/>
+          </p:nvPr>
+        </p:nvSpPr>
+        <p:spPr/>
+        <p:txBody>
+          <a:bodyPr>
+            <a:normAutofit/>
+          </a:bodyPr>
+          <a:p>
+            <a:r>
+              <a:rPr lang="en-US" altLang="zh-CN">
+                <a:sym typeface="+mn-ea"/>
+              </a:rPr>
+              <a:t>Standlone </a:t>
+            </a:r>
+            <a:r>
+              <a:rPr lang="zh-CN" altLang="en-US">
+                <a:sym typeface="+mn-ea"/>
+              </a:rPr>
+              <a:t>集群模式 </a:t>
+            </a:r>
+            <a:r>
+              <a:rPr lang="en-US" altLang="zh-CN">
+                <a:sym typeface="+mn-ea"/>
+              </a:rPr>
+              <a:t>- Client</a:t>
+            </a:r>
+            <a:r>
+              <a:rPr lang="zh-CN" altLang="en-US">
+                <a:sym typeface="+mn-ea"/>
+              </a:rPr>
+              <a:t>模式</a:t>
+            </a:r>
+            <a:endParaRPr lang="zh-CN" altLang="en-US">
+              <a:sym typeface="+mn-ea"/>
+            </a:endParaRPr>
+          </a:p>
+        </p:txBody>
+      </p:sp>
+      <p:sp>
+        <p:nvSpPr>
+          <p:cNvPr id="3" name="内容占位符 2"/>
+          <p:cNvSpPr>
+            <a:spLocks noGrp="1"/>
+          </p:cNvSpPr>
+          <p:nvPr>
+            <p:ph idx="1"/>
+          </p:nvPr>
+        </p:nvSpPr>
+        <p:spPr>
+          <a:xfrm>
+            <a:off x="838200" y="1825625"/>
+            <a:ext cx="10515600" cy="4625975"/>
+          </a:xfrm>
+          <a:ln>
+            <a:solidFill>
+              <a:srgbClr val="FCAD36"/>
+            </a:solidFill>
+          </a:ln>
+        </p:spPr>
+        <p:txBody>
+          <a:bodyPr>
+            <a:normAutofit fontScale="70000"/>
+          </a:bodyPr>
+          <a:p>
+            <a:r>
+              <a:rPr lang="en-US" altLang="zh-CN">
+                <a:sym typeface="+mn-ea"/>
+              </a:rPr>
+              <a:t>-- master </a:t>
+            </a:r>
+            <a:r>
+              <a:rPr lang="zh-CN" altLang="en-US">
+                <a:sym typeface="+mn-ea"/>
+              </a:rPr>
+              <a:t>spark://centos1:7077</a:t>
+            </a:r>
+            <a:endParaRPr lang="zh-CN" altLang="en-US">
+              <a:sym typeface="+mn-ea"/>
+            </a:endParaRPr>
+          </a:p>
+          <a:p>
+            <a:r>
+              <a:rPr lang="en-US" altLang="zh-CN">
+                <a:sym typeface="+mn-ea"/>
+              </a:rPr>
+              <a:t>--deploy-mode cluster </a:t>
+            </a:r>
+            <a:endParaRPr lang="zh-CN" altLang="en-US"/>
+          </a:p>
+          <a:p>
+            <a:r>
+              <a:rPr lang="zh-CN" altLang="en-US">
+                <a:solidFill>
+                  <a:srgbClr val="F9680D"/>
+                </a:solidFill>
+                <a:sym typeface="+mn-ea"/>
+              </a:rPr>
+              <a:t>--driver-memory 512m</a:t>
+            </a:r>
+            <a:endParaRPr lang="zh-CN" altLang="en-US">
+              <a:solidFill>
+                <a:srgbClr val="F9680D"/>
+              </a:solidFill>
+              <a:sym typeface="+mn-ea"/>
+            </a:endParaRPr>
+          </a:p>
+          <a:p>
+            <a:endParaRPr lang="zh-CN" altLang="en-US"/>
+          </a:p>
+          <a:p>
+            <a:r>
+              <a:rPr lang="zh-CN" altLang="en-US"/>
+              <a:t>./bin/spark-submit --class org.apache.spark.examples.SparkPi --master spark://centos1:7077</a:t>
+            </a:r>
+            <a:r>
+              <a:rPr lang="zh-CN" altLang="en-US">
+                <a:solidFill>
+                  <a:srgbClr val="FCAD36"/>
+                </a:solidFill>
+              </a:rPr>
+              <a:t> </a:t>
+            </a:r>
+            <a:r>
+              <a:rPr lang="en-US" altLang="zh-CN">
+                <a:solidFill>
+                  <a:srgbClr val="FCAD36"/>
+                </a:solidFill>
+              </a:rPr>
+              <a:t>--deploy-mode cluster</a:t>
+            </a:r>
+            <a:r>
+              <a:rPr lang="en-US" altLang="zh-CN">
+                <a:solidFill>
+                  <a:srgbClr val="F9680D"/>
+                </a:solidFill>
+              </a:rPr>
+              <a:t> </a:t>
+            </a:r>
+            <a:r>
+              <a:rPr lang="zh-CN" altLang="en-US">
+                <a:solidFill>
+                  <a:srgbClr val="FF0000"/>
+                </a:solidFill>
+              </a:rPr>
+              <a:t>--executor-memory 512m</a:t>
+            </a:r>
+            <a:r>
+              <a:rPr lang="zh-CN" altLang="en-US"/>
+              <a:t> </a:t>
+            </a:r>
+            <a:r>
+              <a:rPr lang="zh-CN" altLang="en-US">
+                <a:solidFill>
+                  <a:srgbClr val="F9680D"/>
+                </a:solidFill>
+              </a:rPr>
+              <a:t>--driver-memory 512m</a:t>
+            </a:r>
+            <a:r>
+              <a:rPr lang="zh-CN" altLang="en-US">
+                <a:solidFill>
+                  <a:schemeClr val="accent1"/>
+                </a:solidFill>
+              </a:rPr>
+              <a:t>--total-executor-cores 1</a:t>
+            </a:r>
+            <a:r>
+              <a:rPr lang="zh-CN" altLang="en-US"/>
+              <a:t> ./examples/jars/spark-examples_2.11-2.2.0.jar 10</a:t>
+            </a:r>
+            <a:endParaRPr lang="zh-CN" altLang="en-US"/>
+          </a:p>
+          <a:p>
+            <a:endParaRPr lang="zh-CN" altLang="en-US"/>
+          </a:p>
+          <a:p>
+            <a:r>
+              <a:rPr lang="zh-CN" altLang="zh-CN"/>
+              <a:t>注意：</a:t>
+            </a:r>
+            <a:endParaRPr lang="zh-CN" altLang="zh-CN"/>
+          </a:p>
+          <a:p>
+            <a:r>
+              <a:rPr lang="zh-CN" altLang="en-US">
+                <a:solidFill>
+                  <a:srgbClr val="FF0000"/>
+                </a:solidFill>
+                <a:sym typeface="+mn-ea"/>
+              </a:rPr>
+              <a:t>--executor-memory 默认是</a:t>
+            </a:r>
+            <a:r>
+              <a:rPr lang="en-US" altLang="zh-CN">
+                <a:solidFill>
+                  <a:srgbClr val="FF0000"/>
+                </a:solidFill>
+                <a:sym typeface="+mn-ea"/>
+              </a:rPr>
+              <a:t>1G</a:t>
+            </a:r>
+            <a:r>
+              <a:rPr lang="zh-CN" altLang="en-US">
+                <a:solidFill>
+                  <a:srgbClr val="FF0000"/>
+                </a:solidFill>
+                <a:sym typeface="+mn-ea"/>
+              </a:rPr>
+              <a:t>，超出可用内存导致无法分配</a:t>
+            </a:r>
+            <a:r>
+              <a:rPr lang="en-US" altLang="zh-CN">
+                <a:solidFill>
+                  <a:srgbClr val="FF0000"/>
+                </a:solidFill>
+                <a:sym typeface="+mn-ea"/>
+              </a:rPr>
+              <a:t>worker</a:t>
+            </a:r>
+            <a:endParaRPr lang="en-US" altLang="zh-CN">
+              <a:solidFill>
+                <a:srgbClr val="FF0000"/>
+              </a:solidFill>
+              <a:sym typeface="+mn-ea"/>
+            </a:endParaRPr>
+          </a:p>
+          <a:p>
+            <a:r>
+              <a:rPr lang="zh-CN" altLang="en-US">
+                <a:solidFill>
+                  <a:srgbClr val="F9680D"/>
+                </a:solidFill>
+                <a:sym typeface="+mn-ea"/>
+              </a:rPr>
+              <a:t>--driver-memory 默认是</a:t>
+            </a:r>
+            <a:r>
+              <a:rPr lang="en-US" altLang="zh-CN">
+                <a:solidFill>
+                  <a:srgbClr val="F9680D"/>
+                </a:solidFill>
+                <a:sym typeface="+mn-ea"/>
+              </a:rPr>
+              <a:t>1G</a:t>
+            </a:r>
+            <a:r>
+              <a:rPr lang="zh-CN" altLang="en-US">
+                <a:solidFill>
+                  <a:srgbClr val="F9680D"/>
+                </a:solidFill>
+                <a:sym typeface="+mn-ea"/>
+              </a:rPr>
+              <a:t>，超出无法分配</a:t>
+            </a:r>
+            <a:r>
+              <a:rPr lang="en-US" altLang="zh-CN">
+                <a:solidFill>
+                  <a:srgbClr val="F9680D"/>
+                </a:solidFill>
+                <a:sym typeface="+mn-ea"/>
+              </a:rPr>
+              <a:t>Driver</a:t>
+            </a:r>
+            <a:endParaRPr lang="en-US" altLang="zh-CN">
+              <a:solidFill>
+                <a:srgbClr val="FF0000"/>
+              </a:solidFill>
+              <a:sym typeface="+mn-ea"/>
+            </a:endParaRPr>
+          </a:p>
+          <a:p>
+            <a:r>
+              <a:rPr lang="zh-CN" altLang="en-US">
+                <a:solidFill>
+                  <a:schemeClr val="accent1"/>
+                </a:solidFill>
+                <a:sym typeface="+mn-ea"/>
+              </a:rPr>
+              <a:t>--total-executor-cores 整个</a:t>
+            </a:r>
+            <a:r>
+              <a:rPr lang="en-US" altLang="zh-CN">
+                <a:solidFill>
+                  <a:schemeClr val="accent1"/>
+                </a:solidFill>
+                <a:sym typeface="+mn-ea"/>
+              </a:rPr>
+              <a:t>Application</a:t>
+            </a:r>
+            <a:r>
+              <a:rPr lang="zh-CN" altLang="en-US">
+                <a:solidFill>
+                  <a:schemeClr val="accent1"/>
+                </a:solidFill>
+                <a:sym typeface="+mn-ea"/>
+              </a:rPr>
+              <a:t>需要的</a:t>
+            </a:r>
+            <a:r>
+              <a:rPr lang="en-US" altLang="zh-CN">
+                <a:solidFill>
+                  <a:schemeClr val="accent1"/>
+                </a:solidFill>
+                <a:sym typeface="+mn-ea"/>
+              </a:rPr>
+              <a:t>cpu</a:t>
+            </a:r>
+            <a:r>
+              <a:rPr lang="zh-CN" altLang="en-US">
+                <a:solidFill>
+                  <a:schemeClr val="accent1"/>
+                </a:solidFill>
+                <a:sym typeface="+mn-ea"/>
+              </a:rPr>
+              <a:t>核数</a:t>
+            </a:r>
+            <a:endParaRPr lang="zh-CN" altLang="en-US">
+              <a:solidFill>
+                <a:schemeClr val="accent1"/>
+              </a:solidFill>
+              <a:sym typeface="+mn-ea"/>
+            </a:endParaRPr>
+          </a:p>
+        </p:txBody>
+      </p:sp>
+    </p:spTree>
+  </p:cSld>
+  <p:clrMapOvr>
+    <a:masterClrMapping/>
+  </p:clrMapOvr>
+</p:sld>
+</file>
+
+<file path=ppt/slides/slide33.xml><?xml version="1.0" encoding="utf-8"?>
+<p:sld xmlns:a="http://schemas.openxmlformats.org/drawingml/2006/main" xmlns:r="http://schemas.openxmlformats.org/officeDocument/2006/relationships" xmlns:p="http://schemas.openxmlformats.org/presentationml/2006/main">
+  <p:cSld>
+    <p:spTree>
+      <p:nvGrpSpPr>
+        <p:cNvPr id="1" name=""/>
+        <p:cNvGrpSpPr/>
+        <p:nvPr/>
+      </p:nvGrpSpPr>
+      <p:grpSpPr/>
+      <p:sp>
+        <p:nvSpPr>
+          <p:cNvPr id="2" name="标题 1"/>
+          <p:cNvSpPr>
+            <a:spLocks noGrp="1"/>
+          </p:cNvSpPr>
+          <p:nvPr>
+            <p:ph type="title"/>
+          </p:nvPr>
+        </p:nvSpPr>
+        <p:spPr/>
+        <p:txBody>
+          <a:bodyPr>
+            <a:normAutofit/>
+          </a:bodyPr>
+          <a:p>
+            <a:r>
+              <a:rPr lang="en-US" altLang="zh-CN">
+                <a:sym typeface="+mn-ea"/>
+              </a:rPr>
+              <a:t>Standlone </a:t>
+            </a:r>
+            <a:r>
+              <a:rPr lang="zh-CN" altLang="en-US">
+                <a:sym typeface="+mn-ea"/>
+              </a:rPr>
+              <a:t>集群模式 </a:t>
+            </a:r>
+            <a:r>
+              <a:rPr lang="en-US" altLang="zh-CN">
+                <a:sym typeface="+mn-ea"/>
+              </a:rPr>
+              <a:t>- Cluster</a:t>
+            </a:r>
+            <a:r>
+              <a:rPr lang="zh-CN" altLang="en-US">
+                <a:sym typeface="+mn-ea"/>
+              </a:rPr>
+              <a:t>模式</a:t>
+            </a:r>
+            <a:endParaRPr lang="zh-CN" altLang="en-US"/>
+          </a:p>
+        </p:txBody>
+      </p:sp>
+      <p:sp>
+        <p:nvSpPr>
+          <p:cNvPr id="3" name="内容占位符 2"/>
+          <p:cNvSpPr>
+            <a:spLocks noGrp="1"/>
+          </p:cNvSpPr>
+          <p:nvPr>
+            <p:ph idx="1"/>
+          </p:nvPr>
+        </p:nvSpPr>
+        <p:spPr/>
+        <p:txBody>
+          <a:bodyPr/>
+          <a:p>
+            <a:r>
+              <a:rPr lang="en-US" altLang="zh-CN">
+                <a:sym typeface="+mn-ea"/>
+              </a:rPr>
+              <a:t>-- master </a:t>
+            </a:r>
+            <a:r>
+              <a:rPr lang="zh-CN" altLang="en-US">
+                <a:sym typeface="+mn-ea"/>
+              </a:rPr>
+              <a:t>spark://centos1:7077</a:t>
+            </a:r>
+            <a:endParaRPr lang="zh-CN" altLang="en-US">
+              <a:sym typeface="+mn-ea"/>
+            </a:endParaRPr>
+          </a:p>
+          <a:p>
+            <a:r>
+              <a:rPr lang="en-US" altLang="zh-CN">
+                <a:sym typeface="+mn-ea"/>
+              </a:rPr>
+              <a:t>--deploy-mode cluster </a:t>
+            </a:r>
+            <a:r>
+              <a:rPr lang="en-US" altLang="zh-CN">
+                <a:solidFill>
+                  <a:srgbClr val="FF0000"/>
+                </a:solidFill>
+                <a:sym typeface="+mn-ea"/>
+              </a:rPr>
+              <a:t>--</a:t>
+            </a:r>
+            <a:r>
+              <a:rPr lang="zh-CN" altLang="en-US">
+                <a:solidFill>
+                  <a:srgbClr val="FF0000"/>
+                </a:solidFill>
+                <a:sym typeface="+mn-ea"/>
+              </a:rPr>
+              <a:t>默认是这个配置，可以不写</a:t>
+            </a:r>
+            <a:endParaRPr lang="zh-CN" altLang="en-US">
+              <a:solidFill>
+                <a:srgbClr val="FF0000"/>
+              </a:solidFill>
+              <a:sym typeface="+mn-ea"/>
+            </a:endParaRPr>
+          </a:p>
+          <a:p>
+            <a:endParaRPr lang="zh-CN" altLang="en-US"/>
+          </a:p>
+          <a:p>
+            <a:r>
+              <a:rPr lang="zh-CN" altLang="en-US">
+                <a:sym typeface="+mn-ea"/>
+              </a:rPr>
+              <a:t>./bin/spark-submit --class org.apache.spark.examples.SparkPi --master spark://centos1:7077 </a:t>
+            </a:r>
+            <a:r>
+              <a:rPr lang="en-US" altLang="zh-CN">
+                <a:solidFill>
+                  <a:schemeClr val="accent1"/>
+                </a:solidFill>
+                <a:sym typeface="+mn-ea"/>
+              </a:rPr>
+              <a:t>--deploy-mode cluster</a:t>
+            </a:r>
+            <a:r>
+              <a:rPr lang="en-US" altLang="zh-CN">
+                <a:sym typeface="+mn-ea"/>
+              </a:rPr>
+              <a:t> </a:t>
+            </a:r>
+            <a:r>
+              <a:rPr lang="zh-CN" altLang="en-US">
+                <a:solidFill>
+                  <a:srgbClr val="FF0000"/>
+                </a:solidFill>
+                <a:sym typeface="+mn-ea"/>
+              </a:rPr>
+              <a:t>--executor-memory 512m</a:t>
+            </a:r>
+            <a:r>
+              <a:rPr lang="zh-CN" altLang="en-US">
+                <a:sym typeface="+mn-ea"/>
+              </a:rPr>
+              <a:t>  ./examples/jars/spark-examples_2.11-2.2.0.jar 10</a:t>
+            </a:r>
+            <a:endParaRPr lang="zh-CN" altLang="en-US"/>
+          </a:p>
+          <a:p>
+            <a:endParaRPr lang="zh-CN" altLang="en-US"/>
+          </a:p>
+        </p:txBody>
+      </p:sp>
+    </p:spTree>
+  </p:cSld>
+  <p:clrMapOvr>
+    <a:masterClrMapping/>
+  </p:clrMapOvr>
+</p:sld>
+</file>
+
+<file path=ppt/slides/slide34.xml><?xml version="1.0" encoding="utf-8"?>
+<p:sld xmlns:a="http://schemas.openxmlformats.org/drawingml/2006/main" xmlns:r="http://schemas.openxmlformats.org/officeDocument/2006/relationships" xmlns:p="http://schemas.openxmlformats.org/presentationml/2006/main">
+  <p:cSld>
+    <p:spTree>
+      <p:nvGrpSpPr>
+        <p:cNvPr id="1" name=""/>
+        <p:cNvGrpSpPr/>
+        <p:nvPr/>
+      </p:nvGrpSpPr>
+      <p:grpSpPr/>
+      <p:sp>
+        <p:nvSpPr>
+          <p:cNvPr id="2" name="标题 1"/>
+          <p:cNvSpPr>
+            <a:spLocks noGrp="1"/>
+          </p:cNvSpPr>
+          <p:nvPr>
+            <p:ph type="title"/>
+          </p:nvPr>
+        </p:nvSpPr>
+        <p:spPr/>
+        <p:txBody>
+          <a:bodyPr/>
+          <a:p>
+            <a:r>
+              <a:rPr lang="en-US" altLang="zh-CN">
+                <a:sym typeface="+mn-ea"/>
+              </a:rPr>
+              <a:t>Standlone </a:t>
+            </a:r>
+            <a:r>
+              <a:rPr lang="zh-CN" altLang="en-US">
+                <a:sym typeface="+mn-ea"/>
+              </a:rPr>
+              <a:t>集群模式 </a:t>
+            </a:r>
+            <a:r>
+              <a:rPr lang="en-US" altLang="zh-CN">
+                <a:sym typeface="+mn-ea"/>
+              </a:rPr>
+              <a:t>- </a:t>
+            </a:r>
+            <a:r>
+              <a:rPr lang="zh-CN" altLang="zh-CN">
+                <a:sym typeface="+mn-ea"/>
+              </a:rPr>
+              <a:t>高可用</a:t>
+            </a:r>
+            <a:endParaRPr lang="zh-CN" altLang="zh-CN">
+              <a:sym typeface="+mn-ea"/>
+            </a:endParaRPr>
+          </a:p>
+        </p:txBody>
+      </p:sp>
+      <p:sp>
+        <p:nvSpPr>
+          <p:cNvPr id="3" name="内容占位符 2"/>
+          <p:cNvSpPr>
+            <a:spLocks noGrp="1"/>
+          </p:cNvSpPr>
+          <p:nvPr>
+            <p:ph idx="1"/>
+          </p:nvPr>
+        </p:nvSpPr>
+        <p:spPr/>
+        <p:txBody>
+          <a:bodyPr>
+            <a:normAutofit lnSpcReduction="10000"/>
+          </a:bodyPr>
+          <a:p>
+            <a:r>
+              <a:rPr lang="en-US" altLang="zh-CN"/>
+              <a:t>conf/spark-env.sh</a:t>
+            </a:r>
+            <a:endParaRPr lang="zh-CN" altLang="en-US"/>
+          </a:p>
+          <a:p>
+            <a:r>
+              <a:rPr lang="en-US" altLang="zh-CN"/>
+              <a:t>export SPARK_DAEMON_JAVA_OPTS="-Dspark.deploy.recoveryMode=ZOOKEEPER -Dspark.deploy.zookeeper.url=centos1:2181,centos2:2181,centos3:2181"</a:t>
+            </a:r>
+            <a:endParaRPr lang="en-US" altLang="zh-CN"/>
+          </a:p>
+          <a:p>
+            <a:endParaRPr lang="en-US" altLang="zh-CN"/>
+          </a:p>
+          <a:p>
+            <a:r>
+              <a:rPr lang="zh-CN" altLang="en-US"/>
+              <a:t>修改</a:t>
+            </a:r>
+            <a:r>
+              <a:rPr lang="en-US" altLang="zh-CN"/>
+              <a:t>centos2</a:t>
+            </a:r>
+            <a:r>
+              <a:rPr lang="zh-CN" altLang="en-US"/>
+              <a:t>上的</a:t>
+            </a:r>
+            <a:r>
+              <a:rPr lang="en-US" altLang="zh-CN"/>
+              <a:t>conf/spark-env.sh</a:t>
+            </a:r>
+            <a:endParaRPr lang="en-US" altLang="zh-CN"/>
+          </a:p>
+          <a:p>
+            <a:r>
+              <a:rPr lang="en-US" altLang="zh-CN"/>
+              <a:t>#</a:t>
+            </a:r>
+            <a:r>
+              <a:rPr lang="en-US" altLang="zh-CN">
+                <a:sym typeface="+mn-ea"/>
+              </a:rPr>
+              <a:t>export SPARK_MASTER_IP=centos1</a:t>
+            </a:r>
+            <a:endParaRPr lang="zh-CN" altLang="zh-CN"/>
+          </a:p>
+          <a:p>
+            <a:r>
+              <a:rPr lang="en-US" altLang="zh-CN">
+                <a:sym typeface="+mn-ea"/>
+              </a:rPr>
+              <a:t>export SPARK_MASTER_IP=centos2</a:t>
+            </a:r>
+            <a:endParaRPr lang="zh-CN" altLang="zh-CN"/>
+          </a:p>
+        </p:txBody>
+      </p:sp>
+    </p:spTree>
+  </p:cSld>
+  <p:clrMapOvr>
+    <a:masterClrMapping/>
+  </p:clrMapOvr>
+</p:sld>
+</file>
+
+<file path=ppt/slides/slide35.xml><?xml version="1.0" encoding="utf-8"?>
+<p:sld xmlns:a="http://schemas.openxmlformats.org/drawingml/2006/main" xmlns:r="http://schemas.openxmlformats.org/officeDocument/2006/relationships" xmlns:p="http://schemas.openxmlformats.org/presentationml/2006/main">
+  <p:cSld>
+    <p:spTree>
+      <p:nvGrpSpPr>
+        <p:cNvPr id="1" name=""/>
+        <p:cNvGrpSpPr/>
+        <p:nvPr/>
+      </p:nvGrpSpPr>
+      <p:grpSpPr/>
+      <p:sp>
+        <p:nvSpPr>
+          <p:cNvPr id="2" name="标题 1"/>
+          <p:cNvSpPr>
+            <a:spLocks noGrp="1"/>
+          </p:cNvSpPr>
+          <p:nvPr>
+            <p:ph type="title"/>
+          </p:nvPr>
+        </p:nvSpPr>
+        <p:spPr/>
+        <p:txBody>
+          <a:bodyPr>
+            <a:normAutofit/>
+          </a:bodyPr>
+          <a:p>
+            <a:r>
+              <a:rPr lang="en-US" altLang="zh-CN">
+                <a:sym typeface="+mn-ea"/>
+              </a:rPr>
+              <a:t>Standlone </a:t>
+            </a:r>
+            <a:r>
+              <a:rPr lang="zh-CN" altLang="en-US">
+                <a:sym typeface="+mn-ea"/>
+              </a:rPr>
+              <a:t>集群模式 </a:t>
+            </a:r>
+            <a:r>
+              <a:rPr lang="en-US" altLang="zh-CN">
+                <a:sym typeface="+mn-ea"/>
+              </a:rPr>
+              <a:t>- </a:t>
+            </a:r>
+            <a:r>
+              <a:rPr lang="zh-CN" altLang="zh-CN">
+                <a:sym typeface="+mn-ea"/>
+              </a:rPr>
+              <a:t>高可用测试</a:t>
+            </a:r>
+            <a:endParaRPr lang="zh-CN" altLang="en-US"/>
+          </a:p>
+        </p:txBody>
+      </p:sp>
+      <p:sp>
+        <p:nvSpPr>
+          <p:cNvPr id="3" name="内容占位符 2"/>
+          <p:cNvSpPr>
+            <a:spLocks noGrp="1"/>
+          </p:cNvSpPr>
+          <p:nvPr>
+            <p:ph idx="1"/>
+          </p:nvPr>
+        </p:nvSpPr>
+        <p:spPr/>
+        <p:txBody>
+          <a:bodyPr/>
+          <a:p>
+            <a:r>
+              <a:rPr lang="zh-CN" altLang="en-US"/>
+              <a:t>启动</a:t>
+            </a:r>
+            <a:r>
+              <a:rPr lang="en-US" altLang="zh-CN"/>
+              <a:t>centos2</a:t>
+            </a:r>
+            <a:r>
+              <a:rPr lang="zh-CN" altLang="en-US"/>
+              <a:t>的</a:t>
+            </a:r>
+            <a:r>
+              <a:rPr lang="en-US" altLang="zh-CN"/>
+              <a:t>master sbin/start-master.sh</a:t>
+            </a:r>
+            <a:endParaRPr lang="en-US" altLang="zh-CN"/>
+          </a:p>
+          <a:p>
+            <a:r>
+              <a:rPr lang="en-US" altLang="zh-CN"/>
+              <a:t>kill</a:t>
+            </a:r>
+            <a:r>
+              <a:rPr lang="zh-CN" altLang="en-US"/>
+              <a:t>掉</a:t>
+            </a:r>
+            <a:r>
+              <a:rPr lang="en-US" altLang="zh-CN"/>
+              <a:t>centos1</a:t>
+            </a:r>
+            <a:r>
+              <a:rPr lang="zh-CN" altLang="en-US"/>
+              <a:t>的</a:t>
+            </a:r>
+            <a:r>
+              <a:rPr lang="en-US" altLang="zh-CN"/>
+              <a:t>master</a:t>
+            </a:r>
+            <a:r>
+              <a:rPr lang="zh-CN" altLang="en-US"/>
+              <a:t>进程</a:t>
+            </a:r>
+            <a:endParaRPr lang="zh-CN" altLang="en-US"/>
+          </a:p>
+          <a:p>
+            <a:r>
+              <a:rPr lang="zh-CN" altLang="en-US"/>
+              <a:t>在</a:t>
+            </a:r>
+            <a:r>
+              <a:rPr lang="en-US" altLang="zh-CN"/>
+              <a:t>centos2</a:t>
+            </a:r>
+            <a:r>
+              <a:rPr lang="zh-CN" altLang="en-US"/>
+              <a:t>上提交</a:t>
+            </a:r>
+            <a:r>
+              <a:rPr lang="en-US" altLang="zh-CN"/>
+              <a:t>spark-shell </a:t>
+            </a:r>
+            <a:r>
+              <a:rPr lang="zh-CN" altLang="zh-CN"/>
+              <a:t>程序</a:t>
+            </a:r>
+            <a:endParaRPr lang="zh-CN" altLang="en-US"/>
+          </a:p>
+          <a:p>
+            <a:r>
+              <a:rPr lang="zh-CN" altLang="en-US"/>
+              <a:t> </a:t>
+            </a:r>
+            <a:r>
+              <a:rPr lang="en-US" altLang="zh-CN"/>
+              <a:t>	</a:t>
+            </a:r>
+            <a:r>
+              <a:rPr lang="zh-CN" altLang="en-US"/>
+              <a:t>bin/spark-shell --master spark://centos2:7077</a:t>
+            </a:r>
+            <a:endParaRPr lang="zh-CN" altLang="en-US"/>
+          </a:p>
+          <a:p>
+            <a:r>
+              <a:rPr lang="zh-CN" altLang="en-US"/>
+              <a:t>启动</a:t>
+            </a:r>
+            <a:r>
+              <a:rPr lang="en-US" altLang="zh-CN"/>
+              <a:t>centos1</a:t>
+            </a:r>
+            <a:r>
+              <a:rPr lang="zh-CN" altLang="en-US"/>
+              <a:t>的</a:t>
+            </a:r>
+            <a:r>
+              <a:rPr lang="en-US" altLang="zh-CN"/>
+              <a:t>master </a:t>
+            </a:r>
+            <a:r>
+              <a:rPr lang="en-US" altLang="zh-CN">
+                <a:sym typeface="+mn-ea"/>
+              </a:rPr>
+              <a:t>sbin/start-master.sh</a:t>
+            </a:r>
+            <a:endParaRPr lang="en-US" altLang="zh-CN">
+              <a:sym typeface="+mn-ea"/>
+            </a:endParaRPr>
+          </a:p>
+          <a:p>
+            <a:r>
+              <a:rPr lang="en-US" altLang="zh-CN">
+                <a:sym typeface="+mn-ea"/>
+              </a:rPr>
+              <a:t>kill</a:t>
+            </a:r>
+            <a:r>
+              <a:rPr lang="zh-CN" altLang="en-US">
+                <a:sym typeface="+mn-ea"/>
+              </a:rPr>
+              <a:t>掉</a:t>
+            </a:r>
+            <a:r>
+              <a:rPr lang="en-US" altLang="zh-CN">
+                <a:sym typeface="+mn-ea"/>
+              </a:rPr>
+              <a:t>centos2</a:t>
+            </a:r>
+            <a:r>
+              <a:rPr lang="zh-CN" altLang="en-US">
+                <a:sym typeface="+mn-ea"/>
+              </a:rPr>
+              <a:t>的</a:t>
+            </a:r>
+            <a:r>
+              <a:rPr lang="en-US" altLang="zh-CN">
+                <a:sym typeface="+mn-ea"/>
+              </a:rPr>
+              <a:t>master</a:t>
+            </a:r>
+            <a:r>
+              <a:rPr lang="zh-CN" altLang="en-US">
+                <a:sym typeface="+mn-ea"/>
+              </a:rPr>
+              <a:t>进程</a:t>
+            </a:r>
+            <a:endParaRPr lang="zh-CN" altLang="en-US">
+              <a:sym typeface="+mn-ea"/>
+            </a:endParaRPr>
+          </a:p>
+          <a:p>
+            <a:r>
+              <a:rPr lang="zh-CN" altLang="en-US">
+                <a:sym typeface="+mn-ea"/>
+              </a:rPr>
+              <a:t>等待</a:t>
+            </a:r>
+            <a:r>
+              <a:rPr lang="en-US" altLang="zh-CN">
+                <a:sym typeface="+mn-ea"/>
+              </a:rPr>
+              <a:t>master</a:t>
+            </a:r>
+            <a:r>
+              <a:rPr lang="zh-CN" altLang="en-US">
+                <a:sym typeface="+mn-ea"/>
+              </a:rPr>
+              <a:t>重新回到</a:t>
+            </a:r>
+            <a:r>
+              <a:rPr lang="en-US" altLang="zh-CN">
+                <a:sym typeface="+mn-ea"/>
+              </a:rPr>
+              <a:t>centos1</a:t>
+            </a:r>
+            <a:r>
+              <a:rPr lang="zh-CN" altLang="en-US">
+                <a:sym typeface="+mn-ea"/>
+              </a:rPr>
+              <a:t>，可以验证</a:t>
+            </a:r>
+            <a:r>
+              <a:rPr lang="en-US" altLang="zh-CN">
+                <a:sym typeface="+mn-ea"/>
+              </a:rPr>
+              <a:t>spark-shell</a:t>
+            </a:r>
+            <a:r>
+              <a:rPr lang="zh-CN" altLang="en-US">
+                <a:sym typeface="+mn-ea"/>
+              </a:rPr>
+              <a:t>程序依然在运行</a:t>
+            </a:r>
+            <a:endParaRPr lang="zh-CN" altLang="en-US">
+              <a:sym typeface="+mn-ea"/>
+            </a:endParaRPr>
+          </a:p>
+          <a:p>
+            <a:endParaRPr lang="zh-CN" altLang="en-US"/>
+          </a:p>
+          <a:p>
+            <a:endParaRPr lang="zh-CN" altLang="en-US"/>
+          </a:p>
+        </p:txBody>
+      </p:sp>
+    </p:spTree>
+  </p:cSld>
+  <p:clrMapOvr>
+    <a:masterClrMapping/>
+  </p:clrMapOvr>
+</p:sld>
+</file>
+
+<file path=ppt/slides/slide36.xml><?xml version="1.0" encoding="utf-8"?>
+<p:sld xmlns:a="http://schemas.openxmlformats.org/drawingml/2006/main" xmlns:r="http://schemas.openxmlformats.org/officeDocument/2006/relationships" xmlns:p="http://schemas.openxmlformats.org/presentationml/2006/main">
+  <p:cSld>
+    <p:spTree>
+      <p:nvGrpSpPr>
+        <p:cNvPr id="1" name=""/>
+        <p:cNvGrpSpPr/>
+        <p:nvPr/>
+      </p:nvGrpSpPr>
+      <p:grpSpPr/>
+      <p:sp>
+        <p:nvSpPr>
+          <p:cNvPr id="2" name="标题 1"/>
+          <p:cNvSpPr>
+            <a:spLocks noGrp="1"/>
+          </p:cNvSpPr>
+          <p:nvPr>
+            <p:ph type="title"/>
+          </p:nvPr>
+        </p:nvSpPr>
+        <p:spPr/>
+        <p:txBody>
+          <a:bodyPr/>
+          <a:p>
+            <a:r>
+              <a:rPr lang="en-US" altLang="zh-CN"/>
+              <a:t>Yarn - </a:t>
+            </a:r>
+            <a:r>
+              <a:rPr lang="zh-CN" altLang="en-US"/>
+              <a:t>集群模式</a:t>
+            </a:r>
+            <a:endParaRPr lang="zh-CN" altLang="en-US"/>
+          </a:p>
+        </p:txBody>
+      </p:sp>
+      <p:sp>
+        <p:nvSpPr>
+          <p:cNvPr id="3" name="内容占位符 2"/>
+          <p:cNvSpPr>
+            <a:spLocks noGrp="1"/>
+          </p:cNvSpPr>
+          <p:nvPr>
+            <p:ph idx="1"/>
+          </p:nvPr>
+        </p:nvSpPr>
+        <p:spPr/>
+        <p:txBody>
+          <a:bodyPr/>
+          <a:p>
+            <a:r>
+              <a:rPr lang="zh-CN" altLang="en-US"/>
+              <a:t>修改</a:t>
+            </a:r>
+            <a:r>
+              <a:rPr lang="en-US" altLang="zh-CN"/>
+              <a:t>conf/spark-env.sh</a:t>
+            </a:r>
+            <a:endParaRPr lang="en-US" altLang="zh-CN"/>
+          </a:p>
+          <a:p>
+            <a:r>
+              <a:rPr lang="en-US" altLang="zh-CN"/>
+              <a:t>export HADOOP_CONF_DIR=$HADOOP_HOME/etc/hadoop</a:t>
+            </a:r>
+            <a:endParaRPr lang="en-US" altLang="zh-CN"/>
+          </a:p>
+          <a:p>
+            <a:r>
+              <a:rPr lang="en-US" altLang="zh-CN"/>
+              <a:t>export YARN_CONF_DIR=$</a:t>
+            </a:r>
+            <a:r>
+              <a:rPr lang="en-US" altLang="zh-CN">
+                <a:sym typeface="+mn-ea"/>
+              </a:rPr>
+              <a:t>HADOOP_HOME/etc/hadop</a:t>
+            </a:r>
+            <a:endParaRPr lang="en-US" altLang="zh-CN">
+              <a:sym typeface="+mn-ea"/>
+            </a:endParaRPr>
+          </a:p>
+          <a:p>
+            <a:r>
+              <a:rPr lang="en-US" altLang="zh-CN"/>
+              <a:t>export SPARK_HOME=/home/darren/program/spark</a:t>
+            </a:r>
+            <a:endParaRPr lang="en-US" altLang="zh-CN">
+              <a:sym typeface="+mn-ea"/>
+            </a:endParaRPr>
+          </a:p>
+          <a:p>
+            <a:r>
+              <a:rPr lang="en-US" altLang="zh-CN"/>
+              <a:t>export PATH=$PATH:$</a:t>
+            </a:r>
+            <a:r>
+              <a:rPr lang="en-US" altLang="zh-CN">
+                <a:sym typeface="+mn-ea"/>
+              </a:rPr>
+              <a:t>SPARK_HOME/bin</a:t>
+            </a:r>
+            <a:endParaRPr lang="en-US" altLang="zh-CN"/>
+          </a:p>
+        </p:txBody>
+      </p:sp>
+    </p:spTree>
+  </p:cSld>
+  <p:clrMapOvr>
+    <a:masterClrMapping/>
+  </p:clrMapOvr>
+</p:sld>
+</file>
+
+<file path=ppt/slides/slide37.xml><?xml version="1.0" encoding="utf-8"?>
+<p:sld xmlns:a="http://schemas.openxmlformats.org/drawingml/2006/main" xmlns:r="http://schemas.openxmlformats.org/officeDocument/2006/relationships" xmlns:p="http://schemas.openxmlformats.org/presentationml/2006/main">
+  <p:cSld>
+    <p:spTree>
+      <p:nvGrpSpPr>
+        <p:cNvPr id="1" name=""/>
+        <p:cNvGrpSpPr/>
+        <p:nvPr/>
+      </p:nvGrpSpPr>
+      <p:grpSpPr/>
+      <p:sp>
+        <p:nvSpPr>
+          <p:cNvPr id="2" name="标题 1"/>
+          <p:cNvSpPr>
+            <a:spLocks noGrp="1"/>
+          </p:cNvSpPr>
+          <p:nvPr>
+            <p:ph type="title"/>
+          </p:nvPr>
+        </p:nvSpPr>
+        <p:spPr/>
+        <p:txBody>
+          <a:bodyPr>
+            <a:normAutofit/>
+          </a:bodyPr>
+          <a:p>
+            <a:r>
+              <a:rPr lang="en-US" altLang="zh-CN">
+                <a:sym typeface="+mn-ea"/>
+              </a:rPr>
+              <a:t>Yarn - </a:t>
+            </a:r>
+            <a:r>
+              <a:rPr lang="zh-CN" altLang="en-US">
+                <a:sym typeface="+mn-ea"/>
+              </a:rPr>
+              <a:t>集群模式 </a:t>
+            </a:r>
+            <a:r>
+              <a:rPr lang="en-US" altLang="zh-CN">
+                <a:sym typeface="+mn-ea"/>
+              </a:rPr>
+              <a:t>Client </a:t>
+            </a:r>
+            <a:r>
+              <a:rPr lang="zh-CN" altLang="zh-CN">
+                <a:sym typeface="+mn-ea"/>
+              </a:rPr>
+              <a:t>模式</a:t>
+            </a:r>
+            <a:endParaRPr lang="zh-CN" altLang="zh-CN">
+              <a:sym typeface="+mn-ea"/>
+            </a:endParaRPr>
+          </a:p>
+        </p:txBody>
+      </p:sp>
+      <p:sp>
+        <p:nvSpPr>
+          <p:cNvPr id="3" name="内容占位符 2"/>
+          <p:cNvSpPr>
+            <a:spLocks noGrp="1"/>
+          </p:cNvSpPr>
+          <p:nvPr>
+            <p:ph idx="1"/>
+          </p:nvPr>
+        </p:nvSpPr>
+        <p:spPr/>
+        <p:txBody>
+          <a:bodyPr/>
+          <a:p>
+            <a:r>
+              <a:rPr lang="zh-CN" altLang="en-US">
+                <a:solidFill>
+                  <a:schemeClr val="accent1"/>
+                </a:solidFill>
+                <a:sym typeface="+mn-ea"/>
+              </a:rPr>
+              <a:t>--master </a:t>
+            </a:r>
+            <a:r>
+              <a:rPr lang="en-US" altLang="en-US">
+                <a:solidFill>
+                  <a:schemeClr val="accent1"/>
+                </a:solidFill>
+                <a:sym typeface="+mn-ea"/>
+              </a:rPr>
+              <a:t>yarn-client</a:t>
+            </a:r>
+            <a:endParaRPr lang="en-US" altLang="en-US">
+              <a:solidFill>
+                <a:srgbClr val="FF0000"/>
+              </a:solidFill>
+              <a:sym typeface="+mn-ea"/>
+            </a:endParaRPr>
+          </a:p>
+          <a:p>
+            <a:endParaRPr lang="zh-CN" altLang="en-US">
+              <a:sym typeface="+mn-ea"/>
+            </a:endParaRPr>
+          </a:p>
+          <a:p>
+            <a:r>
+              <a:rPr lang="zh-CN" altLang="en-US">
+                <a:sym typeface="+mn-ea"/>
+              </a:rPr>
+              <a:t>./bin/spark-submit --class org.apache.spark.examples.SparkPi </a:t>
+            </a:r>
+            <a:r>
+              <a:rPr lang="zh-CN" altLang="en-US">
+                <a:solidFill>
+                  <a:schemeClr val="accent1"/>
+                </a:solidFill>
+                <a:sym typeface="+mn-ea"/>
+              </a:rPr>
+              <a:t>--master </a:t>
+            </a:r>
+            <a:r>
+              <a:rPr lang="en-US" altLang="en-US">
+                <a:solidFill>
+                  <a:schemeClr val="accent1"/>
+                </a:solidFill>
+                <a:sym typeface="+mn-ea"/>
+              </a:rPr>
+              <a:t>yarn-client</a:t>
+            </a:r>
+            <a:r>
+              <a:rPr lang="en-US" altLang="zh-CN">
+                <a:sym typeface="+mn-ea"/>
+              </a:rPr>
+              <a:t> </a:t>
+            </a:r>
+            <a:r>
+              <a:rPr lang="zh-CN" altLang="en-US">
+                <a:solidFill>
+                  <a:srgbClr val="FF0000"/>
+                </a:solidFill>
+                <a:sym typeface="+mn-ea"/>
+              </a:rPr>
+              <a:t>--executor-memory 512m</a:t>
+            </a:r>
+            <a:r>
+              <a:rPr lang="zh-CN" altLang="en-US">
+                <a:sym typeface="+mn-ea"/>
+              </a:rPr>
+              <a:t>  ./examples/jars/spark-examples_2.11-2.2.0.jar 10</a:t>
+            </a:r>
+            <a:endParaRPr lang="zh-CN" altLang="en-US"/>
+          </a:p>
+        </p:txBody>
+      </p:sp>
+    </p:spTree>
+  </p:cSld>
+  <p:clrMapOvr>
+    <a:masterClrMapping/>
+  </p:clrMapOvr>
+</p:sld>
+</file>
+
+<file path=ppt/slides/slide38.xml><?xml version="1.0" encoding="utf-8"?>
+<p:sld xmlns:a="http://schemas.openxmlformats.org/drawingml/2006/main" xmlns:r="http://schemas.openxmlformats.org/officeDocument/2006/relationships" xmlns:p="http://schemas.openxmlformats.org/presentationml/2006/main">
+  <p:cSld>
+    <p:spTree>
+      <p:nvGrpSpPr>
+        <p:cNvPr id="1" name=""/>
+        <p:cNvGrpSpPr/>
+        <p:nvPr/>
+      </p:nvGrpSpPr>
+      <p:grpSpPr/>
+      <p:sp>
+        <p:nvSpPr>
+          <p:cNvPr id="2" name="标题 1"/>
+          <p:cNvSpPr>
+            <a:spLocks noGrp="1"/>
+          </p:cNvSpPr>
+          <p:nvPr>
+            <p:ph type="title"/>
+          </p:nvPr>
+        </p:nvSpPr>
+        <p:spPr/>
+        <p:txBody>
+          <a:bodyPr/>
+          <a:p>
+            <a:r>
+              <a:rPr lang="en-US" altLang="zh-CN"/>
+              <a:t>spark on yarn </a:t>
+            </a:r>
+            <a:r>
+              <a:rPr lang="zh-CN" altLang="en-US"/>
+              <a:t>异常解决</a:t>
+            </a:r>
+            <a:endParaRPr lang="zh-CN" altLang="en-US"/>
+          </a:p>
+        </p:txBody>
+      </p:sp>
+      <p:sp>
+        <p:nvSpPr>
+          <p:cNvPr id="3" name="内容占位符 2"/>
+          <p:cNvSpPr>
+            <a:spLocks noGrp="1"/>
+          </p:cNvSpPr>
+          <p:nvPr>
+            <p:ph idx="1"/>
+          </p:nvPr>
+        </p:nvSpPr>
+        <p:spPr/>
+        <p:txBody>
+          <a:bodyPr>
+            <a:normAutofit fontScale="60000"/>
+          </a:bodyPr>
+          <a:p>
+            <a:r>
+              <a:rPr lang="zh-CN" altLang="zh-CN"/>
+              <a:t>如果</a:t>
+            </a:r>
+            <a:r>
+              <a:rPr lang="en-US" altLang="zh-CN"/>
+              <a:t>spark </a:t>
+            </a:r>
+            <a:r>
+              <a:rPr lang="zh-CN" altLang="en-US"/>
+              <a:t>在</a:t>
+            </a:r>
+            <a:r>
+              <a:rPr lang="en-US" altLang="zh-CN"/>
+              <a:t>yarn</a:t>
+            </a:r>
+            <a:r>
+              <a:rPr lang="zh-CN" altLang="en-US"/>
+              <a:t>上运行报如下错误：</a:t>
+            </a:r>
+            <a:endParaRPr lang="zh-CN" altLang="en-US"/>
+          </a:p>
+          <a:p>
+            <a:r>
+              <a:rPr lang="zh-CN" altLang="en-US"/>
+              <a:t>java.io.IOException: Failed to send RPC 8305478367380188725 to /192.168.56.101:43246: java.nio.channels.ClosedChannelException</a:t>
+            </a:r>
+            <a:endParaRPr lang="zh-CN" altLang="en-US"/>
+          </a:p>
+          <a:p>
+            <a:r>
+              <a:rPr lang="zh-CN" altLang="en-US"/>
+              <a:t>可以尝试修改yarn-site.xml，添加下列property</a:t>
+            </a:r>
+            <a:endParaRPr lang="zh-CN" altLang="en-US"/>
+          </a:p>
+          <a:p>
+            <a:r>
+              <a:rPr lang="zh-CN" altLang="en-US"/>
+              <a:t>&lt;property&gt;</a:t>
+            </a:r>
+            <a:endParaRPr lang="zh-CN" altLang="en-US"/>
+          </a:p>
+          <a:p>
+            <a:r>
+              <a:rPr lang="zh-CN" altLang="en-US"/>
+              <a:t>    &lt;name&gt;yarn.nodemanager.pmem-check-enabled&lt;/name&gt;</a:t>
+            </a:r>
+            <a:endParaRPr lang="zh-CN" altLang="en-US"/>
+          </a:p>
+          <a:p>
+            <a:r>
+              <a:rPr lang="zh-CN" altLang="en-US"/>
+              <a:t>    &lt;value&gt;false&lt;/value&gt;</a:t>
+            </a:r>
+            <a:endParaRPr lang="zh-CN" altLang="en-US"/>
+          </a:p>
+          <a:p>
+            <a:r>
+              <a:rPr lang="zh-CN" altLang="en-US"/>
+              <a:t>&lt;/property&gt;</a:t>
+            </a:r>
+            <a:endParaRPr lang="zh-CN" altLang="en-US"/>
+          </a:p>
+          <a:p>
+            <a:r>
+              <a:rPr lang="zh-CN" altLang="en-US"/>
+              <a:t>&lt;property&gt;</a:t>
+            </a:r>
+            <a:endParaRPr lang="zh-CN" altLang="en-US"/>
+          </a:p>
+          <a:p>
+            <a:r>
+              <a:rPr lang="zh-CN" altLang="en-US"/>
+              <a:t>    &lt;name&gt;yarn.nodemanager.vmem-check-enabled&lt;/name&gt;</a:t>
+            </a:r>
+            <a:endParaRPr lang="zh-CN" altLang="en-US"/>
+          </a:p>
+          <a:p>
+            <a:r>
+              <a:rPr lang="zh-CN" altLang="en-US"/>
+              <a:t>    &lt;value&gt;false&lt;/value&gt;</a:t>
+            </a:r>
+            <a:endParaRPr lang="zh-CN" altLang="en-US"/>
+          </a:p>
+          <a:p>
+            <a:r>
+              <a:rPr lang="zh-CN" altLang="en-US"/>
+              <a:t>&lt;/property&gt;</a:t>
+            </a:r>
+            <a:endParaRPr lang="zh-CN" altLang="en-US"/>
+          </a:p>
+        </p:txBody>
+      </p:sp>
+    </p:spTree>
+  </p:cSld>
+  <p:clrMapOvr>
+    <a:masterClrMapping/>
+  </p:clrMapOvr>
+</p:sld>
+</file>
+
+<file path=ppt/slides/slide39.xml><?xml version="1.0" encoding="utf-8"?>
+<p:sld xmlns:a="http://schemas.openxmlformats.org/drawingml/2006/main" xmlns:r="http://schemas.openxmlformats.org/officeDocument/2006/relationships" xmlns:p="http://schemas.openxmlformats.org/presentationml/2006/main">
+  <p:cSld>
+    <p:spTree>
+      <p:nvGrpSpPr>
+        <p:cNvPr id="1" name=""/>
+        <p:cNvGrpSpPr/>
+        <p:nvPr/>
+      </p:nvGrpSpPr>
+      <p:grpSpPr/>
+      <p:sp>
+        <p:nvSpPr>
+          <p:cNvPr id="2" name="标题 1"/>
+          <p:cNvSpPr>
+            <a:spLocks noGrp="1"/>
+          </p:cNvSpPr>
+          <p:nvPr>
+            <p:ph type="title"/>
+          </p:nvPr>
+        </p:nvSpPr>
+        <p:spPr/>
+        <p:txBody>
+          <a:bodyPr>
+            <a:normAutofit/>
+          </a:bodyPr>
+          <a:p>
+            <a:r>
+              <a:rPr lang="en-US" altLang="zh-CN">
+                <a:sym typeface="+mn-ea"/>
+              </a:rPr>
+              <a:t>Yarn - </a:t>
+            </a:r>
+            <a:r>
+              <a:rPr lang="zh-CN" altLang="en-US">
+                <a:sym typeface="+mn-ea"/>
+              </a:rPr>
+              <a:t>集群模式 </a:t>
+            </a:r>
+            <a:r>
+              <a:rPr lang="en-US" altLang="zh-CN">
+                <a:sym typeface="+mn-ea"/>
+              </a:rPr>
+              <a:t>Cluster </a:t>
+            </a:r>
+            <a:r>
+              <a:rPr lang="zh-CN" altLang="zh-CN">
+                <a:sym typeface="+mn-ea"/>
+              </a:rPr>
+              <a:t>模式</a:t>
+            </a:r>
+            <a:endParaRPr lang="zh-CN" altLang="en-US"/>
+          </a:p>
+        </p:txBody>
+      </p:sp>
+      <p:sp>
+        <p:nvSpPr>
+          <p:cNvPr id="3" name="内容占位符 2"/>
+          <p:cNvSpPr>
+            <a:spLocks noGrp="1"/>
+          </p:cNvSpPr>
+          <p:nvPr>
+            <p:ph idx="1"/>
+          </p:nvPr>
+        </p:nvSpPr>
+        <p:spPr/>
+        <p:txBody>
+          <a:bodyPr/>
+          <a:p>
+            <a:r>
+              <a:rPr lang="zh-CN" altLang="en-US">
+                <a:solidFill>
+                  <a:schemeClr val="accent1"/>
+                </a:solidFill>
+                <a:sym typeface="+mn-ea"/>
+              </a:rPr>
+              <a:t>--master </a:t>
+            </a:r>
+            <a:r>
+              <a:rPr lang="en-US" altLang="en-US">
+                <a:solidFill>
+                  <a:schemeClr val="accent1"/>
+                </a:solidFill>
+                <a:sym typeface="+mn-ea"/>
+              </a:rPr>
+              <a:t>yarn-cluster</a:t>
+            </a:r>
+            <a:endParaRPr lang="en-US" altLang="en-US">
+              <a:solidFill>
+                <a:srgbClr val="FF0000"/>
+              </a:solidFill>
+              <a:sym typeface="+mn-ea"/>
+            </a:endParaRPr>
+          </a:p>
+          <a:p>
+            <a:endParaRPr lang="zh-CN" altLang="en-US">
+              <a:sym typeface="+mn-ea"/>
+            </a:endParaRPr>
+          </a:p>
+          <a:p>
+            <a:r>
+              <a:rPr lang="zh-CN" altLang="en-US">
+                <a:sym typeface="+mn-ea"/>
+              </a:rPr>
+              <a:t>./bin/spark-submit --class org.apache.spark.examples.SparkPi </a:t>
+            </a:r>
+            <a:r>
+              <a:rPr lang="zh-CN" altLang="en-US">
+                <a:solidFill>
+                  <a:schemeClr val="accent1"/>
+                </a:solidFill>
+                <a:sym typeface="+mn-ea"/>
+              </a:rPr>
+              <a:t>--master </a:t>
+            </a:r>
+            <a:r>
+              <a:rPr lang="en-US" altLang="en-US">
+                <a:solidFill>
+                  <a:schemeClr val="accent1"/>
+                </a:solidFill>
+                <a:sym typeface="+mn-ea"/>
+              </a:rPr>
+              <a:t>yarn-cluster</a:t>
+            </a:r>
+            <a:r>
+              <a:rPr lang="en-US" altLang="zh-CN">
+                <a:sym typeface="+mn-ea"/>
+              </a:rPr>
+              <a:t> </a:t>
+            </a:r>
+            <a:r>
+              <a:rPr lang="zh-CN" altLang="en-US">
+                <a:solidFill>
+                  <a:srgbClr val="FF0000"/>
+                </a:solidFill>
+                <a:sym typeface="+mn-ea"/>
+              </a:rPr>
+              <a:t>--executor-memory 512m</a:t>
+            </a:r>
+            <a:r>
+              <a:rPr lang="zh-CN" altLang="en-US">
+                <a:sym typeface="+mn-ea"/>
+              </a:rPr>
+              <a:t>  ./examples/jars/spark-examples_2.11-2.2.0.jar 10</a:t>
+            </a:r>
+            <a:endParaRPr lang="zh-CN" altLang="en-US"/>
+          </a:p>
+          <a:p>
+            <a:endParaRPr lang="zh-CN" altLang="en-US"/>
           </a:p>
         </p:txBody>
       </p:sp>
